--- a/doklad.PPTX
+++ b/doklad.PPTX
@@ -5,19 +5,21 @@
     <p:sldMasterId id="2147483648" r:id="rId1"/>
   </p:sldMasterIdLst>
   <p:notesMasterIdLst>
-    <p:notesMasterId r:id="rId12"/>
+    <p:notesMasterId r:id="rId14"/>
   </p:notesMasterIdLst>
   <p:sldIdLst>
     <p:sldId id="256" r:id="rId2"/>
-    <p:sldId id="257" r:id="rId3"/>
-    <p:sldId id="258" r:id="rId4"/>
-    <p:sldId id="259" r:id="rId5"/>
-    <p:sldId id="260" r:id="rId6"/>
-    <p:sldId id="261" r:id="rId7"/>
-    <p:sldId id="262" r:id="rId8"/>
-    <p:sldId id="263" r:id="rId9"/>
-    <p:sldId id="264" r:id="rId10"/>
-    <p:sldId id="265" r:id="rId11"/>
+    <p:sldId id="272" r:id="rId3"/>
+    <p:sldId id="257" r:id="rId4"/>
+    <p:sldId id="258" r:id="rId5"/>
+    <p:sldId id="273" r:id="rId6"/>
+    <p:sldId id="266" r:id="rId7"/>
+    <p:sldId id="267" r:id="rId8"/>
+    <p:sldId id="268" r:id="rId9"/>
+    <p:sldId id="269" r:id="rId10"/>
+    <p:sldId id="270" r:id="rId11"/>
+    <p:sldId id="271" r:id="rId12"/>
+    <p:sldId id="265" r:id="rId13"/>
   </p:sldIdLst>
   <p:sldSz cx="12192000" cy="6858000"/>
   <p:notesSz cx="6858000" cy="9144000"/>
@@ -116,6 +118,11 @@
       </a:defRPr>
     </a:lvl9pPr>
   </p:defaultTextStyle>
+  <p:extLst>
+    <p:ext uri="{EFAFB233-063F-42B5-8137-9DF3F51BA10A}">
+      <p15:sldGuideLst xmlns:p15="http://schemas.microsoft.com/office/powerpoint/2012/main"/>
+    </p:ext>
+  </p:extLst>
 </p:presentation>
 </file>
 
@@ -618,7 +625,7 @@
           <a:p>
             <a:fld id="{8AB26979-5C81-4CB4-82ED-647B642791C0}" type="slidenum">
               <a:rPr lang="ru-RU" smtClean="0"/>
-              <a:t>10</a:t>
+              <a:t>12</a:t>
             </a:fld>
             <a:endParaRPr lang="ru-RU"/>
           </a:p>
@@ -3496,7 +3503,7 @@
       </p:grpSpPr>
       <p:pic>
         <p:nvPicPr>
-          <p:cNvPr id="13" name="Рисунок 12"/>
+          <p:cNvPr id="2" name="Рисунок 1"/>
           <p:cNvPicPr>
             <a:picLocks noChangeAspect="1"/>
           </p:cNvPicPr>
@@ -3516,14 +3523,176 @@
         </p:blipFill>
         <p:spPr>
           <a:xfrm>
-            <a:off x="0" y="0"/>
-            <a:ext cx="12192000" cy="6858000"/>
+            <a:off x="0" y="-14826"/>
+            <a:ext cx="12192000" cy="6872825"/>
           </a:xfrm>
           <a:prstGeom prst="rect">
             <a:avLst/>
           </a:prstGeom>
         </p:spPr>
       </p:pic>
+      <p:sp>
+        <p:nvSpPr>
+          <p:cNvPr id="15" name="Прямоугольник 14">
+            <a:extLst>
+              <a:ext uri="{FF2B5EF4-FFF2-40B4-BE49-F238E27FC236}">
+                <a16:creationId xmlns:a16="http://schemas.microsoft.com/office/drawing/2014/main" id="{3A24C834-B741-4195-B095-CF0589AF7461}"/>
+              </a:ext>
+            </a:extLst>
+          </p:cNvPr>
+          <p:cNvSpPr/>
+          <p:nvPr/>
+        </p:nvSpPr>
+        <p:spPr>
+          <a:xfrm>
+            <a:off x="-1" y="-14826"/>
+            <a:ext cx="12192000" cy="2176896"/>
+          </a:xfrm>
+          <a:prstGeom prst="rect">
+            <a:avLst/>
+          </a:prstGeom>
+          <a:solidFill>
+            <a:srgbClr val="607090">
+              <a:alpha val="90000"/>
+            </a:srgbClr>
+          </a:solidFill>
+          <a:ln>
+            <a:noFill/>
+          </a:ln>
+        </p:spPr>
+        <p:style>
+          <a:lnRef idx="2">
+            <a:schemeClr val="accent1">
+              <a:shade val="50000"/>
+            </a:schemeClr>
+          </a:lnRef>
+          <a:fillRef idx="1">
+            <a:schemeClr val="accent1"/>
+          </a:fillRef>
+          <a:effectRef idx="0">
+            <a:schemeClr val="accent1"/>
+          </a:effectRef>
+          <a:fontRef idx="minor">
+            <a:schemeClr val="lt1"/>
+          </a:fontRef>
+        </p:style>
+        <p:txBody>
+          <a:bodyPr rtlCol="0" anchor="ctr"/>
+          <a:lstStyle/>
+          <a:p>
+            <a:pPr algn="ctr"/>
+            <a:endParaRPr lang="ru-RU"/>
+          </a:p>
+        </p:txBody>
+      </p:sp>
+      <p:sp>
+        <p:nvSpPr>
+          <p:cNvPr id="16" name="Прямоугольник 15">
+            <a:extLst>
+              <a:ext uri="{FF2B5EF4-FFF2-40B4-BE49-F238E27FC236}">
+                <a16:creationId xmlns:a16="http://schemas.microsoft.com/office/drawing/2014/main" id="{3A24C834-B741-4195-B095-CF0589AF7461}"/>
+              </a:ext>
+            </a:extLst>
+          </p:cNvPr>
+          <p:cNvSpPr/>
+          <p:nvPr/>
+        </p:nvSpPr>
+        <p:spPr>
+          <a:xfrm>
+            <a:off x="0" y="4979872"/>
+            <a:ext cx="12192000" cy="1878127"/>
+          </a:xfrm>
+          <a:prstGeom prst="rect">
+            <a:avLst/>
+          </a:prstGeom>
+          <a:solidFill>
+            <a:srgbClr val="607090">
+              <a:alpha val="90000"/>
+            </a:srgbClr>
+          </a:solidFill>
+          <a:ln>
+            <a:noFill/>
+          </a:ln>
+        </p:spPr>
+        <p:style>
+          <a:lnRef idx="2">
+            <a:schemeClr val="accent1">
+              <a:shade val="50000"/>
+            </a:schemeClr>
+          </a:lnRef>
+          <a:fillRef idx="1">
+            <a:schemeClr val="accent1"/>
+          </a:fillRef>
+          <a:effectRef idx="0">
+            <a:schemeClr val="accent1"/>
+          </a:effectRef>
+          <a:fontRef idx="minor">
+            <a:schemeClr val="lt1"/>
+          </a:fontRef>
+        </p:style>
+        <p:txBody>
+          <a:bodyPr rtlCol="0" anchor="ctr"/>
+          <a:lstStyle/>
+          <a:p>
+            <a:pPr algn="ctr"/>
+            <a:endParaRPr lang="ru-RU"/>
+          </a:p>
+        </p:txBody>
+      </p:sp>
+      <p:sp>
+        <p:nvSpPr>
+          <p:cNvPr id="14" name="Прямоугольник 13">
+            <a:extLst>
+              <a:ext uri="{FF2B5EF4-FFF2-40B4-BE49-F238E27FC236}">
+                <a16:creationId xmlns:a16="http://schemas.microsoft.com/office/drawing/2014/main" id="{3A24C834-B741-4195-B095-CF0589AF7461}"/>
+              </a:ext>
+            </a:extLst>
+          </p:cNvPr>
+          <p:cNvSpPr/>
+          <p:nvPr/>
+        </p:nvSpPr>
+        <p:spPr>
+          <a:xfrm>
+            <a:off x="0" y="2164080"/>
+            <a:ext cx="12192000" cy="2819400"/>
+          </a:xfrm>
+          <a:prstGeom prst="rect">
+            <a:avLst/>
+          </a:prstGeom>
+          <a:solidFill>
+            <a:srgbClr val="607090">
+              <a:alpha val="90000"/>
+            </a:srgbClr>
+          </a:solidFill>
+          <a:ln>
+            <a:noFill/>
+          </a:ln>
+        </p:spPr>
+        <p:style>
+          <a:lnRef idx="2">
+            <a:schemeClr val="accent1">
+              <a:shade val="50000"/>
+            </a:schemeClr>
+          </a:lnRef>
+          <a:fillRef idx="1">
+            <a:schemeClr val="accent1"/>
+          </a:fillRef>
+          <a:effectRef idx="0">
+            <a:schemeClr val="accent1"/>
+          </a:effectRef>
+          <a:fontRef idx="minor">
+            <a:schemeClr val="lt1"/>
+          </a:fontRef>
+        </p:style>
+        <p:txBody>
+          <a:bodyPr rtlCol="0" anchor="ctr"/>
+          <a:lstStyle/>
+          <a:p>
+            <a:pPr algn="ctr"/>
+            <a:endParaRPr lang="ru-RU"/>
+          </a:p>
+        </p:txBody>
+      </p:sp>
       <p:sp>
         <p:nvSpPr>
           <p:cNvPr id="5" name="Заголовок 1"/>
@@ -3555,7 +3724,6 @@
               <a:rPr lang="ru-RU" dirty="0"/>
               <a:t> </a:t>
             </a:r>
-            <a:endParaRPr lang="ru-RU" dirty="0"/>
           </a:p>
         </p:txBody>
       </p:sp>
@@ -3830,7 +3998,7 @@
         </p:nvSpPr>
         <p:spPr>
           <a:xfrm flipH="1">
-            <a:off x="-1" y="2371274"/>
+            <a:off x="2" y="2390324"/>
             <a:ext cx="12191998" cy="707886"/>
           </a:xfrm>
           <a:prstGeom prst="rect">
@@ -4091,27 +4259,8 @@
                 <a:ea typeface="Lato" panose="020F0502020204030203" pitchFamily="34" charset="0"/>
                 <a:cs typeface="Lato" panose="020F0502020204030203" pitchFamily="34" charset="0"/>
               </a:rPr>
-              <a:t>Комарова Елизавета </a:t>
-            </a:r>
-            <a:r>
-              <a:rPr lang="ru-RU" sz="1600" dirty="0" smtClean="0">
-                <a:solidFill>
-                  <a:schemeClr val="bg1"/>
-                </a:solidFill>
-                <a:latin typeface="Lato" panose="020F0502020204030203" pitchFamily="34" charset="0"/>
-                <a:ea typeface="Lato" panose="020F0502020204030203" pitchFamily="34" charset="0"/>
-                <a:cs typeface="Lato" panose="020F0502020204030203" pitchFamily="34" charset="0"/>
-              </a:rPr>
-              <a:t>Ивановна</a:t>
-            </a:r>
-            <a:endParaRPr lang="ru-RU" sz="1600" dirty="0" smtClean="0">
-              <a:solidFill>
-                <a:schemeClr val="bg1"/>
-              </a:solidFill>
-              <a:latin typeface="Lato" panose="020F0502020204030203" pitchFamily="34" charset="0"/>
-              <a:ea typeface="Lato" panose="020F0502020204030203" pitchFamily="34" charset="0"/>
-              <a:cs typeface="Lato" panose="020F0502020204030203" pitchFamily="34" charset="0"/>
-            </a:endParaRPr>
+              <a:t>Комарова Елизавета Ивановна</a:t>
+            </a:r>
           </a:p>
         </p:txBody>
       </p:sp>
@@ -4208,7 +4357,7 @@
           <p:nvPr/>
         </p:nvPicPr>
         <p:blipFill>
-          <a:blip r:embed="rId3">
+          <a:blip r:embed="rId2">
             <a:extLst>
               <a:ext uri="{28A0092B-C50C-407E-A947-70E740481C1C}">
                 <a14:useLocalDpi xmlns:a14="http://schemas.microsoft.com/office/drawing/2010/main" val="0"/>
@@ -4229,9 +4378,2059 @@
           </a:prstGeom>
         </p:spPr>
       </p:pic>
+      <p:sp>
+        <p:nvSpPr>
+          <p:cNvPr id="5" name="Прямоугольник 4"/>
+          <p:cNvSpPr/>
+          <p:nvPr/>
+        </p:nvSpPr>
+        <p:spPr>
+          <a:xfrm>
+            <a:off x="644938" y="395626"/>
+            <a:ext cx="3488776" cy="707886"/>
+          </a:xfrm>
+          <a:prstGeom prst="rect">
+            <a:avLst/>
+          </a:prstGeom>
+        </p:spPr>
+        <p:txBody>
+          <a:bodyPr wrap="none">
+            <a:spAutoFit/>
+          </a:bodyPr>
+          <a:lstStyle/>
+          <a:p>
+            <a:r>
+              <a:rPr lang="ru-RU" sz="4000" b="1" dirty="0" smtClean="0">
+                <a:solidFill>
+                  <a:schemeClr val="bg1"/>
+                </a:solidFill>
+                <a:latin typeface="Times New Roman" panose="02020603050405020304" pitchFamily="18" charset="0"/>
+                <a:cs typeface="Times New Roman" panose="02020603050405020304" pitchFamily="18" charset="0"/>
+              </a:rPr>
+              <a:t>Цели и задачи</a:t>
+            </a:r>
+            <a:endParaRPr lang="ru-BY" sz="4000" b="1" dirty="0">
+              <a:solidFill>
+                <a:schemeClr val="bg1"/>
+              </a:solidFill>
+              <a:latin typeface="Times New Roman" panose="02020603050405020304" pitchFamily="18" charset="0"/>
+              <a:cs typeface="Times New Roman" panose="02020603050405020304" pitchFamily="18" charset="0"/>
+            </a:endParaRPr>
+          </a:p>
+        </p:txBody>
+      </p:sp>
+      <p:sp>
+        <p:nvSpPr>
+          <p:cNvPr id="6" name="Прямоугольник 5"/>
+          <p:cNvSpPr/>
+          <p:nvPr/>
+        </p:nvSpPr>
+        <p:spPr>
+          <a:xfrm>
+            <a:off x="106458" y="153863"/>
+            <a:ext cx="11790485" cy="6550269"/>
+          </a:xfrm>
+          <a:prstGeom prst="rect">
+            <a:avLst/>
+          </a:prstGeom>
+          <a:solidFill>
+            <a:schemeClr val="bg1"/>
+          </a:solidFill>
+        </p:spPr>
+        <p:style>
+          <a:lnRef idx="2">
+            <a:schemeClr val="accent1">
+              <a:shade val="50000"/>
+            </a:schemeClr>
+          </a:lnRef>
+          <a:fillRef idx="1">
+            <a:schemeClr val="accent1"/>
+          </a:fillRef>
+          <a:effectRef idx="0">
+            <a:schemeClr val="accent1"/>
+          </a:effectRef>
+          <a:fontRef idx="minor">
+            <a:schemeClr val="lt1"/>
+          </a:fontRef>
+        </p:style>
+        <p:txBody>
+          <a:bodyPr rtlCol="0" anchor="ctr"/>
+          <a:lstStyle/>
+          <a:p>
+            <a:pPr algn="ctr"/>
+            <a:endParaRPr lang="ru-RU">
+              <a:solidFill>
+                <a:schemeClr val="bg1"/>
+              </a:solidFill>
+            </a:endParaRPr>
+          </a:p>
+        </p:txBody>
+      </p:sp>
+      <p:sp>
+        <p:nvSpPr>
+          <p:cNvPr id="7" name="Прямоугольник 6"/>
+          <p:cNvSpPr/>
+          <p:nvPr/>
+        </p:nvSpPr>
+        <p:spPr>
+          <a:xfrm>
+            <a:off x="539430" y="369249"/>
+            <a:ext cx="6882012" cy="615553"/>
+          </a:xfrm>
+          <a:prstGeom prst="rect">
+            <a:avLst/>
+          </a:prstGeom>
+        </p:spPr>
+        <p:txBody>
+          <a:bodyPr wrap="none">
+            <a:spAutoFit/>
+          </a:bodyPr>
+          <a:lstStyle/>
+          <a:p>
+            <a:r>
+              <a:rPr lang="ru-RU" sz="3400" b="1" dirty="0" smtClean="0">
+                <a:latin typeface="+mj-lt"/>
+                <a:cs typeface="Arial" panose="020B0604020202020204" pitchFamily="34" charset="0"/>
+              </a:rPr>
+              <a:t>Таблица экономических показателей</a:t>
+            </a:r>
+            <a:endParaRPr lang="ru-BY" sz="3400" b="1" dirty="0">
+              <a:latin typeface="+mj-lt"/>
+              <a:cs typeface="Arial" panose="020B0604020202020204" pitchFamily="34" charset="0"/>
+            </a:endParaRPr>
+          </a:p>
+        </p:txBody>
+      </p:sp>
+      <p:sp>
+        <p:nvSpPr>
+          <p:cNvPr id="8" name="Прямоугольник 7">
+            <a:extLst>
+              <a:ext uri="{FF2B5EF4-FFF2-40B4-BE49-F238E27FC236}">
+                <a16:creationId xmlns:a16="http://schemas.microsoft.com/office/drawing/2014/main" id="{A13F02C5-D91C-41C8-A768-087FD6AD5394}"/>
+              </a:ext>
+            </a:extLst>
+          </p:cNvPr>
+          <p:cNvSpPr/>
+          <p:nvPr/>
+        </p:nvSpPr>
+        <p:spPr>
+          <a:xfrm rot="16200000">
+            <a:off x="9550435" y="3313248"/>
+            <a:ext cx="4461521" cy="231496"/>
+          </a:xfrm>
+          <a:prstGeom prst="rect">
+            <a:avLst/>
+          </a:prstGeom>
+          <a:solidFill>
+            <a:schemeClr val="accent1">
+              <a:lumMod val="75000"/>
+            </a:schemeClr>
+          </a:solidFill>
+          <a:ln>
+            <a:noFill/>
+          </a:ln>
+        </p:spPr>
+        <p:style>
+          <a:lnRef idx="2">
+            <a:schemeClr val="accent1">
+              <a:shade val="50000"/>
+            </a:schemeClr>
+          </a:lnRef>
+          <a:fillRef idx="1">
+            <a:schemeClr val="accent1"/>
+          </a:fillRef>
+          <a:effectRef idx="0">
+            <a:schemeClr val="accent1"/>
+          </a:effectRef>
+          <a:fontRef idx="minor">
+            <a:schemeClr val="lt1"/>
+          </a:fontRef>
+        </p:style>
+        <p:txBody>
+          <a:bodyPr rtlCol="0" anchor="ctr"/>
+          <a:lstStyle/>
+          <a:p>
+            <a:pPr algn="ctr"/>
+            <a:endParaRPr lang="ru-RU"/>
+          </a:p>
+        </p:txBody>
+      </p:sp>
+      <p:sp>
+        <p:nvSpPr>
+          <p:cNvPr id="9" name="Прямоугольник 8">
+            <a:extLst>
+              <a:ext uri="{FF2B5EF4-FFF2-40B4-BE49-F238E27FC236}">
+                <a16:creationId xmlns:a16="http://schemas.microsoft.com/office/drawing/2014/main" id="{A13F02C5-D91C-41C8-A768-087FD6AD5394}"/>
+              </a:ext>
+            </a:extLst>
+          </p:cNvPr>
+          <p:cNvSpPr/>
+          <p:nvPr/>
+        </p:nvSpPr>
+        <p:spPr>
+          <a:xfrm rot="16200000">
+            <a:off x="-2008555" y="3313249"/>
+            <a:ext cx="4461521" cy="231496"/>
+          </a:xfrm>
+          <a:prstGeom prst="rect">
+            <a:avLst/>
+          </a:prstGeom>
+          <a:solidFill>
+            <a:schemeClr val="accent1">
+              <a:lumMod val="75000"/>
+            </a:schemeClr>
+          </a:solidFill>
+          <a:ln>
+            <a:noFill/>
+          </a:ln>
+        </p:spPr>
+        <p:style>
+          <a:lnRef idx="2">
+            <a:schemeClr val="accent1">
+              <a:shade val="50000"/>
+            </a:schemeClr>
+          </a:lnRef>
+          <a:fillRef idx="1">
+            <a:schemeClr val="accent1"/>
+          </a:fillRef>
+          <a:effectRef idx="0">
+            <a:schemeClr val="accent1"/>
+          </a:effectRef>
+          <a:fontRef idx="minor">
+            <a:schemeClr val="lt1"/>
+          </a:fontRef>
+        </p:style>
+        <p:txBody>
+          <a:bodyPr rtlCol="0" anchor="ctr"/>
+          <a:lstStyle/>
+          <a:p>
+            <a:pPr algn="ctr"/>
+            <a:endParaRPr lang="ru-RU"/>
+          </a:p>
+        </p:txBody>
+      </p:sp>
+      <p:graphicFrame>
+        <p:nvGraphicFramePr>
+          <p:cNvPr id="11" name="Таблица 10"/>
+          <p:cNvGraphicFramePr>
+            <a:graphicFrameLocks noGrp="1"/>
+          </p:cNvGraphicFramePr>
+          <p:nvPr>
+            <p:extLst>
+              <p:ext uri="{D42A27DB-BD31-4B8C-83A1-F6EECF244321}">
+                <p14:modId xmlns:p14="http://schemas.microsoft.com/office/powerpoint/2010/main" val="3097681964"/>
+              </p:ext>
+            </p:extLst>
+          </p:nvPr>
+        </p:nvGraphicFramePr>
+        <p:xfrm>
+          <a:off x="2105025" y="1257375"/>
+          <a:ext cx="7981950" cy="4659629"/>
+        </p:xfrm>
+        <a:graphic>
+          <a:graphicData uri="http://schemas.openxmlformats.org/drawingml/2006/table">
+            <a:tbl>
+              <a:tblPr firstRow="1" firstCol="1" bandRow="1">
+                <a:tableStyleId>{5C22544A-7EE6-4342-B048-85BDC9FD1C3A}</a:tableStyleId>
+              </a:tblPr>
+              <a:tblGrid>
+                <a:gridCol w="5282452">
+                  <a:extLst>
+                    <a:ext uri="{9D8B030D-6E8A-4147-A177-3AD203B41FA5}">
+                      <a16:colId xmlns:a16="http://schemas.microsoft.com/office/drawing/2014/main" val="557272881"/>
+                    </a:ext>
+                  </a:extLst>
+                </a:gridCol>
+                <a:gridCol w="2699498">
+                  <a:extLst>
+                    <a:ext uri="{9D8B030D-6E8A-4147-A177-3AD203B41FA5}">
+                      <a16:colId xmlns:a16="http://schemas.microsoft.com/office/drawing/2014/main" val="1521903410"/>
+                    </a:ext>
+                  </a:extLst>
+                </a:gridCol>
+              </a:tblGrid>
+              <a:tr h="331734">
+                <a:tc>
+                  <a:txBody>
+                    <a:bodyPr/>
+                    <a:lstStyle/>
+                    <a:p>
+                      <a:pPr algn="ctr">
+                        <a:lnSpc>
+                          <a:spcPct val="107000"/>
+                        </a:lnSpc>
+                        <a:spcAft>
+                          <a:spcPts val="0"/>
+                        </a:spcAft>
+                        <a:tabLst>
+                          <a:tab pos="581660" algn="l"/>
+                          <a:tab pos="1163320" algn="l"/>
+                          <a:tab pos="1744980" algn="l"/>
+                          <a:tab pos="2326640" algn="l"/>
+                          <a:tab pos="2908300" algn="l"/>
+                          <a:tab pos="3489960" algn="l"/>
+                          <a:tab pos="4071620" algn="l"/>
+                          <a:tab pos="4653280" algn="l"/>
+                          <a:tab pos="5234940" algn="l"/>
+                          <a:tab pos="5816600" algn="l"/>
+                          <a:tab pos="6398260" algn="l"/>
+                          <a:tab pos="6979920" algn="l"/>
+                          <a:tab pos="7561580" algn="l"/>
+                          <a:tab pos="8143240" algn="l"/>
+                          <a:tab pos="8724900" algn="l"/>
+                          <a:tab pos="9306560" algn="l"/>
+                        </a:tabLst>
+                      </a:pPr>
+                      <a:r>
+                        <a:rPr lang="ru-RU" sz="1400">
+                          <a:effectLst/>
+                        </a:rPr>
+                        <a:t>Наименование показателя</a:t>
+                      </a:r>
+                      <a:endParaRPr lang="ru-RU" sz="1100">
+                        <a:effectLst/>
+                        <a:latin typeface="Calibri" panose="020F0502020204030204" pitchFamily="34" charset="0"/>
+                        <a:ea typeface="Calibri" panose="020F0502020204030204" pitchFamily="34" charset="0"/>
+                        <a:cs typeface="Times New Roman" panose="02020603050405020304" pitchFamily="18" charset="0"/>
+                      </a:endParaRPr>
+                    </a:p>
+                  </a:txBody>
+                  <a:tcPr marL="68580" marR="68580" marT="0" marB="0"/>
+                </a:tc>
+                <a:tc>
+                  <a:txBody>
+                    <a:bodyPr/>
+                    <a:lstStyle/>
+                    <a:p>
+                      <a:pPr algn="ctr">
+                        <a:lnSpc>
+                          <a:spcPct val="107000"/>
+                        </a:lnSpc>
+                        <a:spcAft>
+                          <a:spcPts val="0"/>
+                        </a:spcAft>
+                        <a:tabLst>
+                          <a:tab pos="581660" algn="l"/>
+                          <a:tab pos="1163320" algn="l"/>
+                          <a:tab pos="1744980" algn="l"/>
+                          <a:tab pos="2326640" algn="l"/>
+                          <a:tab pos="2908300" algn="l"/>
+                          <a:tab pos="3489960" algn="l"/>
+                          <a:tab pos="4071620" algn="l"/>
+                          <a:tab pos="4653280" algn="l"/>
+                          <a:tab pos="5234940" algn="l"/>
+                          <a:tab pos="5816600" algn="l"/>
+                          <a:tab pos="6398260" algn="l"/>
+                          <a:tab pos="6979920" algn="l"/>
+                          <a:tab pos="7561580" algn="l"/>
+                          <a:tab pos="8143240" algn="l"/>
+                          <a:tab pos="8724900" algn="l"/>
+                          <a:tab pos="9306560" algn="l"/>
+                        </a:tabLst>
+                      </a:pPr>
+                      <a:r>
+                        <a:rPr lang="ru-RU" sz="1400">
+                          <a:effectLst/>
+                        </a:rPr>
+                        <a:t>Значение</a:t>
+                      </a:r>
+                      <a:endParaRPr lang="ru-RU" sz="1100">
+                        <a:effectLst/>
+                        <a:latin typeface="Calibri" panose="020F0502020204030204" pitchFamily="34" charset="0"/>
+                        <a:ea typeface="Calibri" panose="020F0502020204030204" pitchFamily="34" charset="0"/>
+                        <a:cs typeface="Times New Roman" panose="02020603050405020304" pitchFamily="18" charset="0"/>
+                      </a:endParaRPr>
+                    </a:p>
+                  </a:txBody>
+                  <a:tcPr marL="68580" marR="68580" marT="0" marB="0"/>
+                </a:tc>
+                <a:extLst>
+                  <a:ext uri="{0D108BD9-81ED-4DB2-BD59-A6C34878D82A}">
+                    <a16:rowId xmlns:a16="http://schemas.microsoft.com/office/drawing/2014/main" val="1512660445"/>
+                  </a:ext>
+                </a:extLst>
+              </a:tr>
+              <a:tr h="331734">
+                <a:tc>
+                  <a:txBody>
+                    <a:bodyPr/>
+                    <a:lstStyle/>
+                    <a:p>
+                      <a:pPr algn="just">
+                        <a:lnSpc>
+                          <a:spcPct val="107000"/>
+                        </a:lnSpc>
+                        <a:spcAft>
+                          <a:spcPts val="0"/>
+                        </a:spcAft>
+                        <a:tabLst>
+                          <a:tab pos="581660" algn="l"/>
+                          <a:tab pos="1163320" algn="l"/>
+                          <a:tab pos="1744980" algn="l"/>
+                          <a:tab pos="2326640" algn="l"/>
+                          <a:tab pos="2908300" algn="l"/>
+                          <a:tab pos="3489960" algn="l"/>
+                          <a:tab pos="4071620" algn="l"/>
+                          <a:tab pos="4653280" algn="l"/>
+                          <a:tab pos="5234940" algn="l"/>
+                          <a:tab pos="5816600" algn="l"/>
+                          <a:tab pos="6398260" algn="l"/>
+                          <a:tab pos="6979920" algn="l"/>
+                          <a:tab pos="7561580" algn="l"/>
+                          <a:tab pos="8143240" algn="l"/>
+                          <a:tab pos="8724900" algn="l"/>
+                          <a:tab pos="9306560" algn="l"/>
+                        </a:tabLst>
+                      </a:pPr>
+                      <a:r>
+                        <a:rPr lang="ru-RU" sz="1400">
+                          <a:effectLst/>
+                        </a:rPr>
+                        <a:t>Время разработки, ч.</a:t>
+                      </a:r>
+                      <a:endParaRPr lang="ru-RU" sz="1100">
+                        <a:effectLst/>
+                        <a:latin typeface="Calibri" panose="020F0502020204030204" pitchFamily="34" charset="0"/>
+                        <a:ea typeface="Calibri" panose="020F0502020204030204" pitchFamily="34" charset="0"/>
+                        <a:cs typeface="Times New Roman" panose="02020603050405020304" pitchFamily="18" charset="0"/>
+                      </a:endParaRPr>
+                    </a:p>
+                  </a:txBody>
+                  <a:tcPr marL="68580" marR="68580" marT="0" marB="0"/>
+                </a:tc>
+                <a:tc>
+                  <a:txBody>
+                    <a:bodyPr/>
+                    <a:lstStyle/>
+                    <a:p>
+                      <a:pPr algn="ctr">
+                        <a:lnSpc>
+                          <a:spcPct val="107000"/>
+                        </a:lnSpc>
+                        <a:spcAft>
+                          <a:spcPts val="0"/>
+                        </a:spcAft>
+                        <a:tabLst>
+                          <a:tab pos="581660" algn="l"/>
+                          <a:tab pos="685800" algn="l"/>
+                          <a:tab pos="1036320" algn="ctr"/>
+                          <a:tab pos="1163320" algn="l"/>
+                          <a:tab pos="1744980" algn="l"/>
+                          <a:tab pos="2326640" algn="l"/>
+                          <a:tab pos="2908300" algn="l"/>
+                          <a:tab pos="3489960" algn="l"/>
+                          <a:tab pos="4071620" algn="l"/>
+                          <a:tab pos="4653280" algn="l"/>
+                          <a:tab pos="5234940" algn="l"/>
+                          <a:tab pos="5816600" algn="l"/>
+                          <a:tab pos="6398260" algn="l"/>
+                          <a:tab pos="6979920" algn="l"/>
+                          <a:tab pos="7561580" algn="l"/>
+                          <a:tab pos="8143240" algn="l"/>
+                          <a:tab pos="8724900" algn="l"/>
+                          <a:tab pos="9306560" algn="l"/>
+                        </a:tabLst>
+                      </a:pPr>
+                      <a:r>
+                        <a:rPr lang="ru-RU" sz="1400">
+                          <a:effectLst/>
+                        </a:rPr>
+                        <a:t>393</a:t>
+                      </a:r>
+                      <a:endParaRPr lang="ru-RU" sz="1100">
+                        <a:effectLst/>
+                        <a:latin typeface="Calibri" panose="020F0502020204030204" pitchFamily="34" charset="0"/>
+                        <a:ea typeface="Calibri" panose="020F0502020204030204" pitchFamily="34" charset="0"/>
+                        <a:cs typeface="Times New Roman" panose="02020603050405020304" pitchFamily="18" charset="0"/>
+                      </a:endParaRPr>
+                    </a:p>
+                  </a:txBody>
+                  <a:tcPr marL="68580" marR="68580" marT="0" marB="0" anchor="ctr"/>
+                </a:tc>
+                <a:extLst>
+                  <a:ext uri="{0D108BD9-81ED-4DB2-BD59-A6C34878D82A}">
+                    <a16:rowId xmlns:a16="http://schemas.microsoft.com/office/drawing/2014/main" val="3137291574"/>
+                  </a:ext>
+                </a:extLst>
+              </a:tr>
+              <a:tr h="331734">
+                <a:tc>
+                  <a:txBody>
+                    <a:bodyPr/>
+                    <a:lstStyle/>
+                    <a:p>
+                      <a:pPr algn="just">
+                        <a:lnSpc>
+                          <a:spcPct val="107000"/>
+                        </a:lnSpc>
+                        <a:spcAft>
+                          <a:spcPts val="0"/>
+                        </a:spcAft>
+                        <a:tabLst>
+                          <a:tab pos="581660" algn="l"/>
+                          <a:tab pos="1163320" algn="l"/>
+                          <a:tab pos="1744980" algn="l"/>
+                          <a:tab pos="2326640" algn="l"/>
+                          <a:tab pos="2908300" algn="l"/>
+                          <a:tab pos="3489960" algn="l"/>
+                          <a:tab pos="4071620" algn="l"/>
+                          <a:tab pos="4653280" algn="l"/>
+                          <a:tab pos="5234940" algn="l"/>
+                          <a:tab pos="5816600" algn="l"/>
+                          <a:tab pos="6398260" algn="l"/>
+                          <a:tab pos="6979920" algn="l"/>
+                          <a:tab pos="7561580" algn="l"/>
+                          <a:tab pos="8143240" algn="l"/>
+                          <a:tab pos="8724900" algn="l"/>
+                          <a:tab pos="9306560" algn="l"/>
+                        </a:tabLst>
+                      </a:pPr>
+                      <a:r>
+                        <a:rPr lang="ru-RU" sz="1400">
+                          <a:effectLst/>
+                        </a:rPr>
+                        <a:t>Количество разработчиков, чел.</a:t>
+                      </a:r>
+                      <a:endParaRPr lang="ru-RU" sz="1100">
+                        <a:effectLst/>
+                        <a:latin typeface="Calibri" panose="020F0502020204030204" pitchFamily="34" charset="0"/>
+                        <a:ea typeface="Calibri" panose="020F0502020204030204" pitchFamily="34" charset="0"/>
+                        <a:cs typeface="Times New Roman" panose="02020603050405020304" pitchFamily="18" charset="0"/>
+                      </a:endParaRPr>
+                    </a:p>
+                  </a:txBody>
+                  <a:tcPr marL="68580" marR="68580" marT="0" marB="0"/>
+                </a:tc>
+                <a:tc>
+                  <a:txBody>
+                    <a:bodyPr/>
+                    <a:lstStyle/>
+                    <a:p>
+                      <a:pPr algn="ctr">
+                        <a:lnSpc>
+                          <a:spcPct val="107000"/>
+                        </a:lnSpc>
+                        <a:spcAft>
+                          <a:spcPts val="0"/>
+                        </a:spcAft>
+                        <a:tabLst>
+                          <a:tab pos="581660" algn="l"/>
+                          <a:tab pos="685800" algn="l"/>
+                          <a:tab pos="1036320" algn="ctr"/>
+                          <a:tab pos="1163320" algn="l"/>
+                          <a:tab pos="1744980" algn="l"/>
+                          <a:tab pos="2326640" algn="l"/>
+                          <a:tab pos="2908300" algn="l"/>
+                          <a:tab pos="3489960" algn="l"/>
+                          <a:tab pos="4071620" algn="l"/>
+                          <a:tab pos="4653280" algn="l"/>
+                          <a:tab pos="5234940" algn="l"/>
+                          <a:tab pos="5816600" algn="l"/>
+                          <a:tab pos="6398260" algn="l"/>
+                          <a:tab pos="6979920" algn="l"/>
+                          <a:tab pos="7561580" algn="l"/>
+                          <a:tab pos="8143240" algn="l"/>
+                          <a:tab pos="8724900" algn="l"/>
+                          <a:tab pos="9306560" algn="l"/>
+                        </a:tabLst>
+                      </a:pPr>
+                      <a:r>
+                        <a:rPr lang="ru-RU" sz="1400">
+                          <a:effectLst/>
+                        </a:rPr>
+                        <a:t>1</a:t>
+                      </a:r>
+                      <a:endParaRPr lang="ru-RU" sz="1100">
+                        <a:effectLst/>
+                        <a:latin typeface="Calibri" panose="020F0502020204030204" pitchFamily="34" charset="0"/>
+                        <a:ea typeface="Calibri" panose="020F0502020204030204" pitchFamily="34" charset="0"/>
+                        <a:cs typeface="Times New Roman" panose="02020603050405020304" pitchFamily="18" charset="0"/>
+                      </a:endParaRPr>
+                    </a:p>
+                  </a:txBody>
+                  <a:tcPr marL="68580" marR="68580" marT="0" marB="0" anchor="ctr"/>
+                </a:tc>
+                <a:extLst>
+                  <a:ext uri="{0D108BD9-81ED-4DB2-BD59-A6C34878D82A}">
+                    <a16:rowId xmlns:a16="http://schemas.microsoft.com/office/drawing/2014/main" val="3660128973"/>
+                  </a:ext>
+                </a:extLst>
+              </a:tr>
+              <a:tr h="331734">
+                <a:tc>
+                  <a:txBody>
+                    <a:bodyPr/>
+                    <a:lstStyle/>
+                    <a:p>
+                      <a:pPr algn="just">
+                        <a:lnSpc>
+                          <a:spcPct val="107000"/>
+                        </a:lnSpc>
+                        <a:spcAft>
+                          <a:spcPts val="0"/>
+                        </a:spcAft>
+                        <a:tabLst>
+                          <a:tab pos="581660" algn="l"/>
+                          <a:tab pos="1163320" algn="l"/>
+                          <a:tab pos="1744980" algn="l"/>
+                          <a:tab pos="2326640" algn="l"/>
+                          <a:tab pos="2908300" algn="l"/>
+                          <a:tab pos="3489960" algn="l"/>
+                          <a:tab pos="4071620" algn="l"/>
+                          <a:tab pos="4653280" algn="l"/>
+                          <a:tab pos="5234940" algn="l"/>
+                          <a:tab pos="5816600" algn="l"/>
+                          <a:tab pos="6398260" algn="l"/>
+                          <a:tab pos="6979920" algn="l"/>
+                          <a:tab pos="7561580" algn="l"/>
+                          <a:tab pos="8143240" algn="l"/>
+                          <a:tab pos="8724900" algn="l"/>
+                          <a:tab pos="9306560" algn="l"/>
+                        </a:tabLst>
+                      </a:pPr>
+                      <a:r>
+                        <a:rPr lang="ru-RU" sz="1400">
+                          <a:effectLst/>
+                        </a:rPr>
+                        <a:t>Основная заработная плата, руб.</a:t>
+                      </a:r>
+                      <a:endParaRPr lang="ru-RU" sz="1100">
+                        <a:effectLst/>
+                        <a:latin typeface="Calibri" panose="020F0502020204030204" pitchFamily="34" charset="0"/>
+                        <a:ea typeface="Calibri" panose="020F0502020204030204" pitchFamily="34" charset="0"/>
+                        <a:cs typeface="Times New Roman" panose="02020603050405020304" pitchFamily="18" charset="0"/>
+                      </a:endParaRPr>
+                    </a:p>
+                  </a:txBody>
+                  <a:tcPr marL="68580" marR="68580" marT="0" marB="0"/>
+                </a:tc>
+                <a:tc>
+                  <a:txBody>
+                    <a:bodyPr/>
+                    <a:lstStyle/>
+                    <a:p>
+                      <a:pPr algn="ctr">
+                        <a:lnSpc>
+                          <a:spcPct val="107000"/>
+                        </a:lnSpc>
+                        <a:spcAft>
+                          <a:spcPts val="0"/>
+                        </a:spcAft>
+                        <a:tabLst>
+                          <a:tab pos="581660" algn="l"/>
+                          <a:tab pos="685800" algn="l"/>
+                          <a:tab pos="1036320" algn="ctr"/>
+                          <a:tab pos="1163320" algn="l"/>
+                          <a:tab pos="1744980" algn="l"/>
+                          <a:tab pos="2326640" algn="l"/>
+                          <a:tab pos="2908300" algn="l"/>
+                          <a:tab pos="3489960" algn="l"/>
+                          <a:tab pos="4071620" algn="l"/>
+                          <a:tab pos="4653280" algn="l"/>
+                          <a:tab pos="5234940" algn="l"/>
+                          <a:tab pos="5816600" algn="l"/>
+                          <a:tab pos="6398260" algn="l"/>
+                          <a:tab pos="6979920" algn="l"/>
+                          <a:tab pos="7561580" algn="l"/>
+                          <a:tab pos="8143240" algn="l"/>
+                          <a:tab pos="8724900" algn="l"/>
+                          <a:tab pos="9306560" algn="l"/>
+                        </a:tabLst>
+                      </a:pPr>
+                      <a:r>
+                        <a:rPr lang="ru-RU" sz="1400">
+                          <a:effectLst/>
+                        </a:rPr>
+                        <a:t>3898,56</a:t>
+                      </a:r>
+                      <a:endParaRPr lang="ru-RU" sz="1100">
+                        <a:effectLst/>
+                        <a:latin typeface="Calibri" panose="020F0502020204030204" pitchFamily="34" charset="0"/>
+                        <a:ea typeface="Calibri" panose="020F0502020204030204" pitchFamily="34" charset="0"/>
+                        <a:cs typeface="Times New Roman" panose="02020603050405020304" pitchFamily="18" charset="0"/>
+                      </a:endParaRPr>
+                    </a:p>
+                  </a:txBody>
+                  <a:tcPr marL="68580" marR="68580" marT="0" marB="0" anchor="ctr"/>
+                </a:tc>
+                <a:extLst>
+                  <a:ext uri="{0D108BD9-81ED-4DB2-BD59-A6C34878D82A}">
+                    <a16:rowId xmlns:a16="http://schemas.microsoft.com/office/drawing/2014/main" val="743914167"/>
+                  </a:ext>
+                </a:extLst>
+              </a:tr>
+              <a:tr h="331734">
+                <a:tc>
+                  <a:txBody>
+                    <a:bodyPr/>
+                    <a:lstStyle/>
+                    <a:p>
+                      <a:pPr algn="just">
+                        <a:lnSpc>
+                          <a:spcPct val="107000"/>
+                        </a:lnSpc>
+                        <a:spcAft>
+                          <a:spcPts val="0"/>
+                        </a:spcAft>
+                        <a:tabLst>
+                          <a:tab pos="581660" algn="l"/>
+                          <a:tab pos="1163320" algn="l"/>
+                          <a:tab pos="1744980" algn="l"/>
+                          <a:tab pos="2326640" algn="l"/>
+                          <a:tab pos="2908300" algn="l"/>
+                          <a:tab pos="3489960" algn="l"/>
+                          <a:tab pos="4071620" algn="l"/>
+                          <a:tab pos="4653280" algn="l"/>
+                          <a:tab pos="5234940" algn="l"/>
+                          <a:tab pos="5816600" algn="l"/>
+                          <a:tab pos="6398260" algn="l"/>
+                          <a:tab pos="6979920" algn="l"/>
+                          <a:tab pos="7561580" algn="l"/>
+                          <a:tab pos="8143240" algn="l"/>
+                          <a:tab pos="8724900" algn="l"/>
+                          <a:tab pos="9306560" algn="l"/>
+                        </a:tabLst>
+                      </a:pPr>
+                      <a:r>
+                        <a:rPr lang="ru-RU" sz="1400">
+                          <a:effectLst/>
+                        </a:rPr>
+                        <a:t>Дополнительная заработная плата, руб.</a:t>
+                      </a:r>
+                      <a:endParaRPr lang="ru-RU" sz="1100">
+                        <a:effectLst/>
+                        <a:latin typeface="Calibri" panose="020F0502020204030204" pitchFamily="34" charset="0"/>
+                        <a:ea typeface="Calibri" panose="020F0502020204030204" pitchFamily="34" charset="0"/>
+                        <a:cs typeface="Times New Roman" panose="02020603050405020304" pitchFamily="18" charset="0"/>
+                      </a:endParaRPr>
+                    </a:p>
+                  </a:txBody>
+                  <a:tcPr marL="68580" marR="68580" marT="0" marB="0"/>
+                </a:tc>
+                <a:tc>
+                  <a:txBody>
+                    <a:bodyPr/>
+                    <a:lstStyle/>
+                    <a:p>
+                      <a:pPr algn="ctr">
+                        <a:lnSpc>
+                          <a:spcPct val="107000"/>
+                        </a:lnSpc>
+                        <a:spcAft>
+                          <a:spcPts val="0"/>
+                        </a:spcAft>
+                        <a:tabLst>
+                          <a:tab pos="581660" algn="l"/>
+                          <a:tab pos="685800" algn="l"/>
+                          <a:tab pos="1036320" algn="ctr"/>
+                          <a:tab pos="1163320" algn="l"/>
+                          <a:tab pos="1744980" algn="l"/>
+                          <a:tab pos="2326640" algn="l"/>
+                          <a:tab pos="2908300" algn="l"/>
+                          <a:tab pos="3489960" algn="l"/>
+                          <a:tab pos="4071620" algn="l"/>
+                          <a:tab pos="4653280" algn="l"/>
+                          <a:tab pos="5234940" algn="l"/>
+                          <a:tab pos="5816600" algn="l"/>
+                          <a:tab pos="6398260" algn="l"/>
+                          <a:tab pos="6979920" algn="l"/>
+                          <a:tab pos="7561580" algn="l"/>
+                          <a:tab pos="8143240" algn="l"/>
+                          <a:tab pos="8724900" algn="l"/>
+                          <a:tab pos="9306560" algn="l"/>
+                        </a:tabLst>
+                      </a:pPr>
+                      <a:r>
+                        <a:rPr lang="ru-RU" sz="1400">
+                          <a:effectLst/>
+                        </a:rPr>
+                        <a:t>584,78</a:t>
+                      </a:r>
+                      <a:endParaRPr lang="ru-RU" sz="1100">
+                        <a:effectLst/>
+                        <a:latin typeface="Calibri" panose="020F0502020204030204" pitchFamily="34" charset="0"/>
+                        <a:ea typeface="Calibri" panose="020F0502020204030204" pitchFamily="34" charset="0"/>
+                        <a:cs typeface="Times New Roman" panose="02020603050405020304" pitchFamily="18" charset="0"/>
+                      </a:endParaRPr>
+                    </a:p>
+                  </a:txBody>
+                  <a:tcPr marL="68580" marR="68580" marT="0" marB="0" anchor="ctr"/>
+                </a:tc>
+                <a:extLst>
+                  <a:ext uri="{0D108BD9-81ED-4DB2-BD59-A6C34878D82A}">
+                    <a16:rowId xmlns:a16="http://schemas.microsoft.com/office/drawing/2014/main" val="1952131517"/>
+                  </a:ext>
+                </a:extLst>
+              </a:tr>
+              <a:tr h="678821">
+                <a:tc>
+                  <a:txBody>
+                    <a:bodyPr/>
+                    <a:lstStyle/>
+                    <a:p>
+                      <a:pPr algn="just">
+                        <a:lnSpc>
+                          <a:spcPct val="107000"/>
+                        </a:lnSpc>
+                        <a:spcAft>
+                          <a:spcPts val="0"/>
+                        </a:spcAft>
+                        <a:tabLst>
+                          <a:tab pos="581660" algn="l"/>
+                          <a:tab pos="1163320" algn="l"/>
+                          <a:tab pos="1744980" algn="l"/>
+                          <a:tab pos="2326640" algn="l"/>
+                          <a:tab pos="2908300" algn="l"/>
+                          <a:tab pos="3489960" algn="l"/>
+                          <a:tab pos="4071620" algn="l"/>
+                          <a:tab pos="4653280" algn="l"/>
+                          <a:tab pos="5234940" algn="l"/>
+                          <a:tab pos="5816600" algn="l"/>
+                          <a:tab pos="6398260" algn="l"/>
+                          <a:tab pos="6979920" algn="l"/>
+                          <a:tab pos="7561580" algn="l"/>
+                          <a:tab pos="8143240" algn="l"/>
+                          <a:tab pos="8724900" algn="l"/>
+                          <a:tab pos="9306560" algn="l"/>
+                        </a:tabLst>
+                      </a:pPr>
+                      <a:r>
+                        <a:rPr lang="ru-RU" sz="1400">
+                          <a:effectLst/>
+                        </a:rPr>
+                        <a:t>Отчисления в Фонд социальной защиты населения и БРУСП «Белгосстрах», %, руб.</a:t>
+                      </a:r>
+                      <a:endParaRPr lang="ru-RU" sz="1100">
+                        <a:effectLst/>
+                        <a:latin typeface="Calibri" panose="020F0502020204030204" pitchFamily="34" charset="0"/>
+                        <a:ea typeface="Calibri" panose="020F0502020204030204" pitchFamily="34" charset="0"/>
+                        <a:cs typeface="Times New Roman" panose="02020603050405020304" pitchFamily="18" charset="0"/>
+                      </a:endParaRPr>
+                    </a:p>
+                  </a:txBody>
+                  <a:tcPr marL="68580" marR="68580" marT="0" marB="0"/>
+                </a:tc>
+                <a:tc>
+                  <a:txBody>
+                    <a:bodyPr/>
+                    <a:lstStyle/>
+                    <a:p>
+                      <a:pPr algn="ctr">
+                        <a:lnSpc>
+                          <a:spcPct val="107000"/>
+                        </a:lnSpc>
+                        <a:spcAft>
+                          <a:spcPts val="0"/>
+                        </a:spcAft>
+                        <a:tabLst>
+                          <a:tab pos="581660" algn="l"/>
+                          <a:tab pos="685800" algn="l"/>
+                          <a:tab pos="1036320" algn="ctr"/>
+                          <a:tab pos="1163320" algn="l"/>
+                          <a:tab pos="1744980" algn="l"/>
+                          <a:tab pos="2326640" algn="l"/>
+                          <a:tab pos="2908300" algn="l"/>
+                          <a:tab pos="3489960" algn="l"/>
+                          <a:tab pos="4071620" algn="l"/>
+                          <a:tab pos="4653280" algn="l"/>
+                          <a:tab pos="5234940" algn="l"/>
+                          <a:tab pos="5816600" algn="l"/>
+                          <a:tab pos="6398260" algn="l"/>
+                          <a:tab pos="6979920" algn="l"/>
+                          <a:tab pos="7561580" algn="l"/>
+                          <a:tab pos="8143240" algn="l"/>
+                          <a:tab pos="8724900" algn="l"/>
+                          <a:tab pos="9306560" algn="l"/>
+                        </a:tabLst>
+                      </a:pPr>
+                      <a:r>
+                        <a:rPr lang="ru-RU" sz="1400">
+                          <a:effectLst/>
+                        </a:rPr>
+                        <a:t>1524,34</a:t>
+                      </a:r>
+                      <a:endParaRPr lang="ru-RU" sz="1100">
+                        <a:effectLst/>
+                        <a:latin typeface="Calibri" panose="020F0502020204030204" pitchFamily="34" charset="0"/>
+                        <a:ea typeface="Calibri" panose="020F0502020204030204" pitchFamily="34" charset="0"/>
+                        <a:cs typeface="Times New Roman" panose="02020603050405020304" pitchFamily="18" charset="0"/>
+                      </a:endParaRPr>
+                    </a:p>
+                  </a:txBody>
+                  <a:tcPr marL="68580" marR="68580" marT="0" marB="0" anchor="ctr"/>
+                </a:tc>
+                <a:extLst>
+                  <a:ext uri="{0D108BD9-81ED-4DB2-BD59-A6C34878D82A}">
+                    <a16:rowId xmlns:a16="http://schemas.microsoft.com/office/drawing/2014/main" val="3548736952"/>
+                  </a:ext>
+                </a:extLst>
+              </a:tr>
+              <a:tr h="331734">
+                <a:tc>
+                  <a:txBody>
+                    <a:bodyPr/>
+                    <a:lstStyle/>
+                    <a:p>
+                      <a:pPr algn="just">
+                        <a:lnSpc>
+                          <a:spcPct val="107000"/>
+                        </a:lnSpc>
+                        <a:spcAft>
+                          <a:spcPts val="0"/>
+                        </a:spcAft>
+                        <a:tabLst>
+                          <a:tab pos="581660" algn="l"/>
+                          <a:tab pos="1163320" algn="l"/>
+                          <a:tab pos="1744980" algn="l"/>
+                          <a:tab pos="2326640" algn="l"/>
+                          <a:tab pos="2908300" algn="l"/>
+                          <a:tab pos="3489960" algn="l"/>
+                          <a:tab pos="4071620" algn="l"/>
+                          <a:tab pos="4653280" algn="l"/>
+                          <a:tab pos="5234940" algn="l"/>
+                          <a:tab pos="5816600" algn="l"/>
+                          <a:tab pos="6398260" algn="l"/>
+                          <a:tab pos="6979920" algn="l"/>
+                          <a:tab pos="7561580" algn="l"/>
+                          <a:tab pos="8143240" algn="l"/>
+                          <a:tab pos="8724900" algn="l"/>
+                          <a:tab pos="9306560" algn="l"/>
+                        </a:tabLst>
+                      </a:pPr>
+                      <a:r>
+                        <a:rPr lang="ru-RU" sz="1400">
+                          <a:effectLst/>
+                        </a:rPr>
+                        <a:t>Отчисления в БРУСП «Белгосстрах», руб.</a:t>
+                      </a:r>
+                      <a:endParaRPr lang="ru-RU" sz="1100">
+                        <a:effectLst/>
+                        <a:latin typeface="Calibri" panose="020F0502020204030204" pitchFamily="34" charset="0"/>
+                        <a:ea typeface="Calibri" panose="020F0502020204030204" pitchFamily="34" charset="0"/>
+                        <a:cs typeface="Times New Roman" panose="02020603050405020304" pitchFamily="18" charset="0"/>
+                      </a:endParaRPr>
+                    </a:p>
+                  </a:txBody>
+                  <a:tcPr marL="68580" marR="68580" marT="0" marB="0"/>
+                </a:tc>
+                <a:tc>
+                  <a:txBody>
+                    <a:bodyPr/>
+                    <a:lstStyle/>
+                    <a:p>
+                      <a:pPr algn="ctr">
+                        <a:lnSpc>
+                          <a:spcPct val="107000"/>
+                        </a:lnSpc>
+                        <a:spcAft>
+                          <a:spcPts val="0"/>
+                        </a:spcAft>
+                        <a:tabLst>
+                          <a:tab pos="581660" algn="l"/>
+                          <a:tab pos="685800" algn="l"/>
+                          <a:tab pos="1036320" algn="ctr"/>
+                          <a:tab pos="1163320" algn="l"/>
+                          <a:tab pos="1744980" algn="l"/>
+                          <a:tab pos="2326640" algn="l"/>
+                          <a:tab pos="2908300" algn="l"/>
+                          <a:tab pos="3489960" algn="l"/>
+                          <a:tab pos="4071620" algn="l"/>
+                          <a:tab pos="4653280" algn="l"/>
+                          <a:tab pos="5234940" algn="l"/>
+                          <a:tab pos="5816600" algn="l"/>
+                          <a:tab pos="6398260" algn="l"/>
+                          <a:tab pos="6979920" algn="l"/>
+                          <a:tab pos="7561580" algn="l"/>
+                          <a:tab pos="8143240" algn="l"/>
+                          <a:tab pos="8724900" algn="l"/>
+                          <a:tab pos="9306560" algn="l"/>
+                        </a:tabLst>
+                      </a:pPr>
+                      <a:r>
+                        <a:rPr lang="ru-RU" sz="1400">
+                          <a:effectLst/>
+                        </a:rPr>
+                        <a:t>26,90</a:t>
+                      </a:r>
+                      <a:endParaRPr lang="ru-RU" sz="1100">
+                        <a:effectLst/>
+                        <a:latin typeface="Calibri" panose="020F0502020204030204" pitchFamily="34" charset="0"/>
+                        <a:ea typeface="Calibri" panose="020F0502020204030204" pitchFamily="34" charset="0"/>
+                        <a:cs typeface="Times New Roman" panose="02020603050405020304" pitchFamily="18" charset="0"/>
+                      </a:endParaRPr>
+                    </a:p>
+                  </a:txBody>
+                  <a:tcPr marL="68580" marR="68580" marT="0" marB="0" anchor="ctr"/>
+                </a:tc>
+                <a:extLst>
+                  <a:ext uri="{0D108BD9-81ED-4DB2-BD59-A6C34878D82A}">
+                    <a16:rowId xmlns:a16="http://schemas.microsoft.com/office/drawing/2014/main" val="3351858895"/>
+                  </a:ext>
+                </a:extLst>
+              </a:tr>
+              <a:tr h="331734">
+                <a:tc>
+                  <a:txBody>
+                    <a:bodyPr/>
+                    <a:lstStyle/>
+                    <a:p>
+                      <a:pPr algn="just">
+                        <a:lnSpc>
+                          <a:spcPct val="107000"/>
+                        </a:lnSpc>
+                        <a:spcAft>
+                          <a:spcPts val="0"/>
+                        </a:spcAft>
+                        <a:tabLst>
+                          <a:tab pos="581660" algn="l"/>
+                          <a:tab pos="1163320" algn="l"/>
+                          <a:tab pos="1744980" algn="l"/>
+                          <a:tab pos="2326640" algn="l"/>
+                          <a:tab pos="2908300" algn="l"/>
+                          <a:tab pos="3489960" algn="l"/>
+                          <a:tab pos="4071620" algn="l"/>
+                          <a:tab pos="4653280" algn="l"/>
+                          <a:tab pos="5234940" algn="l"/>
+                          <a:tab pos="5816600" algn="l"/>
+                          <a:tab pos="6398260" algn="l"/>
+                          <a:tab pos="6979920" algn="l"/>
+                          <a:tab pos="7561580" algn="l"/>
+                          <a:tab pos="8143240" algn="l"/>
+                          <a:tab pos="8724900" algn="l"/>
+                          <a:tab pos="9306560" algn="l"/>
+                        </a:tabLst>
+                      </a:pPr>
+                      <a:r>
+                        <a:rPr lang="ru-RU" sz="1400">
+                          <a:effectLst/>
+                        </a:rPr>
+                        <a:t>Прочие прямые затраты, руб</a:t>
+                      </a:r>
+                      <a:endParaRPr lang="ru-RU" sz="1100">
+                        <a:effectLst/>
+                        <a:latin typeface="Calibri" panose="020F0502020204030204" pitchFamily="34" charset="0"/>
+                        <a:ea typeface="Calibri" panose="020F0502020204030204" pitchFamily="34" charset="0"/>
+                        <a:cs typeface="Times New Roman" panose="02020603050405020304" pitchFamily="18" charset="0"/>
+                      </a:endParaRPr>
+                    </a:p>
+                  </a:txBody>
+                  <a:tcPr marL="68580" marR="68580" marT="0" marB="0"/>
+                </a:tc>
+                <a:tc>
+                  <a:txBody>
+                    <a:bodyPr/>
+                    <a:lstStyle/>
+                    <a:p>
+                      <a:pPr algn="ctr">
+                        <a:lnSpc>
+                          <a:spcPct val="107000"/>
+                        </a:lnSpc>
+                        <a:spcAft>
+                          <a:spcPts val="0"/>
+                        </a:spcAft>
+                        <a:tabLst>
+                          <a:tab pos="581660" algn="l"/>
+                          <a:tab pos="685800" algn="l"/>
+                          <a:tab pos="1036320" algn="ctr"/>
+                          <a:tab pos="1163320" algn="l"/>
+                          <a:tab pos="1744980" algn="l"/>
+                          <a:tab pos="2326640" algn="l"/>
+                          <a:tab pos="2908300" algn="l"/>
+                          <a:tab pos="3489960" algn="l"/>
+                          <a:tab pos="4071620" algn="l"/>
+                          <a:tab pos="4653280" algn="l"/>
+                          <a:tab pos="5234940" algn="l"/>
+                          <a:tab pos="5816600" algn="l"/>
+                          <a:tab pos="6398260" algn="l"/>
+                          <a:tab pos="6979920" algn="l"/>
+                          <a:tab pos="7561580" algn="l"/>
+                          <a:tab pos="8143240" algn="l"/>
+                          <a:tab pos="8724900" algn="l"/>
+                          <a:tab pos="9306560" algn="l"/>
+                        </a:tabLst>
+                      </a:pPr>
+                      <a:r>
+                        <a:rPr lang="ru-RU" sz="1400">
+                          <a:effectLst/>
+                        </a:rPr>
+                        <a:t>805,20</a:t>
+                      </a:r>
+                      <a:endParaRPr lang="ru-RU" sz="1100">
+                        <a:effectLst/>
+                        <a:latin typeface="Calibri" panose="020F0502020204030204" pitchFamily="34" charset="0"/>
+                        <a:ea typeface="Calibri" panose="020F0502020204030204" pitchFamily="34" charset="0"/>
+                        <a:cs typeface="Times New Roman" panose="02020603050405020304" pitchFamily="18" charset="0"/>
+                      </a:endParaRPr>
+                    </a:p>
+                  </a:txBody>
+                  <a:tcPr marL="68580" marR="68580" marT="0" marB="0" anchor="ctr"/>
+                </a:tc>
+                <a:extLst>
+                  <a:ext uri="{0D108BD9-81ED-4DB2-BD59-A6C34878D82A}">
+                    <a16:rowId xmlns:a16="http://schemas.microsoft.com/office/drawing/2014/main" val="1704380069"/>
+                  </a:ext>
+                </a:extLst>
+              </a:tr>
+              <a:tr h="331734">
+                <a:tc>
+                  <a:txBody>
+                    <a:bodyPr/>
+                    <a:lstStyle/>
+                    <a:p>
+                      <a:pPr algn="just">
+                        <a:lnSpc>
+                          <a:spcPct val="107000"/>
+                        </a:lnSpc>
+                        <a:spcAft>
+                          <a:spcPts val="0"/>
+                        </a:spcAft>
+                        <a:tabLst>
+                          <a:tab pos="581660" algn="l"/>
+                          <a:tab pos="1163320" algn="l"/>
+                          <a:tab pos="1744980" algn="l"/>
+                          <a:tab pos="2326640" algn="l"/>
+                          <a:tab pos="2908300" algn="l"/>
+                          <a:tab pos="3489960" algn="l"/>
+                          <a:tab pos="4071620" algn="l"/>
+                          <a:tab pos="4653280" algn="l"/>
+                          <a:tab pos="5234940" algn="l"/>
+                          <a:tab pos="5816600" algn="l"/>
+                          <a:tab pos="6398260" algn="l"/>
+                          <a:tab pos="6979920" algn="l"/>
+                          <a:tab pos="7561580" algn="l"/>
+                          <a:tab pos="8143240" algn="l"/>
+                          <a:tab pos="8724900" algn="l"/>
+                          <a:tab pos="9306560" algn="l"/>
+                        </a:tabLst>
+                      </a:pPr>
+                      <a:r>
+                        <a:rPr lang="ru-RU" sz="1400">
+                          <a:effectLst/>
+                        </a:rPr>
+                        <a:t>Накладные расходы, руб.</a:t>
+                      </a:r>
+                      <a:endParaRPr lang="ru-RU" sz="1100">
+                        <a:effectLst/>
+                        <a:latin typeface="Calibri" panose="020F0502020204030204" pitchFamily="34" charset="0"/>
+                        <a:ea typeface="Calibri" panose="020F0502020204030204" pitchFamily="34" charset="0"/>
+                        <a:cs typeface="Times New Roman" panose="02020603050405020304" pitchFamily="18" charset="0"/>
+                      </a:endParaRPr>
+                    </a:p>
+                  </a:txBody>
+                  <a:tcPr marL="68580" marR="68580" marT="0" marB="0"/>
+                </a:tc>
+                <a:tc>
+                  <a:txBody>
+                    <a:bodyPr/>
+                    <a:lstStyle/>
+                    <a:p>
+                      <a:pPr algn="ctr">
+                        <a:lnSpc>
+                          <a:spcPct val="107000"/>
+                        </a:lnSpc>
+                        <a:spcAft>
+                          <a:spcPts val="0"/>
+                        </a:spcAft>
+                        <a:tabLst>
+                          <a:tab pos="581660" algn="l"/>
+                          <a:tab pos="685800" algn="l"/>
+                          <a:tab pos="1036320" algn="ctr"/>
+                          <a:tab pos="1163320" algn="l"/>
+                          <a:tab pos="1744980" algn="l"/>
+                          <a:tab pos="2326640" algn="l"/>
+                          <a:tab pos="2908300" algn="l"/>
+                          <a:tab pos="3489960" algn="l"/>
+                          <a:tab pos="4071620" algn="l"/>
+                          <a:tab pos="4653280" algn="l"/>
+                          <a:tab pos="5234940" algn="l"/>
+                          <a:tab pos="5816600" algn="l"/>
+                          <a:tab pos="6398260" algn="l"/>
+                          <a:tab pos="6979920" algn="l"/>
+                          <a:tab pos="7561580" algn="l"/>
+                          <a:tab pos="8143240" algn="l"/>
+                          <a:tab pos="8724900" algn="l"/>
+                          <a:tab pos="9306560" algn="l"/>
+                        </a:tabLst>
+                      </a:pPr>
+                      <a:r>
+                        <a:rPr lang="ru-RU" sz="1400">
+                          <a:effectLst/>
+                        </a:rPr>
+                        <a:t>1949,28</a:t>
+                      </a:r>
+                      <a:endParaRPr lang="ru-RU" sz="1100">
+                        <a:effectLst/>
+                        <a:latin typeface="Calibri" panose="020F0502020204030204" pitchFamily="34" charset="0"/>
+                        <a:ea typeface="Calibri" panose="020F0502020204030204" pitchFamily="34" charset="0"/>
+                        <a:cs typeface="Times New Roman" panose="02020603050405020304" pitchFamily="18" charset="0"/>
+                      </a:endParaRPr>
+                    </a:p>
+                  </a:txBody>
+                  <a:tcPr marL="68580" marR="68580" marT="0" marB="0" anchor="ctr"/>
+                </a:tc>
+                <a:extLst>
+                  <a:ext uri="{0D108BD9-81ED-4DB2-BD59-A6C34878D82A}">
+                    <a16:rowId xmlns:a16="http://schemas.microsoft.com/office/drawing/2014/main" val="1457110695"/>
+                  </a:ext>
+                </a:extLst>
+              </a:tr>
+              <a:tr h="331734">
+                <a:tc>
+                  <a:txBody>
+                    <a:bodyPr/>
+                    <a:lstStyle/>
+                    <a:p>
+                      <a:pPr algn="just">
+                        <a:lnSpc>
+                          <a:spcPct val="107000"/>
+                        </a:lnSpc>
+                        <a:spcAft>
+                          <a:spcPts val="0"/>
+                        </a:spcAft>
+                        <a:tabLst>
+                          <a:tab pos="581660" algn="l"/>
+                          <a:tab pos="1163320" algn="l"/>
+                          <a:tab pos="1744980" algn="l"/>
+                          <a:tab pos="2326640" algn="l"/>
+                          <a:tab pos="2908300" algn="l"/>
+                          <a:tab pos="3489960" algn="l"/>
+                          <a:tab pos="4071620" algn="l"/>
+                          <a:tab pos="4653280" algn="l"/>
+                          <a:tab pos="5234940" algn="l"/>
+                          <a:tab pos="5816600" algn="l"/>
+                          <a:tab pos="6398260" algn="l"/>
+                          <a:tab pos="6979920" algn="l"/>
+                          <a:tab pos="7561580" algn="l"/>
+                          <a:tab pos="8143240" algn="l"/>
+                          <a:tab pos="8724900" algn="l"/>
+                          <a:tab pos="9306560" algn="l"/>
+                        </a:tabLst>
+                      </a:pPr>
+                      <a:r>
+                        <a:rPr lang="ru-RU" sz="1400">
+                          <a:effectLst/>
+                        </a:rPr>
+                        <a:t>Полная себестоимость, руб.</a:t>
+                      </a:r>
+                      <a:endParaRPr lang="ru-RU" sz="1100">
+                        <a:effectLst/>
+                        <a:latin typeface="Calibri" panose="020F0502020204030204" pitchFamily="34" charset="0"/>
+                        <a:ea typeface="Calibri" panose="020F0502020204030204" pitchFamily="34" charset="0"/>
+                        <a:cs typeface="Times New Roman" panose="02020603050405020304" pitchFamily="18" charset="0"/>
+                      </a:endParaRPr>
+                    </a:p>
+                  </a:txBody>
+                  <a:tcPr marL="68580" marR="68580" marT="0" marB="0"/>
+                </a:tc>
+                <a:tc>
+                  <a:txBody>
+                    <a:bodyPr/>
+                    <a:lstStyle/>
+                    <a:p>
+                      <a:pPr algn="ctr">
+                        <a:lnSpc>
+                          <a:spcPct val="107000"/>
+                        </a:lnSpc>
+                        <a:spcAft>
+                          <a:spcPts val="0"/>
+                        </a:spcAft>
+                        <a:tabLst>
+                          <a:tab pos="581660" algn="l"/>
+                          <a:tab pos="1163320" algn="l"/>
+                          <a:tab pos="1744980" algn="l"/>
+                          <a:tab pos="2326640" algn="l"/>
+                          <a:tab pos="2908300" algn="l"/>
+                          <a:tab pos="3489960" algn="l"/>
+                          <a:tab pos="4071620" algn="l"/>
+                          <a:tab pos="4653280" algn="l"/>
+                          <a:tab pos="5234940" algn="l"/>
+                          <a:tab pos="5816600" algn="l"/>
+                          <a:tab pos="6398260" algn="l"/>
+                          <a:tab pos="6979920" algn="l"/>
+                          <a:tab pos="7561580" algn="l"/>
+                          <a:tab pos="8143240" algn="l"/>
+                          <a:tab pos="8724900" algn="l"/>
+                          <a:tab pos="9306560" algn="l"/>
+                        </a:tabLst>
+                      </a:pPr>
+                      <a:r>
+                        <a:rPr lang="ru-RU" sz="1400">
+                          <a:effectLst/>
+                        </a:rPr>
+                        <a:t>8789,06</a:t>
+                      </a:r>
+                      <a:endParaRPr lang="ru-RU" sz="1100">
+                        <a:effectLst/>
+                        <a:latin typeface="Calibri" panose="020F0502020204030204" pitchFamily="34" charset="0"/>
+                        <a:ea typeface="Calibri" panose="020F0502020204030204" pitchFamily="34" charset="0"/>
+                        <a:cs typeface="Times New Roman" panose="02020603050405020304" pitchFamily="18" charset="0"/>
+                      </a:endParaRPr>
+                    </a:p>
+                  </a:txBody>
+                  <a:tcPr marL="68580" marR="68580" marT="0" marB="0" anchor="ctr"/>
+                </a:tc>
+                <a:extLst>
+                  <a:ext uri="{0D108BD9-81ED-4DB2-BD59-A6C34878D82A}">
+                    <a16:rowId xmlns:a16="http://schemas.microsoft.com/office/drawing/2014/main" val="547640697"/>
+                  </a:ext>
+                </a:extLst>
+              </a:tr>
+              <a:tr h="331734">
+                <a:tc>
+                  <a:txBody>
+                    <a:bodyPr/>
+                    <a:lstStyle/>
+                    <a:p>
+                      <a:pPr algn="just">
+                        <a:lnSpc>
+                          <a:spcPct val="107000"/>
+                        </a:lnSpc>
+                        <a:spcAft>
+                          <a:spcPts val="0"/>
+                        </a:spcAft>
+                      </a:pPr>
+                      <a:r>
+                        <a:rPr lang="ru-RU" sz="1400">
+                          <a:effectLst/>
+                        </a:rPr>
+                        <a:t>Чистая прибыль, руб.</a:t>
+                      </a:r>
+                      <a:endParaRPr lang="ru-RU" sz="1100">
+                        <a:effectLst/>
+                        <a:latin typeface="Calibri" panose="020F0502020204030204" pitchFamily="34" charset="0"/>
+                        <a:ea typeface="Calibri" panose="020F0502020204030204" pitchFamily="34" charset="0"/>
+                        <a:cs typeface="Times New Roman" panose="02020603050405020304" pitchFamily="18" charset="0"/>
+                      </a:endParaRPr>
+                    </a:p>
+                  </a:txBody>
+                  <a:tcPr marL="68580" marR="68580" marT="0" marB="0"/>
+                </a:tc>
+                <a:tc>
+                  <a:txBody>
+                    <a:bodyPr/>
+                    <a:lstStyle/>
+                    <a:p>
+                      <a:pPr algn="ctr">
+                        <a:lnSpc>
+                          <a:spcPct val="107000"/>
+                        </a:lnSpc>
+                        <a:spcAft>
+                          <a:spcPts val="0"/>
+                        </a:spcAft>
+                      </a:pPr>
+                      <a:r>
+                        <a:rPr lang="ru-RU" sz="1400">
+                          <a:effectLst/>
+                        </a:rPr>
+                        <a:t>2636,72</a:t>
+                      </a:r>
+                      <a:endParaRPr lang="ru-RU" sz="1100">
+                        <a:effectLst/>
+                        <a:latin typeface="Calibri" panose="020F0502020204030204" pitchFamily="34" charset="0"/>
+                        <a:ea typeface="Calibri" panose="020F0502020204030204" pitchFamily="34" charset="0"/>
+                        <a:cs typeface="Times New Roman" panose="02020603050405020304" pitchFamily="18" charset="0"/>
+                      </a:endParaRPr>
+                    </a:p>
+                  </a:txBody>
+                  <a:tcPr marL="68580" marR="68580" marT="0" marB="0"/>
+                </a:tc>
+                <a:extLst>
+                  <a:ext uri="{0D108BD9-81ED-4DB2-BD59-A6C34878D82A}">
+                    <a16:rowId xmlns:a16="http://schemas.microsoft.com/office/drawing/2014/main" val="2327200857"/>
+                  </a:ext>
+                </a:extLst>
+              </a:tr>
+              <a:tr h="331734">
+                <a:tc>
+                  <a:txBody>
+                    <a:bodyPr/>
+                    <a:lstStyle/>
+                    <a:p>
+                      <a:pPr>
+                        <a:lnSpc>
+                          <a:spcPct val="107000"/>
+                        </a:lnSpc>
+                        <a:spcAft>
+                          <a:spcPts val="0"/>
+                        </a:spcAft>
+                        <a:tabLst>
+                          <a:tab pos="581660" algn="l"/>
+                          <a:tab pos="1163320" algn="l"/>
+                          <a:tab pos="1744980" algn="l"/>
+                          <a:tab pos="2326640" algn="l"/>
+                          <a:tab pos="2908300" algn="l"/>
+                          <a:tab pos="3489960" algn="l"/>
+                          <a:tab pos="4071620" algn="l"/>
+                          <a:tab pos="4653280" algn="l"/>
+                          <a:tab pos="5234940" algn="l"/>
+                          <a:tab pos="5816600" algn="l"/>
+                          <a:tab pos="6398260" algn="l"/>
+                          <a:tab pos="6979920" algn="l"/>
+                          <a:tab pos="7561580" algn="l"/>
+                          <a:tab pos="8143240" algn="l"/>
+                          <a:tab pos="8724900" algn="l"/>
+                          <a:tab pos="9306560" algn="l"/>
+                        </a:tabLst>
+                      </a:pPr>
+                      <a:r>
+                        <a:rPr lang="ru-RU" sz="1400">
+                          <a:effectLst/>
+                        </a:rPr>
+                        <a:t>Уровень рентабельности, </a:t>
+                      </a:r>
+                      <a:r>
+                        <a:rPr lang="en-US" sz="1400">
+                          <a:effectLst/>
+                        </a:rPr>
+                        <a:t>%</a:t>
+                      </a:r>
+                      <a:endParaRPr lang="ru-RU" sz="1100">
+                        <a:effectLst/>
+                        <a:latin typeface="Calibri" panose="020F0502020204030204" pitchFamily="34" charset="0"/>
+                        <a:ea typeface="Calibri" panose="020F0502020204030204" pitchFamily="34" charset="0"/>
+                        <a:cs typeface="Times New Roman" panose="02020603050405020304" pitchFamily="18" charset="0"/>
+                      </a:endParaRPr>
+                    </a:p>
+                  </a:txBody>
+                  <a:tcPr marL="68580" marR="68580" marT="0" marB="0"/>
+                </a:tc>
+                <a:tc>
+                  <a:txBody>
+                    <a:bodyPr/>
+                    <a:lstStyle/>
+                    <a:p>
+                      <a:pPr algn="ctr">
+                        <a:lnSpc>
+                          <a:spcPct val="107000"/>
+                        </a:lnSpc>
+                        <a:spcAft>
+                          <a:spcPts val="0"/>
+                        </a:spcAft>
+                      </a:pPr>
+                      <a:r>
+                        <a:rPr lang="ru-RU" sz="1400">
+                          <a:effectLst/>
+                        </a:rPr>
+                        <a:t>30</a:t>
+                      </a:r>
+                      <a:endParaRPr lang="ru-RU" sz="1100">
+                        <a:effectLst/>
+                        <a:latin typeface="Calibri" panose="020F0502020204030204" pitchFamily="34" charset="0"/>
+                        <a:ea typeface="Calibri" panose="020F0502020204030204" pitchFamily="34" charset="0"/>
+                        <a:cs typeface="Times New Roman" panose="02020603050405020304" pitchFamily="18" charset="0"/>
+                      </a:endParaRPr>
+                    </a:p>
+                  </a:txBody>
+                  <a:tcPr marL="68580" marR="68580" marT="0" marB="0"/>
+                </a:tc>
+                <a:extLst>
+                  <a:ext uri="{0D108BD9-81ED-4DB2-BD59-A6C34878D82A}">
+                    <a16:rowId xmlns:a16="http://schemas.microsoft.com/office/drawing/2014/main" val="2644279983"/>
+                  </a:ext>
+                </a:extLst>
+              </a:tr>
+              <a:tr h="331734">
+                <a:tc>
+                  <a:txBody>
+                    <a:bodyPr/>
+                    <a:lstStyle/>
+                    <a:p>
+                      <a:pPr>
+                        <a:lnSpc>
+                          <a:spcPct val="107000"/>
+                        </a:lnSpc>
+                        <a:spcAft>
+                          <a:spcPts val="0"/>
+                        </a:spcAft>
+                        <a:tabLst>
+                          <a:tab pos="581660" algn="l"/>
+                          <a:tab pos="1163320" algn="l"/>
+                          <a:tab pos="1744980" algn="l"/>
+                          <a:tab pos="2326640" algn="l"/>
+                          <a:tab pos="2908300" algn="l"/>
+                          <a:tab pos="3489960" algn="l"/>
+                          <a:tab pos="4071620" algn="l"/>
+                          <a:tab pos="4653280" algn="l"/>
+                          <a:tab pos="5234940" algn="l"/>
+                          <a:tab pos="5816600" algn="l"/>
+                          <a:tab pos="6398260" algn="l"/>
+                          <a:tab pos="6979920" algn="l"/>
+                          <a:tab pos="7561580" algn="l"/>
+                          <a:tab pos="8143240" algn="l"/>
+                          <a:tab pos="8724900" algn="l"/>
+                          <a:tab pos="9306560" algn="l"/>
+                        </a:tabLst>
+                      </a:pPr>
+                      <a:r>
+                        <a:rPr lang="ru-RU" sz="1400">
+                          <a:effectLst/>
+                        </a:rPr>
+                        <a:t>Цена реализации, руб.</a:t>
+                      </a:r>
+                      <a:endParaRPr lang="ru-RU" sz="1100">
+                        <a:effectLst/>
+                        <a:latin typeface="Calibri" panose="020F0502020204030204" pitchFamily="34" charset="0"/>
+                        <a:ea typeface="Calibri" panose="020F0502020204030204" pitchFamily="34" charset="0"/>
+                        <a:cs typeface="Times New Roman" panose="02020603050405020304" pitchFamily="18" charset="0"/>
+                      </a:endParaRPr>
+                    </a:p>
+                  </a:txBody>
+                  <a:tcPr marL="68580" marR="68580" marT="0" marB="0"/>
+                </a:tc>
+                <a:tc>
+                  <a:txBody>
+                    <a:bodyPr/>
+                    <a:lstStyle/>
+                    <a:p>
+                      <a:pPr algn="ctr">
+                        <a:lnSpc>
+                          <a:spcPct val="107000"/>
+                        </a:lnSpc>
+                        <a:spcAft>
+                          <a:spcPts val="0"/>
+                        </a:spcAft>
+                      </a:pPr>
+                      <a:r>
+                        <a:rPr lang="ru-RU" sz="1400" dirty="0">
+                          <a:effectLst/>
+                        </a:rPr>
+                        <a:t>11425,78</a:t>
+                      </a:r>
+                      <a:endParaRPr lang="ru-RU" sz="1100" dirty="0">
+                        <a:effectLst/>
+                        <a:latin typeface="Calibri" panose="020F0502020204030204" pitchFamily="34" charset="0"/>
+                        <a:ea typeface="Calibri" panose="020F0502020204030204" pitchFamily="34" charset="0"/>
+                        <a:cs typeface="Times New Roman" panose="02020603050405020304" pitchFamily="18" charset="0"/>
+                      </a:endParaRPr>
+                    </a:p>
+                  </a:txBody>
+                  <a:tcPr marL="68580" marR="68580" marT="0" marB="0"/>
+                </a:tc>
+                <a:extLst>
+                  <a:ext uri="{0D108BD9-81ED-4DB2-BD59-A6C34878D82A}">
+                    <a16:rowId xmlns:a16="http://schemas.microsoft.com/office/drawing/2014/main" val="3955338470"/>
+                  </a:ext>
+                </a:extLst>
+              </a:tr>
+            </a:tbl>
+          </a:graphicData>
+        </a:graphic>
+      </p:graphicFrame>
+    </p:spTree>
+    <p:extLst>
+      <p:ext uri="{BB962C8B-B14F-4D97-AF65-F5344CB8AC3E}">
+        <p14:creationId xmlns:p14="http://schemas.microsoft.com/office/powerpoint/2010/main" val="1366367277"/>
+      </p:ext>
+    </p:extLst>
+  </p:cSld>
+  <p:clrMapOvr>
+    <a:masterClrMapping/>
+  </p:clrMapOvr>
+</p:sld>
+</file>
+
+<file path=ppt/slides/slide11.xml><?xml version="1.0" encoding="utf-8"?>
+<p:sld xmlns:a="http://schemas.openxmlformats.org/drawingml/2006/main" xmlns:r="http://schemas.openxmlformats.org/officeDocument/2006/relationships" xmlns:p="http://schemas.openxmlformats.org/presentationml/2006/main">
+  <p:cSld>
+    <p:spTree>
+      <p:nvGrpSpPr>
+        <p:cNvPr id="1" name=""/>
+        <p:cNvGrpSpPr/>
+        <p:nvPr/>
+      </p:nvGrpSpPr>
+      <p:grpSpPr>
+        <a:xfrm>
+          <a:off x="0" y="0"/>
+          <a:ext cx="0" cy="0"/>
+          <a:chOff x="0" y="0"/>
+          <a:chExt cx="0" cy="0"/>
+        </a:xfrm>
+      </p:grpSpPr>
       <p:pic>
         <p:nvPicPr>
-          <p:cNvPr id="5" name="Рисунок 4"/>
+          <p:cNvPr id="4" name="Рисунок 3"/>
+          <p:cNvPicPr>
+            <a:picLocks noChangeAspect="1"/>
+          </p:cNvPicPr>
+          <p:nvPr/>
+        </p:nvPicPr>
+        <p:blipFill>
+          <a:blip r:embed="rId2">
+            <a:extLst>
+              <a:ext uri="{28A0092B-C50C-407E-A947-70E740481C1C}">
+                <a14:useLocalDpi xmlns:a14="http://schemas.microsoft.com/office/drawing/2010/main" val="0"/>
+              </a:ext>
+            </a:extLst>
+          </a:blip>
+          <a:stretch>
+            <a:fillRect/>
+          </a:stretch>
+        </p:blipFill>
+        <p:spPr>
+          <a:xfrm>
+            <a:off x="0" y="0"/>
+            <a:ext cx="12192000" cy="6858000"/>
+          </a:xfrm>
+          <a:prstGeom prst="rect">
+            <a:avLst/>
+          </a:prstGeom>
+        </p:spPr>
+      </p:pic>
+      <p:sp>
+        <p:nvSpPr>
+          <p:cNvPr id="5" name="Прямоугольник 4"/>
+          <p:cNvSpPr/>
+          <p:nvPr/>
+        </p:nvSpPr>
+        <p:spPr>
+          <a:xfrm>
+            <a:off x="644938" y="395626"/>
+            <a:ext cx="3488776" cy="707886"/>
+          </a:xfrm>
+          <a:prstGeom prst="rect">
+            <a:avLst/>
+          </a:prstGeom>
+        </p:spPr>
+        <p:txBody>
+          <a:bodyPr wrap="none">
+            <a:spAutoFit/>
+          </a:bodyPr>
+          <a:lstStyle/>
+          <a:p>
+            <a:r>
+              <a:rPr lang="ru-RU" sz="4000" b="1" dirty="0" smtClean="0">
+                <a:solidFill>
+                  <a:schemeClr val="bg1"/>
+                </a:solidFill>
+                <a:latin typeface="Times New Roman" panose="02020603050405020304" pitchFamily="18" charset="0"/>
+                <a:cs typeface="Times New Roman" panose="02020603050405020304" pitchFamily="18" charset="0"/>
+              </a:rPr>
+              <a:t>Цели и задачи</a:t>
+            </a:r>
+            <a:endParaRPr lang="ru-BY" sz="4000" b="1" dirty="0">
+              <a:solidFill>
+                <a:schemeClr val="bg1"/>
+              </a:solidFill>
+              <a:latin typeface="Times New Roman" panose="02020603050405020304" pitchFamily="18" charset="0"/>
+              <a:cs typeface="Times New Roman" panose="02020603050405020304" pitchFamily="18" charset="0"/>
+            </a:endParaRPr>
+          </a:p>
+        </p:txBody>
+      </p:sp>
+      <p:sp>
+        <p:nvSpPr>
+          <p:cNvPr id="6" name="Прямоугольник 5"/>
+          <p:cNvSpPr/>
+          <p:nvPr/>
+        </p:nvSpPr>
+        <p:spPr>
+          <a:xfrm>
+            <a:off x="106458" y="153863"/>
+            <a:ext cx="11790485" cy="6550269"/>
+          </a:xfrm>
+          <a:prstGeom prst="rect">
+            <a:avLst/>
+          </a:prstGeom>
+          <a:solidFill>
+            <a:schemeClr val="bg1"/>
+          </a:solidFill>
+        </p:spPr>
+        <p:style>
+          <a:lnRef idx="2">
+            <a:schemeClr val="accent1">
+              <a:shade val="50000"/>
+            </a:schemeClr>
+          </a:lnRef>
+          <a:fillRef idx="1">
+            <a:schemeClr val="accent1"/>
+          </a:fillRef>
+          <a:effectRef idx="0">
+            <a:schemeClr val="accent1"/>
+          </a:effectRef>
+          <a:fontRef idx="minor">
+            <a:schemeClr val="lt1"/>
+          </a:fontRef>
+        </p:style>
+        <p:txBody>
+          <a:bodyPr rtlCol="0" anchor="ctr"/>
+          <a:lstStyle/>
+          <a:p>
+            <a:pPr algn="ctr"/>
+            <a:endParaRPr lang="ru-RU">
+              <a:solidFill>
+                <a:schemeClr val="bg1"/>
+              </a:solidFill>
+            </a:endParaRPr>
+          </a:p>
+        </p:txBody>
+      </p:sp>
+      <p:sp>
+        <p:nvSpPr>
+          <p:cNvPr id="7" name="Прямоугольник 6"/>
+          <p:cNvSpPr/>
+          <p:nvPr/>
+        </p:nvSpPr>
+        <p:spPr>
+          <a:xfrm>
+            <a:off x="539430" y="369249"/>
+            <a:ext cx="2366353" cy="615553"/>
+          </a:xfrm>
+          <a:prstGeom prst="rect">
+            <a:avLst/>
+          </a:prstGeom>
+        </p:spPr>
+        <p:txBody>
+          <a:bodyPr wrap="none">
+            <a:spAutoFit/>
+          </a:bodyPr>
+          <a:lstStyle/>
+          <a:p>
+            <a:r>
+              <a:rPr lang="ru-RU" sz="3400" b="1" dirty="0" smtClean="0">
+                <a:latin typeface="+mj-lt"/>
+                <a:cs typeface="Arial" panose="020B0604020202020204" pitchFamily="34" charset="0"/>
+              </a:rPr>
+              <a:t>Заключение</a:t>
+            </a:r>
+            <a:endParaRPr lang="ru-BY" sz="3400" b="1" dirty="0">
+              <a:latin typeface="+mj-lt"/>
+              <a:cs typeface="Arial" panose="020B0604020202020204" pitchFamily="34" charset="0"/>
+            </a:endParaRPr>
+          </a:p>
+        </p:txBody>
+      </p:sp>
+      <p:sp>
+        <p:nvSpPr>
+          <p:cNvPr id="8" name="Прямоугольник 7">
+            <a:extLst>
+              <a:ext uri="{FF2B5EF4-FFF2-40B4-BE49-F238E27FC236}">
+                <a16:creationId xmlns:a16="http://schemas.microsoft.com/office/drawing/2014/main" id="{A13F02C5-D91C-41C8-A768-087FD6AD5394}"/>
+              </a:ext>
+            </a:extLst>
+          </p:cNvPr>
+          <p:cNvSpPr/>
+          <p:nvPr/>
+        </p:nvSpPr>
+        <p:spPr>
+          <a:xfrm rot="16200000">
+            <a:off x="9550435" y="3313248"/>
+            <a:ext cx="4461521" cy="231496"/>
+          </a:xfrm>
+          <a:prstGeom prst="rect">
+            <a:avLst/>
+          </a:prstGeom>
+          <a:solidFill>
+            <a:schemeClr val="accent1">
+              <a:lumMod val="75000"/>
+            </a:schemeClr>
+          </a:solidFill>
+          <a:ln>
+            <a:noFill/>
+          </a:ln>
+        </p:spPr>
+        <p:style>
+          <a:lnRef idx="2">
+            <a:schemeClr val="accent1">
+              <a:shade val="50000"/>
+            </a:schemeClr>
+          </a:lnRef>
+          <a:fillRef idx="1">
+            <a:schemeClr val="accent1"/>
+          </a:fillRef>
+          <a:effectRef idx="0">
+            <a:schemeClr val="accent1"/>
+          </a:effectRef>
+          <a:fontRef idx="minor">
+            <a:schemeClr val="lt1"/>
+          </a:fontRef>
+        </p:style>
+        <p:txBody>
+          <a:bodyPr rtlCol="0" anchor="ctr"/>
+          <a:lstStyle/>
+          <a:p>
+            <a:pPr algn="ctr"/>
+            <a:endParaRPr lang="ru-RU"/>
+          </a:p>
+        </p:txBody>
+      </p:sp>
+      <p:sp>
+        <p:nvSpPr>
+          <p:cNvPr id="9" name="Прямоугольник 8">
+            <a:extLst>
+              <a:ext uri="{FF2B5EF4-FFF2-40B4-BE49-F238E27FC236}">
+                <a16:creationId xmlns:a16="http://schemas.microsoft.com/office/drawing/2014/main" id="{A13F02C5-D91C-41C8-A768-087FD6AD5394}"/>
+              </a:ext>
+            </a:extLst>
+          </p:cNvPr>
+          <p:cNvSpPr/>
+          <p:nvPr/>
+        </p:nvSpPr>
+        <p:spPr>
+          <a:xfrm rot="16200000">
+            <a:off x="-2008555" y="3313249"/>
+            <a:ext cx="4461521" cy="231496"/>
+          </a:xfrm>
+          <a:prstGeom prst="rect">
+            <a:avLst/>
+          </a:prstGeom>
+          <a:solidFill>
+            <a:schemeClr val="accent1">
+              <a:lumMod val="75000"/>
+            </a:schemeClr>
+          </a:solidFill>
+          <a:ln>
+            <a:noFill/>
+          </a:ln>
+        </p:spPr>
+        <p:style>
+          <a:lnRef idx="2">
+            <a:schemeClr val="accent1">
+              <a:shade val="50000"/>
+            </a:schemeClr>
+          </a:lnRef>
+          <a:fillRef idx="1">
+            <a:schemeClr val="accent1"/>
+          </a:fillRef>
+          <a:effectRef idx="0">
+            <a:schemeClr val="accent1"/>
+          </a:effectRef>
+          <a:fontRef idx="minor">
+            <a:schemeClr val="lt1"/>
+          </a:fontRef>
+        </p:style>
+        <p:txBody>
+          <a:bodyPr rtlCol="0" anchor="ctr"/>
+          <a:lstStyle/>
+          <a:p>
+            <a:pPr algn="ctr"/>
+            <a:endParaRPr lang="ru-RU"/>
+          </a:p>
+        </p:txBody>
+      </p:sp>
+      <p:sp>
+        <p:nvSpPr>
+          <p:cNvPr id="10" name="Прямоугольник 9"/>
+          <p:cNvSpPr/>
+          <p:nvPr/>
+        </p:nvSpPr>
+        <p:spPr>
+          <a:xfrm>
+            <a:off x="1943100" y="1257375"/>
+            <a:ext cx="8561417" cy="2585323"/>
+          </a:xfrm>
+          <a:prstGeom prst="rect">
+            <a:avLst/>
+          </a:prstGeom>
+        </p:spPr>
+        <p:txBody>
+          <a:bodyPr wrap="square">
+            <a:spAutoFit/>
+          </a:bodyPr>
+          <a:lstStyle/>
+          <a:p>
+            <a:r>
+              <a:rPr lang="ru-RU" b="1" dirty="0" smtClean="0">
+                <a:ea typeface="Lato" panose="020F0502020204030203" pitchFamily="34" charset="0"/>
+                <a:cs typeface="Lato" panose="020F0502020204030203" pitchFamily="34" charset="0"/>
+              </a:rPr>
+              <a:t>Для достижения поставленных целей были проделаны следующие действия:</a:t>
+            </a:r>
+          </a:p>
+          <a:p>
+            <a:pPr marL="285750" lvl="0" indent="-285750">
+              <a:buFont typeface="Arial" panose="020B0604020202020204" pitchFamily="34" charset="0"/>
+              <a:buChar char="•"/>
+            </a:pPr>
+            <a:r>
+              <a:rPr lang="ru-RU" dirty="0" smtClean="0">
+                <a:ea typeface="Lato" panose="020F0502020204030203" pitchFamily="34" charset="0"/>
+                <a:cs typeface="Lato" panose="020F0502020204030203" pitchFamily="34" charset="0"/>
+              </a:rPr>
+              <a:t>произведен обзор и анализ аналогов;</a:t>
+            </a:r>
+          </a:p>
+          <a:p>
+            <a:pPr marL="285750" lvl="0" indent="-285750">
+              <a:buFont typeface="Arial" panose="020B0604020202020204" pitchFamily="34" charset="0"/>
+              <a:buChar char="•"/>
+            </a:pPr>
+            <a:r>
+              <a:rPr lang="ru-RU" dirty="0" smtClean="0">
+                <a:ea typeface="Lato" panose="020F0502020204030203" pitchFamily="34" charset="0"/>
+                <a:cs typeface="Lato" panose="020F0502020204030203" pitchFamily="34" charset="0"/>
+              </a:rPr>
+              <a:t>подобраны нужные технологии и инструменты;</a:t>
+            </a:r>
+          </a:p>
+          <a:p>
+            <a:pPr marL="285750" lvl="0" indent="-285750">
+              <a:buFont typeface="Arial" panose="020B0604020202020204" pitchFamily="34" charset="0"/>
+              <a:buChar char="•"/>
+            </a:pPr>
+            <a:r>
+              <a:rPr lang="ru-RU" dirty="0" smtClean="0">
+                <a:ea typeface="Lato" panose="020F0502020204030203" pitchFamily="34" charset="0"/>
+                <a:cs typeface="Lato" panose="020F0502020204030203" pitchFamily="34" charset="0"/>
+              </a:rPr>
+              <a:t>спроектированы схемы архитектуры приложения, базы данных и диаграмма вариантов использования;</a:t>
+            </a:r>
+          </a:p>
+          <a:p>
+            <a:pPr marL="285750" lvl="0" indent="-285750">
+              <a:buFont typeface="Arial" panose="020B0604020202020204" pitchFamily="34" charset="0"/>
+              <a:buChar char="•"/>
+            </a:pPr>
+            <a:r>
+              <a:rPr lang="ru-RU" dirty="0" smtClean="0">
+                <a:ea typeface="Lato" panose="020F0502020204030203" pitchFamily="34" charset="0"/>
+                <a:cs typeface="Lato" panose="020F0502020204030203" pitchFamily="34" charset="0"/>
+              </a:rPr>
+              <a:t>разработана клиентская и серверная части приложения</a:t>
+            </a:r>
+            <a:r>
+              <a:rPr lang="en-US" dirty="0" smtClean="0">
+                <a:latin typeface="Lato" panose="020F0502020204030203"/>
+                <a:ea typeface="Lato" panose="020F0502020204030203" pitchFamily="34" charset="0"/>
+                <a:cs typeface="Lato" panose="020F0502020204030203" pitchFamily="34" charset="0"/>
+              </a:rPr>
+              <a:t>;</a:t>
+            </a:r>
+            <a:endParaRPr lang="ru-RU" dirty="0" smtClean="0">
+              <a:ea typeface="Lato" panose="020F0502020204030203" pitchFamily="34" charset="0"/>
+              <a:cs typeface="Lato" panose="020F0502020204030203" pitchFamily="34" charset="0"/>
+            </a:endParaRPr>
+          </a:p>
+          <a:p>
+            <a:pPr marL="285750" lvl="0" indent="-285750">
+              <a:buFont typeface="Arial" panose="020B0604020202020204" pitchFamily="34" charset="0"/>
+              <a:buChar char="•"/>
+            </a:pPr>
+            <a:r>
+              <a:rPr lang="ru-RU" dirty="0" smtClean="0">
+                <a:ea typeface="Lato" panose="020F0502020204030203" pitchFamily="34" charset="0"/>
+                <a:cs typeface="Lato" panose="020F0502020204030203" pitchFamily="34" charset="0"/>
+              </a:rPr>
+              <a:t>протестированы все функции приложения;</a:t>
+            </a:r>
+          </a:p>
+          <a:p>
+            <a:pPr marL="285750" lvl="0" indent="-285750">
+              <a:buFont typeface="Arial" panose="020B0604020202020204" pitchFamily="34" charset="0"/>
+              <a:buChar char="•"/>
+            </a:pPr>
+            <a:r>
+              <a:rPr lang="ru-RU" dirty="0" smtClean="0">
+                <a:ea typeface="Lato" panose="020F0502020204030203" pitchFamily="34" charset="0"/>
+                <a:cs typeface="Lato" panose="020F0502020204030203" pitchFamily="34" charset="0"/>
+              </a:rPr>
+              <a:t>написано руководство пользователя</a:t>
+            </a:r>
+            <a:r>
+              <a:rPr lang="en-US" dirty="0" smtClean="0">
+                <a:latin typeface="Lato" panose="020F0502020204030203"/>
+                <a:ea typeface="Lato" panose="020F0502020204030203" pitchFamily="34" charset="0"/>
+                <a:cs typeface="Lato" panose="020F0502020204030203" pitchFamily="34" charset="0"/>
+              </a:rPr>
+              <a:t>;</a:t>
+            </a:r>
+            <a:endParaRPr lang="ru-RU" dirty="0" smtClean="0">
+              <a:ea typeface="Lato" panose="020F0502020204030203" pitchFamily="34" charset="0"/>
+              <a:cs typeface="Lato" panose="020F0502020204030203" pitchFamily="34" charset="0"/>
+            </a:endParaRPr>
+          </a:p>
+          <a:p>
+            <a:pPr marL="285750" lvl="0" indent="-285750">
+              <a:buFont typeface="Arial" panose="020B0604020202020204" pitchFamily="34" charset="0"/>
+              <a:buChar char="•"/>
+            </a:pPr>
+            <a:r>
+              <a:rPr lang="ru-RU" dirty="0" smtClean="0">
+                <a:ea typeface="Lato" panose="020F0502020204030203" pitchFamily="34" charset="0"/>
+                <a:cs typeface="Lato" panose="020F0502020204030203" pitchFamily="34" charset="0"/>
+              </a:rPr>
+              <a:t>рассчитаны экономические показатели проекта.</a:t>
+            </a:r>
+            <a:endParaRPr lang="ru-RU" dirty="0">
+              <a:ea typeface="Lato" panose="020F0502020204030203" pitchFamily="34" charset="0"/>
+              <a:cs typeface="Lato" panose="020F0502020204030203" pitchFamily="34" charset="0"/>
+            </a:endParaRPr>
+          </a:p>
+        </p:txBody>
+      </p:sp>
+      <p:sp>
+        <p:nvSpPr>
+          <p:cNvPr id="11" name="Прямоугольник 10"/>
+          <p:cNvSpPr/>
+          <p:nvPr/>
+        </p:nvSpPr>
+        <p:spPr>
+          <a:xfrm>
+            <a:off x="1232683" y="4185478"/>
+            <a:ext cx="9769531" cy="1323439"/>
+          </a:xfrm>
+          <a:prstGeom prst="rect">
+            <a:avLst/>
+          </a:prstGeom>
+        </p:spPr>
+        <p:txBody>
+          <a:bodyPr wrap="square">
+            <a:spAutoFit/>
+          </a:bodyPr>
+          <a:lstStyle/>
+          <a:p>
+            <a:r>
+              <a:rPr lang="ru-RU" sz="2000" dirty="0">
+                <a:latin typeface="Lato" panose="020F0502020204030203" pitchFamily="34" charset="0"/>
+                <a:ea typeface="Lato" panose="020F0502020204030203" pitchFamily="34" charset="0"/>
+                <a:cs typeface="Lato" panose="020F0502020204030203" pitchFamily="34" charset="0"/>
+              </a:rPr>
+              <a:t>В ходе выполнения дипломного проекта </a:t>
+            </a:r>
+            <a:r>
+              <a:rPr lang="ru-RU" sz="2000" dirty="0"/>
+              <a:t>была полностью достигнута поставленная цель по разработке программного средства и создан проект для ставок на футбольные события. Были учтены все требования, а задачи дипломного проекта выполнены в полном объеме.</a:t>
+            </a:r>
+            <a:endParaRPr lang="ru-RU" sz="2000" dirty="0" smtClean="0">
+              <a:latin typeface="Lato" panose="020F0502020204030203" pitchFamily="34" charset="0"/>
+              <a:ea typeface="Lato" panose="020F0502020204030203" pitchFamily="34" charset="0"/>
+              <a:cs typeface="Lato" panose="020F0502020204030203" pitchFamily="34" charset="0"/>
+            </a:endParaRPr>
+          </a:p>
+        </p:txBody>
+      </p:sp>
+    </p:spTree>
+    <p:extLst>
+      <p:ext uri="{BB962C8B-B14F-4D97-AF65-F5344CB8AC3E}">
+        <p14:creationId xmlns:p14="http://schemas.microsoft.com/office/powerpoint/2010/main" val="2266749771"/>
+      </p:ext>
+    </p:extLst>
+  </p:cSld>
+  <p:clrMapOvr>
+    <a:masterClrMapping/>
+  </p:clrMapOvr>
+</p:sld>
+</file>
+
+<file path=ppt/slides/slide12.xml><?xml version="1.0" encoding="utf-8"?>
+<p:sld xmlns:a="http://schemas.openxmlformats.org/drawingml/2006/main" xmlns:r="http://schemas.openxmlformats.org/officeDocument/2006/relationships" xmlns:p="http://schemas.openxmlformats.org/presentationml/2006/main">
+  <p:cSld>
+    <p:spTree>
+      <p:nvGrpSpPr>
+        <p:cNvPr id="1" name=""/>
+        <p:cNvGrpSpPr/>
+        <p:nvPr/>
+      </p:nvGrpSpPr>
+      <p:grpSpPr>
+        <a:xfrm>
+          <a:off x="0" y="0"/>
+          <a:ext cx="0" cy="0"/>
+          <a:chOff x="0" y="0"/>
+          <a:chExt cx="0" cy="0"/>
+        </a:xfrm>
+      </p:grpSpPr>
+      <p:pic>
+        <p:nvPicPr>
+          <p:cNvPr id="12" name="Рисунок 11"/>
           <p:cNvPicPr>
             <a:picLocks noChangeAspect="1"/>
           </p:cNvPicPr>
@@ -4251,8 +6450,8 @@
         </p:blipFill>
         <p:spPr>
           <a:xfrm>
-            <a:off x="0" y="0"/>
-            <a:ext cx="12192000" cy="6858000"/>
+            <a:off x="0" y="-14826"/>
+            <a:ext cx="12192000" cy="6872825"/>
           </a:xfrm>
           <a:prstGeom prst="rect">
             <a:avLst/>
@@ -4261,7 +6460,169 @@
       </p:pic>
       <p:sp>
         <p:nvSpPr>
-          <p:cNvPr id="6" name="Заголовок 1"/>
+          <p:cNvPr id="13" name="Прямоугольник 12">
+            <a:extLst>
+              <a:ext uri="{FF2B5EF4-FFF2-40B4-BE49-F238E27FC236}">
+                <a16:creationId xmlns:a16="http://schemas.microsoft.com/office/drawing/2014/main" id="{3A24C834-B741-4195-B095-CF0589AF7461}"/>
+              </a:ext>
+            </a:extLst>
+          </p:cNvPr>
+          <p:cNvSpPr/>
+          <p:nvPr/>
+        </p:nvSpPr>
+        <p:spPr>
+          <a:xfrm>
+            <a:off x="-1" y="-14826"/>
+            <a:ext cx="12192000" cy="2176896"/>
+          </a:xfrm>
+          <a:prstGeom prst="rect">
+            <a:avLst/>
+          </a:prstGeom>
+          <a:solidFill>
+            <a:srgbClr val="607090">
+              <a:alpha val="90000"/>
+            </a:srgbClr>
+          </a:solidFill>
+          <a:ln>
+            <a:noFill/>
+          </a:ln>
+        </p:spPr>
+        <p:style>
+          <a:lnRef idx="2">
+            <a:schemeClr val="accent1">
+              <a:shade val="50000"/>
+            </a:schemeClr>
+          </a:lnRef>
+          <a:fillRef idx="1">
+            <a:schemeClr val="accent1"/>
+          </a:fillRef>
+          <a:effectRef idx="0">
+            <a:schemeClr val="accent1"/>
+          </a:effectRef>
+          <a:fontRef idx="minor">
+            <a:schemeClr val="lt1"/>
+          </a:fontRef>
+        </p:style>
+        <p:txBody>
+          <a:bodyPr rtlCol="0" anchor="ctr"/>
+          <a:lstStyle/>
+          <a:p>
+            <a:pPr algn="ctr"/>
+            <a:endParaRPr lang="ru-RU"/>
+          </a:p>
+        </p:txBody>
+      </p:sp>
+      <p:sp>
+        <p:nvSpPr>
+          <p:cNvPr id="14" name="Прямоугольник 13">
+            <a:extLst>
+              <a:ext uri="{FF2B5EF4-FFF2-40B4-BE49-F238E27FC236}">
+                <a16:creationId xmlns:a16="http://schemas.microsoft.com/office/drawing/2014/main" id="{3A24C834-B741-4195-B095-CF0589AF7461}"/>
+              </a:ext>
+            </a:extLst>
+          </p:cNvPr>
+          <p:cNvSpPr/>
+          <p:nvPr/>
+        </p:nvSpPr>
+        <p:spPr>
+          <a:xfrm>
+            <a:off x="0" y="4979872"/>
+            <a:ext cx="12192000" cy="1878127"/>
+          </a:xfrm>
+          <a:prstGeom prst="rect">
+            <a:avLst/>
+          </a:prstGeom>
+          <a:solidFill>
+            <a:srgbClr val="607090">
+              <a:alpha val="90000"/>
+            </a:srgbClr>
+          </a:solidFill>
+          <a:ln>
+            <a:noFill/>
+          </a:ln>
+        </p:spPr>
+        <p:style>
+          <a:lnRef idx="2">
+            <a:schemeClr val="accent1">
+              <a:shade val="50000"/>
+            </a:schemeClr>
+          </a:lnRef>
+          <a:fillRef idx="1">
+            <a:schemeClr val="accent1"/>
+          </a:fillRef>
+          <a:effectRef idx="0">
+            <a:schemeClr val="accent1"/>
+          </a:effectRef>
+          <a:fontRef idx="minor">
+            <a:schemeClr val="lt1"/>
+          </a:fontRef>
+        </p:style>
+        <p:txBody>
+          <a:bodyPr rtlCol="0" anchor="ctr"/>
+          <a:lstStyle/>
+          <a:p>
+            <a:pPr algn="ctr"/>
+            <a:endParaRPr lang="ru-RU"/>
+          </a:p>
+        </p:txBody>
+      </p:sp>
+      <p:sp>
+        <p:nvSpPr>
+          <p:cNvPr id="15" name="Прямоугольник 14">
+            <a:extLst>
+              <a:ext uri="{FF2B5EF4-FFF2-40B4-BE49-F238E27FC236}">
+                <a16:creationId xmlns:a16="http://schemas.microsoft.com/office/drawing/2014/main" id="{3A24C834-B741-4195-B095-CF0589AF7461}"/>
+              </a:ext>
+            </a:extLst>
+          </p:cNvPr>
+          <p:cNvSpPr/>
+          <p:nvPr/>
+        </p:nvSpPr>
+        <p:spPr>
+          <a:xfrm>
+            <a:off x="0" y="2164080"/>
+            <a:ext cx="12192000" cy="2819400"/>
+          </a:xfrm>
+          <a:prstGeom prst="rect">
+            <a:avLst/>
+          </a:prstGeom>
+          <a:solidFill>
+            <a:srgbClr val="607090">
+              <a:alpha val="90000"/>
+            </a:srgbClr>
+          </a:solidFill>
+          <a:ln>
+            <a:noFill/>
+          </a:ln>
+        </p:spPr>
+        <p:style>
+          <a:lnRef idx="2">
+            <a:schemeClr val="accent1">
+              <a:shade val="50000"/>
+            </a:schemeClr>
+          </a:lnRef>
+          <a:fillRef idx="1">
+            <a:schemeClr val="accent1"/>
+          </a:fillRef>
+          <a:effectRef idx="0">
+            <a:schemeClr val="accent1"/>
+          </a:effectRef>
+          <a:fontRef idx="minor">
+            <a:schemeClr val="lt1"/>
+          </a:fontRef>
+        </p:style>
+        <p:txBody>
+          <a:bodyPr rtlCol="0" anchor="ctr"/>
+          <a:lstStyle/>
+          <a:p>
+            <a:pPr algn="ctr"/>
+            <a:endParaRPr lang="ru-RU"/>
+          </a:p>
+        </p:txBody>
+      </p:sp>
+      <p:sp>
+        <p:nvSpPr>
+          <p:cNvPr id="16" name="Заголовок 1"/>
           <p:cNvSpPr txBox="1">
             <a:spLocks/>
           </p:cNvSpPr>
@@ -4317,7 +6678,7 @@
       </p:sp>
       <p:sp>
         <p:nvSpPr>
-          <p:cNvPr id="7" name="TextBox 6"/>
+          <p:cNvPr id="17" name="TextBox 16"/>
           <p:cNvSpPr txBox="1"/>
           <p:nvPr/>
         </p:nvSpPr>
@@ -4580,13 +6941,13 @@
       </p:sp>
       <p:sp>
         <p:nvSpPr>
-          <p:cNvPr id="8" name="TextBox 7"/>
+          <p:cNvPr id="18" name="TextBox 17"/>
           <p:cNvSpPr txBox="1"/>
           <p:nvPr/>
         </p:nvSpPr>
         <p:spPr>
           <a:xfrm flipH="1">
-            <a:off x="-1" y="2371274"/>
+            <a:off x="2" y="2390324"/>
             <a:ext cx="12191998" cy="707886"/>
           </a:xfrm>
           <a:prstGeom prst="rect">
@@ -4704,7 +7065,7 @@
       </p:sp>
       <p:sp>
         <p:nvSpPr>
-          <p:cNvPr id="9" name="TextBox 8"/>
+          <p:cNvPr id="19" name="TextBox 18"/>
           <p:cNvSpPr txBox="1"/>
           <p:nvPr/>
         </p:nvSpPr>
@@ -4765,7 +7126,7 @@
       </p:sp>
       <p:sp>
         <p:nvSpPr>
-          <p:cNvPr id="10" name="Прямоугольник 9"/>
+          <p:cNvPr id="20" name="Прямоугольник 19"/>
           <p:cNvSpPr/>
           <p:nvPr/>
         </p:nvSpPr>
@@ -4847,33 +7208,14 @@
                 <a:ea typeface="Lato" panose="020F0502020204030203" pitchFamily="34" charset="0"/>
                 <a:cs typeface="Lato" panose="020F0502020204030203" pitchFamily="34" charset="0"/>
               </a:rPr>
-              <a:t>Комарова Елизавета </a:t>
-            </a:r>
-            <a:r>
-              <a:rPr lang="ru-RU" sz="1600" dirty="0" smtClean="0">
-                <a:solidFill>
-                  <a:schemeClr val="bg1"/>
-                </a:solidFill>
-                <a:latin typeface="Lato" panose="020F0502020204030203" pitchFamily="34" charset="0"/>
-                <a:ea typeface="Lato" panose="020F0502020204030203" pitchFamily="34" charset="0"/>
-                <a:cs typeface="Lato" panose="020F0502020204030203" pitchFamily="34" charset="0"/>
-              </a:rPr>
-              <a:t>Ивановна</a:t>
-            </a:r>
-            <a:endParaRPr lang="ru-RU" sz="1600" dirty="0" smtClean="0">
-              <a:solidFill>
-                <a:schemeClr val="bg1"/>
-              </a:solidFill>
-              <a:latin typeface="Lato" panose="020F0502020204030203" pitchFamily="34" charset="0"/>
-              <a:ea typeface="Lato" panose="020F0502020204030203" pitchFamily="34" charset="0"/>
-              <a:cs typeface="Lato" panose="020F0502020204030203" pitchFamily="34" charset="0"/>
-            </a:endParaRPr>
-          </a:p>
-        </p:txBody>
-      </p:sp>
-      <p:sp>
-        <p:nvSpPr>
-          <p:cNvPr id="11" name="Прямоугольник 10"/>
+              <a:t>Комарова Елизавета Ивановна</a:t>
+            </a:r>
+          </a:p>
+        </p:txBody>
+      </p:sp>
+      <p:sp>
+        <p:nvSpPr>
+          <p:cNvPr id="21" name="Прямоугольник 20"/>
           <p:cNvSpPr/>
           <p:nvPr/>
         </p:nvSpPr>
@@ -4985,10 +7327,276 @@
           </a:prstGeom>
         </p:spPr>
       </p:pic>
+      <p:sp>
+        <p:nvSpPr>
+          <p:cNvPr id="5" name="Прямоугольник 4"/>
+          <p:cNvSpPr/>
+          <p:nvPr/>
+        </p:nvSpPr>
+        <p:spPr>
+          <a:xfrm>
+            <a:off x="200757" y="153865"/>
+            <a:ext cx="11790485" cy="6550269"/>
+          </a:xfrm>
+          <a:prstGeom prst="rect">
+            <a:avLst/>
+          </a:prstGeom>
+          <a:solidFill>
+            <a:schemeClr val="bg1"/>
+          </a:solidFill>
+        </p:spPr>
+        <p:style>
+          <a:lnRef idx="2">
+            <a:schemeClr val="accent1">
+              <a:shade val="50000"/>
+            </a:schemeClr>
+          </a:lnRef>
+          <a:fillRef idx="1">
+            <a:schemeClr val="accent1"/>
+          </a:fillRef>
+          <a:effectRef idx="0">
+            <a:schemeClr val="accent1"/>
+          </a:effectRef>
+          <a:fontRef idx="minor">
+            <a:schemeClr val="lt1"/>
+          </a:fontRef>
+        </p:style>
+        <p:txBody>
+          <a:bodyPr rtlCol="0" anchor="ctr"/>
+          <a:lstStyle/>
+          <a:p>
+            <a:pPr algn="ctr"/>
+            <a:endParaRPr lang="ru-RU">
+              <a:solidFill>
+                <a:schemeClr val="bg1"/>
+              </a:solidFill>
+            </a:endParaRPr>
+          </a:p>
+        </p:txBody>
+      </p:sp>
+      <p:sp>
+        <p:nvSpPr>
+          <p:cNvPr id="6" name="Прямоугольник 5"/>
+          <p:cNvSpPr/>
+          <p:nvPr/>
+        </p:nvSpPr>
+        <p:spPr>
+          <a:xfrm>
+            <a:off x="539430" y="369249"/>
+            <a:ext cx="1664238" cy="615553"/>
+          </a:xfrm>
+          <a:prstGeom prst="rect">
+            <a:avLst/>
+          </a:prstGeom>
+        </p:spPr>
+        <p:txBody>
+          <a:bodyPr wrap="none">
+            <a:spAutoFit/>
+          </a:bodyPr>
+          <a:lstStyle/>
+          <a:p>
+            <a:r>
+              <a:rPr lang="ru-RU" sz="3400" b="1" dirty="0" smtClean="0">
+                <a:latin typeface="+mj-lt"/>
+                <a:cs typeface="Arial" panose="020B0604020202020204" pitchFamily="34" charset="0"/>
+              </a:rPr>
+              <a:t>Аналоги</a:t>
+            </a:r>
+            <a:endParaRPr lang="ru-BY" sz="3400" b="1" dirty="0">
+              <a:latin typeface="+mj-lt"/>
+              <a:cs typeface="Arial" panose="020B0604020202020204" pitchFamily="34" charset="0"/>
+            </a:endParaRPr>
+          </a:p>
+        </p:txBody>
+      </p:sp>
+      <p:sp>
+        <p:nvSpPr>
+          <p:cNvPr id="11" name="Прямоугольник 10">
+            <a:extLst>
+              <a:ext uri="{FF2B5EF4-FFF2-40B4-BE49-F238E27FC236}">
+                <a16:creationId xmlns:a16="http://schemas.microsoft.com/office/drawing/2014/main" id="{A13F02C5-D91C-41C8-A768-087FD6AD5394}"/>
+              </a:ext>
+            </a:extLst>
+          </p:cNvPr>
+          <p:cNvSpPr/>
+          <p:nvPr/>
+        </p:nvSpPr>
+        <p:spPr>
+          <a:xfrm rot="16200000">
+            <a:off x="-1900974" y="3313251"/>
+            <a:ext cx="4461521" cy="231496"/>
+          </a:xfrm>
+          <a:prstGeom prst="rect">
+            <a:avLst/>
+          </a:prstGeom>
+          <a:solidFill>
+            <a:schemeClr val="accent1">
+              <a:lumMod val="75000"/>
+            </a:schemeClr>
+          </a:solidFill>
+          <a:ln>
+            <a:noFill/>
+          </a:ln>
+        </p:spPr>
+        <p:style>
+          <a:lnRef idx="2">
+            <a:schemeClr val="accent1">
+              <a:shade val="50000"/>
+            </a:schemeClr>
+          </a:lnRef>
+          <a:fillRef idx="1">
+            <a:schemeClr val="accent1"/>
+          </a:fillRef>
+          <a:effectRef idx="0">
+            <a:schemeClr val="accent1"/>
+          </a:effectRef>
+          <a:fontRef idx="minor">
+            <a:schemeClr val="lt1"/>
+          </a:fontRef>
+        </p:style>
+        <p:txBody>
+          <a:bodyPr rtlCol="0" anchor="ctr"/>
+          <a:lstStyle/>
+          <a:p>
+            <a:pPr algn="ctr"/>
+            <a:endParaRPr lang="ru-RU"/>
+          </a:p>
+        </p:txBody>
+      </p:sp>
+      <p:sp>
+        <p:nvSpPr>
+          <p:cNvPr id="12" name="Прямоугольник 11">
+            <a:extLst>
+              <a:ext uri="{FF2B5EF4-FFF2-40B4-BE49-F238E27FC236}">
+                <a16:creationId xmlns:a16="http://schemas.microsoft.com/office/drawing/2014/main" id="{A13F02C5-D91C-41C8-A768-087FD6AD5394}"/>
+              </a:ext>
+            </a:extLst>
+          </p:cNvPr>
+          <p:cNvSpPr/>
+          <p:nvPr/>
+        </p:nvSpPr>
+        <p:spPr>
+          <a:xfrm rot="16200000">
+            <a:off x="9644733" y="3313252"/>
+            <a:ext cx="4461521" cy="231496"/>
+          </a:xfrm>
+          <a:prstGeom prst="rect">
+            <a:avLst/>
+          </a:prstGeom>
+          <a:solidFill>
+            <a:schemeClr val="accent1">
+              <a:lumMod val="75000"/>
+            </a:schemeClr>
+          </a:solidFill>
+          <a:ln>
+            <a:noFill/>
+          </a:ln>
+        </p:spPr>
+        <p:style>
+          <a:lnRef idx="2">
+            <a:schemeClr val="accent1">
+              <a:shade val="50000"/>
+            </a:schemeClr>
+          </a:lnRef>
+          <a:fillRef idx="1">
+            <a:schemeClr val="accent1"/>
+          </a:fillRef>
+          <a:effectRef idx="0">
+            <a:schemeClr val="accent1"/>
+          </a:effectRef>
+          <a:fontRef idx="minor">
+            <a:schemeClr val="lt1"/>
+          </a:fontRef>
+        </p:style>
+        <p:txBody>
+          <a:bodyPr rtlCol="0" anchor="ctr"/>
+          <a:lstStyle/>
+          <a:p>
+            <a:pPr algn="ctr"/>
+            <a:endParaRPr lang="ru-RU"/>
+          </a:p>
+        </p:txBody>
+      </p:sp>
+      <p:pic>
+        <p:nvPicPr>
+          <p:cNvPr id="13" name="Рисунок 12"/>
+          <p:cNvPicPr/>
+          <p:nvPr/>
+        </p:nvPicPr>
+        <p:blipFill>
+          <a:blip r:embed="rId3"/>
+          <a:stretch>
+            <a:fillRect/>
+          </a:stretch>
+        </p:blipFill>
+        <p:spPr>
+          <a:xfrm>
+            <a:off x="1007745" y="1277939"/>
+            <a:ext cx="4824681" cy="2322512"/>
+          </a:xfrm>
+          <a:prstGeom prst="rect">
+            <a:avLst/>
+          </a:prstGeom>
+        </p:spPr>
+      </p:pic>
+      <p:pic>
+        <p:nvPicPr>
+          <p:cNvPr id="14" name="Рисунок 13"/>
+          <p:cNvPicPr/>
+          <p:nvPr/>
+        </p:nvPicPr>
+        <p:blipFill>
+          <a:blip r:embed="rId4"/>
+          <a:stretch>
+            <a:fillRect/>
+          </a:stretch>
+        </p:blipFill>
+        <p:spPr>
+          <a:xfrm>
+            <a:off x="6372854" y="1872061"/>
+            <a:ext cx="5124417" cy="2523330"/>
+          </a:xfrm>
+          <a:prstGeom prst="rect">
+            <a:avLst/>
+          </a:prstGeom>
+          <a:ln>
+            <a:solidFill>
+              <a:schemeClr val="tx1"/>
+            </a:solidFill>
+          </a:ln>
+        </p:spPr>
+      </p:pic>
+      <p:pic>
+        <p:nvPicPr>
+          <p:cNvPr id="15" name="Рисунок 14"/>
+          <p:cNvPicPr/>
+          <p:nvPr/>
+        </p:nvPicPr>
+        <p:blipFill>
+          <a:blip r:embed="rId5"/>
+          <a:stretch>
+            <a:fillRect/>
+          </a:stretch>
+        </p:blipFill>
+        <p:spPr>
+          <a:xfrm>
+            <a:off x="1279770" y="3914837"/>
+            <a:ext cx="4816229" cy="2474911"/>
+          </a:xfrm>
+          <a:prstGeom prst="rect">
+            <a:avLst/>
+          </a:prstGeom>
+          <a:ln>
+            <a:solidFill>
+              <a:schemeClr val="tx1"/>
+            </a:solidFill>
+          </a:ln>
+        </p:spPr>
+      </p:pic>
     </p:spTree>
     <p:extLst>
       <p:ext uri="{BB962C8B-B14F-4D97-AF65-F5344CB8AC3E}">
-        <p14:creationId xmlns:p14="http://schemas.microsoft.com/office/powerpoint/2010/main" val="749063507"/>
+        <p14:creationId xmlns:p14="http://schemas.microsoft.com/office/powerpoint/2010/main" val="2542945328"/>
       </p:ext>
     </p:extLst>
   </p:cSld>
@@ -5017,7 +7625,7 @@
       </p:grpSpPr>
       <p:pic>
         <p:nvPicPr>
-          <p:cNvPr id="4" name="Рисунок 3"/>
+          <p:cNvPr id="7" name="Рисунок 6"/>
           <p:cNvPicPr>
             <a:picLocks noChangeAspect="1"/>
           </p:cNvPicPr>
@@ -5045,10 +7653,498 @@
           </a:prstGeom>
         </p:spPr>
       </p:pic>
+      <p:sp>
+        <p:nvSpPr>
+          <p:cNvPr id="5" name="Прямоугольник 4"/>
+          <p:cNvSpPr/>
+          <p:nvPr/>
+        </p:nvSpPr>
+        <p:spPr>
+          <a:xfrm>
+            <a:off x="200757" y="153865"/>
+            <a:ext cx="11790485" cy="6550269"/>
+          </a:xfrm>
+          <a:prstGeom prst="rect">
+            <a:avLst/>
+          </a:prstGeom>
+          <a:solidFill>
+            <a:schemeClr val="bg1"/>
+          </a:solidFill>
+        </p:spPr>
+        <p:style>
+          <a:lnRef idx="2">
+            <a:schemeClr val="accent1">
+              <a:shade val="50000"/>
+            </a:schemeClr>
+          </a:lnRef>
+          <a:fillRef idx="1">
+            <a:schemeClr val="accent1"/>
+          </a:fillRef>
+          <a:effectRef idx="0">
+            <a:schemeClr val="accent1"/>
+          </a:effectRef>
+          <a:fontRef idx="minor">
+            <a:schemeClr val="lt1"/>
+          </a:fontRef>
+        </p:style>
+        <p:txBody>
+          <a:bodyPr rtlCol="0" anchor="ctr"/>
+          <a:lstStyle/>
+          <a:p>
+            <a:pPr algn="ctr"/>
+            <a:endParaRPr lang="ru-RU">
+              <a:solidFill>
+                <a:schemeClr val="bg1"/>
+              </a:solidFill>
+            </a:endParaRPr>
+          </a:p>
+        </p:txBody>
+      </p:sp>
+      <p:sp>
+        <p:nvSpPr>
+          <p:cNvPr id="2" name="Прямоугольник 1"/>
+          <p:cNvSpPr/>
+          <p:nvPr/>
+        </p:nvSpPr>
+        <p:spPr>
+          <a:xfrm>
+            <a:off x="539430" y="369249"/>
+            <a:ext cx="2768707" cy="615553"/>
+          </a:xfrm>
+          <a:prstGeom prst="rect">
+            <a:avLst/>
+          </a:prstGeom>
+        </p:spPr>
+        <p:txBody>
+          <a:bodyPr wrap="none">
+            <a:spAutoFit/>
+          </a:bodyPr>
+          <a:lstStyle/>
+          <a:p>
+            <a:r>
+              <a:rPr lang="ru-RU" sz="3400" b="1" dirty="0" smtClean="0">
+                <a:latin typeface="+mj-lt"/>
+                <a:cs typeface="Arial" panose="020B0604020202020204" pitchFamily="34" charset="0"/>
+              </a:rPr>
+              <a:t>Цели и задачи</a:t>
+            </a:r>
+            <a:endParaRPr lang="ru-BY" sz="3400" b="1" dirty="0">
+              <a:latin typeface="+mj-lt"/>
+              <a:cs typeface="Arial" panose="020B0604020202020204" pitchFamily="34" charset="0"/>
+            </a:endParaRPr>
+          </a:p>
+        </p:txBody>
+      </p:sp>
+      <p:pic>
+        <p:nvPicPr>
+          <p:cNvPr id="1028" name="Picture 4" descr="https://top-fon.com/uploads/posts/2023-02/1675217466_top-fon-com-p-fon-dlya-prezentatsii-tsel-126.jpg"/>
+          <p:cNvPicPr>
+            <a:picLocks noChangeAspect="1" noChangeArrowheads="1"/>
+          </p:cNvPicPr>
+          <p:nvPr/>
+        </p:nvPicPr>
+        <p:blipFill>
+          <a:blip r:embed="rId3" cstate="print">
+            <a:extLst>
+              <a:ext uri="{28A0092B-C50C-407E-A947-70E740481C1C}">
+                <a14:useLocalDpi xmlns:a14="http://schemas.microsoft.com/office/drawing/2010/main" val="0"/>
+              </a:ext>
+            </a:extLst>
+          </a:blip>
+          <a:srcRect/>
+          <a:stretch>
+            <a:fillRect/>
+          </a:stretch>
+        </p:blipFill>
+        <p:spPr bwMode="auto">
+          <a:xfrm>
+            <a:off x="539430" y="1215575"/>
+            <a:ext cx="2671833" cy="2003875"/>
+          </a:xfrm>
+          <a:prstGeom prst="rect">
+            <a:avLst/>
+          </a:prstGeom>
+          <a:noFill/>
+          <a:extLst>
+            <a:ext uri="{909E8E84-426E-40DD-AFC4-6F175D3DCCD1}">
+              <a14:hiddenFill xmlns:a14="http://schemas.microsoft.com/office/drawing/2010/main">
+                <a:solidFill>
+                  <a:srgbClr val="FFFFFF"/>
+                </a:solidFill>
+              </a14:hiddenFill>
+            </a:ext>
+          </a:extLst>
+        </p:spPr>
+      </p:pic>
+      <p:pic>
+        <p:nvPicPr>
+          <p:cNvPr id="1030" name="Picture 6" descr="https://top-fon.com/uploads/posts/2023-02/1675217541_top-fon-com-p-fon-dlya-prezentatsii-tsel-161.jpg"/>
+          <p:cNvPicPr>
+            <a:picLocks noChangeAspect="1" noChangeArrowheads="1"/>
+          </p:cNvPicPr>
+          <p:nvPr/>
+        </p:nvPicPr>
+        <p:blipFill>
+          <a:blip r:embed="rId4" cstate="print">
+            <a:extLst>
+              <a:ext uri="{28A0092B-C50C-407E-A947-70E740481C1C}">
+                <a14:useLocalDpi xmlns:a14="http://schemas.microsoft.com/office/drawing/2010/main" val="0"/>
+              </a:ext>
+            </a:extLst>
+          </a:blip>
+          <a:srcRect/>
+          <a:stretch>
+            <a:fillRect/>
+          </a:stretch>
+        </p:blipFill>
+        <p:spPr bwMode="auto">
+          <a:xfrm>
+            <a:off x="8646619" y="3737828"/>
+            <a:ext cx="2741657" cy="2028826"/>
+          </a:xfrm>
+          <a:prstGeom prst="rect">
+            <a:avLst/>
+          </a:prstGeom>
+          <a:noFill/>
+          <a:extLst>
+            <a:ext uri="{909E8E84-426E-40DD-AFC4-6F175D3DCCD1}">
+              <a14:hiddenFill xmlns:a14="http://schemas.microsoft.com/office/drawing/2010/main">
+                <a:solidFill>
+                  <a:srgbClr val="FFFFFF"/>
+                </a:solidFill>
+              </a14:hiddenFill>
+            </a:ext>
+          </a:extLst>
+        </p:spPr>
+      </p:pic>
+      <p:sp>
+        <p:nvSpPr>
+          <p:cNvPr id="6" name="Прямоугольник 5"/>
+          <p:cNvSpPr/>
+          <p:nvPr/>
+        </p:nvSpPr>
+        <p:spPr>
+          <a:xfrm>
+            <a:off x="3549936" y="2048560"/>
+            <a:ext cx="7918164" cy="646331"/>
+          </a:xfrm>
+          <a:prstGeom prst="rect">
+            <a:avLst/>
+          </a:prstGeom>
+        </p:spPr>
+        <p:txBody>
+          <a:bodyPr wrap="square">
+            <a:spAutoFit/>
+          </a:bodyPr>
+          <a:lstStyle/>
+          <a:p>
+            <a:r>
+              <a:rPr lang="ru-RU" b="1" dirty="0">
+                <a:latin typeface="Lato" panose="020F0502020204030203" pitchFamily="34" charset="0"/>
+                <a:ea typeface="Lato" panose="020F0502020204030203" pitchFamily="34" charset="0"/>
+                <a:cs typeface="Lato" panose="020F0502020204030203" pitchFamily="34" charset="0"/>
+              </a:rPr>
+              <a:t>Цель дипломного проекта: </a:t>
+            </a:r>
+            <a:r>
+              <a:rPr lang="ru-RU" dirty="0">
+                <a:latin typeface="Lato" panose="020F0502020204030203" pitchFamily="34" charset="0"/>
+                <a:ea typeface="Lato" panose="020F0502020204030203" pitchFamily="34" charset="0"/>
+                <a:cs typeface="Lato" panose="020F0502020204030203" pitchFamily="34" charset="0"/>
+              </a:rPr>
+              <a:t>разработать веб-приложение </a:t>
+            </a:r>
+            <a:r>
+              <a:rPr lang="ru-RU" dirty="0" smtClean="0">
+                <a:latin typeface="Lato" panose="020F0502020204030203" pitchFamily="34" charset="0"/>
+                <a:ea typeface="Lato" panose="020F0502020204030203" pitchFamily="34" charset="0"/>
+                <a:cs typeface="Lato" panose="020F0502020204030203" pitchFamily="34" charset="0"/>
+              </a:rPr>
+              <a:t>для букмекерских ставок на футбольные события. </a:t>
+            </a:r>
+            <a:endParaRPr lang="ru-RU" sz="1600" dirty="0">
+              <a:latin typeface="Lato" panose="020F0502020204030203" pitchFamily="34" charset="0"/>
+              <a:ea typeface="Lato" panose="020F0502020204030203" pitchFamily="34" charset="0"/>
+              <a:cs typeface="Lato" panose="020F0502020204030203" pitchFamily="34" charset="0"/>
+            </a:endParaRPr>
+          </a:p>
+        </p:txBody>
+      </p:sp>
+      <p:sp>
+        <p:nvSpPr>
+          <p:cNvPr id="10" name="Прямоугольник 9"/>
+          <p:cNvSpPr/>
+          <p:nvPr/>
+        </p:nvSpPr>
+        <p:spPr>
+          <a:xfrm>
+            <a:off x="646292" y="3059470"/>
+            <a:ext cx="8334102" cy="3385542"/>
+          </a:xfrm>
+          <a:prstGeom prst="rect">
+            <a:avLst/>
+          </a:prstGeom>
+        </p:spPr>
+        <p:txBody>
+          <a:bodyPr wrap="square">
+            <a:spAutoFit/>
+          </a:bodyPr>
+          <a:lstStyle/>
+          <a:p>
+            <a:r>
+              <a:rPr lang="ru-RU" sz="1600" b="1" dirty="0">
+                <a:latin typeface="Lato" panose="020F0502020204030203" pitchFamily="34" charset="0"/>
+                <a:ea typeface="Lato" panose="020F0502020204030203" pitchFamily="34" charset="0"/>
+                <a:cs typeface="Lato" panose="020F0502020204030203" pitchFamily="34" charset="0"/>
+              </a:rPr>
+              <a:t>Функционально должны быть выполнены следующие задачи:</a:t>
+            </a:r>
+          </a:p>
+          <a:p>
+            <a:pPr marL="285750" lvl="0" indent="-285750">
+              <a:buFont typeface="Arial" panose="020B0604020202020204" pitchFamily="34" charset="0"/>
+              <a:buChar char="•"/>
+            </a:pPr>
+            <a:r>
+              <a:rPr lang="en-US" dirty="0" err="1"/>
+              <a:t>регистрация</a:t>
+            </a:r>
+            <a:r>
+              <a:rPr lang="en-US" dirty="0"/>
+              <a:t> и </a:t>
+            </a:r>
+            <a:r>
+              <a:rPr lang="en-US" dirty="0" err="1"/>
+              <a:t>авторизация</a:t>
+            </a:r>
+            <a:r>
+              <a:rPr lang="en-US" dirty="0"/>
+              <a:t> </a:t>
+            </a:r>
+            <a:r>
+              <a:rPr lang="en-US" dirty="0" err="1"/>
+              <a:t>пользователя</a:t>
+            </a:r>
+            <a:r>
+              <a:rPr lang="en-US" dirty="0"/>
+              <a:t>;</a:t>
+            </a:r>
+            <a:endParaRPr lang="ru-RU" dirty="0"/>
+          </a:p>
+          <a:p>
+            <a:pPr marL="285750" lvl="0" indent="-285750">
+              <a:buFont typeface="Arial" panose="020B0604020202020204" pitchFamily="34" charset="0"/>
+              <a:buChar char="•"/>
+            </a:pPr>
+            <a:r>
+              <a:rPr lang="ru-RU" dirty="0"/>
+              <a:t>поддержка ролей администратора, букмекера и пользователя;</a:t>
+            </a:r>
+          </a:p>
+          <a:p>
+            <a:pPr marL="285750" lvl="0" indent="-285750">
+              <a:buFont typeface="Arial" panose="020B0604020202020204" pitchFamily="34" charset="0"/>
+              <a:buChar char="•"/>
+            </a:pPr>
+            <a:r>
+              <a:rPr lang="ru-RU" dirty="0"/>
+              <a:t>создание, удаление и изменения регионов, чемпионатов и команд;</a:t>
+            </a:r>
+          </a:p>
+          <a:p>
+            <a:pPr marL="285750" lvl="0" indent="-285750">
+              <a:buFont typeface="Arial" panose="020B0604020202020204" pitchFamily="34" charset="0"/>
+              <a:buChar char="•"/>
+            </a:pPr>
+            <a:r>
+              <a:rPr lang="ru-RU" dirty="0"/>
+              <a:t>создание и удаление матчей;</a:t>
+            </a:r>
+          </a:p>
+          <a:p>
+            <a:pPr marL="285750" lvl="0" indent="-285750">
+              <a:buFont typeface="Arial" panose="020B0604020202020204" pitchFamily="34" charset="0"/>
+              <a:buChar char="•"/>
+            </a:pPr>
+            <a:r>
+              <a:rPr lang="ru-RU" dirty="0"/>
+              <a:t>изменение роли пользователя;</a:t>
+            </a:r>
+          </a:p>
+          <a:p>
+            <a:pPr marL="285750" lvl="0" indent="-285750">
+              <a:buFont typeface="Arial" panose="020B0604020202020204" pitchFamily="34" charset="0"/>
+              <a:buChar char="•"/>
+            </a:pPr>
+            <a:r>
+              <a:rPr lang="ru-RU" dirty="0"/>
+              <a:t>возможность для букмекера добавлять исходы на матч</a:t>
+            </a:r>
+          </a:p>
+          <a:p>
+            <a:pPr marL="285750" lvl="0" indent="-285750">
+              <a:buFont typeface="Arial" panose="020B0604020202020204" pitchFamily="34" charset="0"/>
+              <a:buChar char="•"/>
+            </a:pPr>
+            <a:r>
+              <a:rPr lang="ru-RU" dirty="0"/>
+              <a:t>возможность для букмекера изменять коэффициенты на матч;</a:t>
+            </a:r>
+          </a:p>
+          <a:p>
+            <a:pPr marL="285750" lvl="0" indent="-285750">
+              <a:buFont typeface="Arial" panose="020B0604020202020204" pitchFamily="34" charset="0"/>
+              <a:buChar char="•"/>
+            </a:pPr>
+            <a:r>
+              <a:rPr lang="ru-RU" dirty="0"/>
+              <a:t>возможность для пользователя ставить на футбольные события;</a:t>
+            </a:r>
+          </a:p>
+          <a:p>
+            <a:pPr marL="285750" lvl="0" indent="-285750">
+              <a:buFont typeface="Arial" panose="020B0604020202020204" pitchFamily="34" charset="0"/>
+              <a:buChar char="•"/>
+            </a:pPr>
+            <a:r>
+              <a:rPr lang="ru-RU" dirty="0"/>
+              <a:t>возможность для пользователя пополнять игровой счет и выводить средства;</a:t>
+            </a:r>
+          </a:p>
+          <a:p>
+            <a:pPr marL="285750" lvl="0" indent="-285750">
+              <a:buFont typeface="Arial" panose="020B0604020202020204" pitchFamily="34" charset="0"/>
+              <a:buChar char="•"/>
+            </a:pPr>
+            <a:r>
+              <a:rPr lang="ru-RU" dirty="0"/>
+              <a:t>возможность для пользователя просматривать историю ставок;</a:t>
+            </a:r>
+          </a:p>
+          <a:p>
+            <a:pPr marL="285750" lvl="0" indent="-285750">
+              <a:buFont typeface="Arial" panose="020B0604020202020204" pitchFamily="34" charset="0"/>
+              <a:buChar char="•"/>
+            </a:pPr>
+            <a:r>
+              <a:rPr lang="ru-RU" dirty="0"/>
+              <a:t>возможность для пользователя просматривать историю счета.</a:t>
+            </a:r>
+          </a:p>
+        </p:txBody>
+      </p:sp>
+      <p:sp>
+        <p:nvSpPr>
+          <p:cNvPr id="12" name="Прямоугольник 11">
+            <a:extLst>
+              <a:ext uri="{FF2B5EF4-FFF2-40B4-BE49-F238E27FC236}">
+                <a16:creationId xmlns:a16="http://schemas.microsoft.com/office/drawing/2014/main" id="{A13F02C5-D91C-41C8-A768-087FD6AD5394}"/>
+              </a:ext>
+            </a:extLst>
+          </p:cNvPr>
+          <p:cNvSpPr/>
+          <p:nvPr/>
+        </p:nvSpPr>
+        <p:spPr>
+          <a:xfrm rot="16200000">
+            <a:off x="-1900974" y="3313251"/>
+            <a:ext cx="4461521" cy="231496"/>
+          </a:xfrm>
+          <a:prstGeom prst="rect">
+            <a:avLst/>
+          </a:prstGeom>
+          <a:solidFill>
+            <a:schemeClr val="accent1">
+              <a:lumMod val="75000"/>
+            </a:schemeClr>
+          </a:solidFill>
+          <a:ln>
+            <a:noFill/>
+          </a:ln>
+        </p:spPr>
+        <p:style>
+          <a:lnRef idx="2">
+            <a:schemeClr val="accent1">
+              <a:shade val="50000"/>
+            </a:schemeClr>
+          </a:lnRef>
+          <a:fillRef idx="1">
+            <a:schemeClr val="accent1"/>
+          </a:fillRef>
+          <a:effectRef idx="0">
+            <a:schemeClr val="accent1"/>
+          </a:effectRef>
+          <a:fontRef idx="minor">
+            <a:schemeClr val="lt1"/>
+          </a:fontRef>
+        </p:style>
+        <p:txBody>
+          <a:bodyPr rtlCol="0" anchor="ctr"/>
+          <a:lstStyle/>
+          <a:p>
+            <a:pPr algn="ctr"/>
+            <a:endParaRPr lang="ru-RU"/>
+          </a:p>
+        </p:txBody>
+      </p:sp>
+      <p:sp>
+        <p:nvSpPr>
+          <p:cNvPr id="13" name="Прямоугольник 12">
+            <a:extLst>
+              <a:ext uri="{FF2B5EF4-FFF2-40B4-BE49-F238E27FC236}">
+                <a16:creationId xmlns:a16="http://schemas.microsoft.com/office/drawing/2014/main" id="{A13F02C5-D91C-41C8-A768-087FD6AD5394}"/>
+              </a:ext>
+            </a:extLst>
+          </p:cNvPr>
+          <p:cNvSpPr/>
+          <p:nvPr/>
+        </p:nvSpPr>
+        <p:spPr>
+          <a:xfrm rot="16200000">
+            <a:off x="9644733" y="3313252"/>
+            <a:ext cx="4461521" cy="231496"/>
+          </a:xfrm>
+          <a:prstGeom prst="rect">
+            <a:avLst/>
+          </a:prstGeom>
+          <a:solidFill>
+            <a:schemeClr val="accent1">
+              <a:lumMod val="75000"/>
+            </a:schemeClr>
+          </a:solidFill>
+          <a:ln>
+            <a:noFill/>
+          </a:ln>
+        </p:spPr>
+        <p:style>
+          <a:lnRef idx="2">
+            <a:schemeClr val="accent1">
+              <a:shade val="50000"/>
+            </a:schemeClr>
+          </a:lnRef>
+          <a:fillRef idx="1">
+            <a:schemeClr val="accent1"/>
+          </a:fillRef>
+          <a:effectRef idx="0">
+            <a:schemeClr val="accent1"/>
+          </a:effectRef>
+          <a:fontRef idx="minor">
+            <a:schemeClr val="lt1"/>
+          </a:fontRef>
+        </p:style>
+        <p:txBody>
+          <a:bodyPr rtlCol="0" anchor="ctr"/>
+          <a:lstStyle/>
+          <a:p>
+            <a:pPr algn="ctr"/>
+            <a:endParaRPr lang="ru-RU"/>
+          </a:p>
+        </p:txBody>
+      </p:sp>
     </p:spTree>
     <p:extLst>
       <p:ext uri="{BB962C8B-B14F-4D97-AF65-F5344CB8AC3E}">
-        <p14:creationId xmlns:p14="http://schemas.microsoft.com/office/powerpoint/2010/main" val="2163950646"/>
+        <p14:creationId xmlns:p14="http://schemas.microsoft.com/office/powerpoint/2010/main" val="749063507"/>
       </p:ext>
     </p:extLst>
   </p:cSld>
@@ -5077,7 +8173,7 @@
       </p:grpSpPr>
       <p:pic>
         <p:nvPicPr>
-          <p:cNvPr id="4" name="Рисунок 3"/>
+          <p:cNvPr id="10" name="Рисунок 9"/>
           <p:cNvPicPr>
             <a:picLocks noChangeAspect="1"/>
           </p:cNvPicPr>
@@ -5105,10 +8201,268 @@
           </a:prstGeom>
         </p:spPr>
       </p:pic>
+      <p:sp>
+        <p:nvSpPr>
+          <p:cNvPr id="3" name="Прямоугольник 2"/>
+          <p:cNvSpPr/>
+          <p:nvPr/>
+        </p:nvSpPr>
+        <p:spPr>
+          <a:xfrm>
+            <a:off x="644938" y="395626"/>
+            <a:ext cx="3488776" cy="707886"/>
+          </a:xfrm>
+          <a:prstGeom prst="rect">
+            <a:avLst/>
+          </a:prstGeom>
+        </p:spPr>
+        <p:txBody>
+          <a:bodyPr wrap="none">
+            <a:spAutoFit/>
+          </a:bodyPr>
+          <a:lstStyle/>
+          <a:p>
+            <a:r>
+              <a:rPr lang="ru-RU" sz="4000" b="1" dirty="0" smtClean="0">
+                <a:solidFill>
+                  <a:schemeClr val="bg1"/>
+                </a:solidFill>
+                <a:latin typeface="Times New Roman" panose="02020603050405020304" pitchFamily="18" charset="0"/>
+                <a:cs typeface="Times New Roman" panose="02020603050405020304" pitchFamily="18" charset="0"/>
+              </a:rPr>
+              <a:t>Цели и задачи</a:t>
+            </a:r>
+            <a:endParaRPr lang="ru-BY" sz="4000" b="1" dirty="0">
+              <a:solidFill>
+                <a:schemeClr val="bg1"/>
+              </a:solidFill>
+              <a:latin typeface="Times New Roman" panose="02020603050405020304" pitchFamily="18" charset="0"/>
+              <a:cs typeface="Times New Roman" panose="02020603050405020304" pitchFamily="18" charset="0"/>
+            </a:endParaRPr>
+          </a:p>
+        </p:txBody>
+      </p:sp>
+      <p:sp>
+        <p:nvSpPr>
+          <p:cNvPr id="5" name="Прямоугольник 4"/>
+          <p:cNvSpPr/>
+          <p:nvPr/>
+        </p:nvSpPr>
+        <p:spPr>
+          <a:xfrm>
+            <a:off x="200757" y="153865"/>
+            <a:ext cx="11790485" cy="6550269"/>
+          </a:xfrm>
+          <a:prstGeom prst="rect">
+            <a:avLst/>
+          </a:prstGeom>
+          <a:solidFill>
+            <a:schemeClr val="bg1"/>
+          </a:solidFill>
+        </p:spPr>
+        <p:style>
+          <a:lnRef idx="2">
+            <a:schemeClr val="accent1">
+              <a:shade val="50000"/>
+            </a:schemeClr>
+          </a:lnRef>
+          <a:fillRef idx="1">
+            <a:schemeClr val="accent1"/>
+          </a:fillRef>
+          <a:effectRef idx="0">
+            <a:schemeClr val="accent1"/>
+          </a:effectRef>
+          <a:fontRef idx="minor">
+            <a:schemeClr val="lt1"/>
+          </a:fontRef>
+        </p:style>
+        <p:txBody>
+          <a:bodyPr rtlCol="0" anchor="ctr"/>
+          <a:lstStyle/>
+          <a:p>
+            <a:pPr algn="ctr"/>
+            <a:endParaRPr lang="ru-RU">
+              <a:solidFill>
+                <a:schemeClr val="bg1"/>
+              </a:solidFill>
+            </a:endParaRPr>
+          </a:p>
+        </p:txBody>
+      </p:sp>
+      <p:pic>
+        <p:nvPicPr>
+          <p:cNvPr id="7" name="Рисунок 6"/>
+          <p:cNvPicPr/>
+          <p:nvPr/>
+        </p:nvPicPr>
+        <p:blipFill>
+          <a:blip r:embed="rId3"/>
+          <a:stretch>
+            <a:fillRect/>
+          </a:stretch>
+        </p:blipFill>
+        <p:spPr>
+          <a:xfrm>
+            <a:off x="3449954" y="1357312"/>
+            <a:ext cx="5103495" cy="4452938"/>
+          </a:xfrm>
+          <a:prstGeom prst="rect">
+            <a:avLst/>
+          </a:prstGeom>
+          <a:ln>
+            <a:solidFill>
+              <a:schemeClr val="bg1"/>
+            </a:solidFill>
+          </a:ln>
+        </p:spPr>
+      </p:pic>
+      <p:sp>
+        <p:nvSpPr>
+          <p:cNvPr id="9" name="Прямоугольник 8"/>
+          <p:cNvSpPr/>
+          <p:nvPr/>
+        </p:nvSpPr>
+        <p:spPr>
+          <a:xfrm>
+            <a:off x="539430" y="369249"/>
+            <a:ext cx="6756978" cy="615553"/>
+          </a:xfrm>
+          <a:prstGeom prst="rect">
+            <a:avLst/>
+          </a:prstGeom>
+        </p:spPr>
+        <p:txBody>
+          <a:bodyPr wrap="none">
+            <a:spAutoFit/>
+          </a:bodyPr>
+          <a:lstStyle/>
+          <a:p>
+            <a:r>
+              <a:rPr lang="ru-RU" sz="3400" b="1" dirty="0" smtClean="0">
+                <a:latin typeface="+mj-lt"/>
+                <a:cs typeface="Arial" panose="020B0604020202020204" pitchFamily="34" charset="0"/>
+              </a:rPr>
+              <a:t>Схема архитектуры веб-приложения</a:t>
+            </a:r>
+            <a:endParaRPr lang="ru-BY" sz="3400" b="1" dirty="0">
+              <a:latin typeface="+mj-lt"/>
+              <a:cs typeface="Arial" panose="020B0604020202020204" pitchFamily="34" charset="0"/>
+            </a:endParaRPr>
+          </a:p>
+        </p:txBody>
+      </p:sp>
+      <p:sp>
+        <p:nvSpPr>
+          <p:cNvPr id="11" name="Прямоугольник 10">
+            <a:extLst>
+              <a:ext uri="{FF2B5EF4-FFF2-40B4-BE49-F238E27FC236}">
+                <a16:creationId xmlns:a16="http://schemas.microsoft.com/office/drawing/2014/main" id="{A13F02C5-D91C-41C8-A768-087FD6AD5394}"/>
+              </a:ext>
+            </a:extLst>
+          </p:cNvPr>
+          <p:cNvSpPr/>
+          <p:nvPr/>
+        </p:nvSpPr>
+        <p:spPr>
+          <a:xfrm rot="16200000">
+            <a:off x="9644734" y="3313250"/>
+            <a:ext cx="4461521" cy="231496"/>
+          </a:xfrm>
+          <a:prstGeom prst="rect">
+            <a:avLst/>
+          </a:prstGeom>
+          <a:solidFill>
+            <a:schemeClr val="accent1">
+              <a:lumMod val="75000"/>
+            </a:schemeClr>
+          </a:solidFill>
+          <a:ln>
+            <a:noFill/>
+          </a:ln>
+        </p:spPr>
+        <p:style>
+          <a:lnRef idx="2">
+            <a:schemeClr val="accent1">
+              <a:shade val="50000"/>
+            </a:schemeClr>
+          </a:lnRef>
+          <a:fillRef idx="1">
+            <a:schemeClr val="accent1"/>
+          </a:fillRef>
+          <a:effectRef idx="0">
+            <a:schemeClr val="accent1"/>
+          </a:effectRef>
+          <a:fontRef idx="minor">
+            <a:schemeClr val="lt1"/>
+          </a:fontRef>
+        </p:style>
+        <p:txBody>
+          <a:bodyPr rtlCol="0" anchor="ctr"/>
+          <a:lstStyle/>
+          <a:p>
+            <a:pPr algn="ctr"/>
+            <a:endParaRPr lang="ru-RU"/>
+          </a:p>
+        </p:txBody>
+      </p:sp>
+      <p:sp>
+        <p:nvSpPr>
+          <p:cNvPr id="12" name="Прямоугольник 11">
+            <a:extLst>
+              <a:ext uri="{FF2B5EF4-FFF2-40B4-BE49-F238E27FC236}">
+                <a16:creationId xmlns:a16="http://schemas.microsoft.com/office/drawing/2014/main" id="{A13F02C5-D91C-41C8-A768-087FD6AD5394}"/>
+              </a:ext>
+            </a:extLst>
+          </p:cNvPr>
+          <p:cNvSpPr/>
+          <p:nvPr/>
+        </p:nvSpPr>
+        <p:spPr>
+          <a:xfrm rot="16200000">
+            <a:off x="-1900974" y="3313251"/>
+            <a:ext cx="4461521" cy="231496"/>
+          </a:xfrm>
+          <a:prstGeom prst="rect">
+            <a:avLst/>
+          </a:prstGeom>
+          <a:solidFill>
+            <a:schemeClr val="accent1">
+              <a:lumMod val="75000"/>
+            </a:schemeClr>
+          </a:solidFill>
+          <a:ln>
+            <a:noFill/>
+          </a:ln>
+        </p:spPr>
+        <p:style>
+          <a:lnRef idx="2">
+            <a:schemeClr val="accent1">
+              <a:shade val="50000"/>
+            </a:schemeClr>
+          </a:lnRef>
+          <a:fillRef idx="1">
+            <a:schemeClr val="accent1"/>
+          </a:fillRef>
+          <a:effectRef idx="0">
+            <a:schemeClr val="accent1"/>
+          </a:effectRef>
+          <a:fontRef idx="minor">
+            <a:schemeClr val="lt1"/>
+          </a:fontRef>
+        </p:style>
+        <p:txBody>
+          <a:bodyPr rtlCol="0" anchor="ctr"/>
+          <a:lstStyle/>
+          <a:p>
+            <a:pPr algn="ctr"/>
+            <a:endParaRPr lang="ru-RU"/>
+          </a:p>
+        </p:txBody>
+      </p:sp>
     </p:spTree>
     <p:extLst>
       <p:ext uri="{BB962C8B-B14F-4D97-AF65-F5344CB8AC3E}">
-        <p14:creationId xmlns:p14="http://schemas.microsoft.com/office/powerpoint/2010/main" val="3396767163"/>
+        <p14:creationId xmlns:p14="http://schemas.microsoft.com/office/powerpoint/2010/main" val="2163950646"/>
       </p:ext>
     </p:extLst>
   </p:cSld>
@@ -5165,10 +8519,528 @@
           </a:prstGeom>
         </p:spPr>
       </p:pic>
+      <p:sp>
+        <p:nvSpPr>
+          <p:cNvPr id="5" name="Прямоугольник 4"/>
+          <p:cNvSpPr/>
+          <p:nvPr/>
+        </p:nvSpPr>
+        <p:spPr>
+          <a:xfrm>
+            <a:off x="644938" y="395626"/>
+            <a:ext cx="3488776" cy="707886"/>
+          </a:xfrm>
+          <a:prstGeom prst="rect">
+            <a:avLst/>
+          </a:prstGeom>
+        </p:spPr>
+        <p:txBody>
+          <a:bodyPr wrap="none">
+            <a:spAutoFit/>
+          </a:bodyPr>
+          <a:lstStyle/>
+          <a:p>
+            <a:r>
+              <a:rPr lang="ru-RU" sz="4000" b="1" dirty="0" smtClean="0">
+                <a:solidFill>
+                  <a:schemeClr val="bg1"/>
+                </a:solidFill>
+                <a:latin typeface="Times New Roman" panose="02020603050405020304" pitchFamily="18" charset="0"/>
+                <a:cs typeface="Times New Roman" panose="02020603050405020304" pitchFamily="18" charset="0"/>
+              </a:rPr>
+              <a:t>Цели и задачи</a:t>
+            </a:r>
+            <a:endParaRPr lang="ru-BY" sz="4000" b="1" dirty="0">
+              <a:solidFill>
+                <a:schemeClr val="bg1"/>
+              </a:solidFill>
+              <a:latin typeface="Times New Roman" panose="02020603050405020304" pitchFamily="18" charset="0"/>
+              <a:cs typeface="Times New Roman" panose="02020603050405020304" pitchFamily="18" charset="0"/>
+            </a:endParaRPr>
+          </a:p>
+        </p:txBody>
+      </p:sp>
+      <p:sp>
+        <p:nvSpPr>
+          <p:cNvPr id="6" name="Прямоугольник 5"/>
+          <p:cNvSpPr/>
+          <p:nvPr/>
+        </p:nvSpPr>
+        <p:spPr>
+          <a:xfrm>
+            <a:off x="200757" y="153865"/>
+            <a:ext cx="11790485" cy="6550269"/>
+          </a:xfrm>
+          <a:prstGeom prst="rect">
+            <a:avLst/>
+          </a:prstGeom>
+          <a:solidFill>
+            <a:schemeClr val="bg1"/>
+          </a:solidFill>
+        </p:spPr>
+        <p:style>
+          <a:lnRef idx="2">
+            <a:schemeClr val="accent1">
+              <a:shade val="50000"/>
+            </a:schemeClr>
+          </a:lnRef>
+          <a:fillRef idx="1">
+            <a:schemeClr val="accent1"/>
+          </a:fillRef>
+          <a:effectRef idx="0">
+            <a:schemeClr val="accent1"/>
+          </a:effectRef>
+          <a:fontRef idx="minor">
+            <a:schemeClr val="lt1"/>
+          </a:fontRef>
+        </p:style>
+        <p:txBody>
+          <a:bodyPr rtlCol="0" anchor="ctr"/>
+          <a:lstStyle/>
+          <a:p>
+            <a:pPr algn="ctr"/>
+            <a:endParaRPr lang="ru-RU">
+              <a:solidFill>
+                <a:schemeClr val="bg1"/>
+              </a:solidFill>
+            </a:endParaRPr>
+          </a:p>
+        </p:txBody>
+      </p:sp>
+      <p:sp>
+        <p:nvSpPr>
+          <p:cNvPr id="8" name="Прямоугольник 7"/>
+          <p:cNvSpPr/>
+          <p:nvPr/>
+        </p:nvSpPr>
+        <p:spPr>
+          <a:xfrm>
+            <a:off x="539430" y="369249"/>
+            <a:ext cx="4833374" cy="615553"/>
+          </a:xfrm>
+          <a:prstGeom prst="rect">
+            <a:avLst/>
+          </a:prstGeom>
+        </p:spPr>
+        <p:txBody>
+          <a:bodyPr wrap="none">
+            <a:spAutoFit/>
+          </a:bodyPr>
+          <a:lstStyle/>
+          <a:p>
+            <a:r>
+              <a:rPr lang="ru-RU" sz="3400" b="1" dirty="0" smtClean="0">
+                <a:latin typeface="+mj-lt"/>
+                <a:cs typeface="Arial" panose="020B0604020202020204" pitchFamily="34" charset="0"/>
+              </a:rPr>
+              <a:t>Технологии и библиотеки</a:t>
+            </a:r>
+            <a:endParaRPr lang="ru-BY" sz="3400" b="1" dirty="0">
+              <a:latin typeface="+mj-lt"/>
+              <a:cs typeface="Arial" panose="020B0604020202020204" pitchFamily="34" charset="0"/>
+            </a:endParaRPr>
+          </a:p>
+        </p:txBody>
+      </p:sp>
+      <p:sp>
+        <p:nvSpPr>
+          <p:cNvPr id="9" name="Прямоугольник 8">
+            <a:extLst>
+              <a:ext uri="{FF2B5EF4-FFF2-40B4-BE49-F238E27FC236}">
+                <a16:creationId xmlns:a16="http://schemas.microsoft.com/office/drawing/2014/main" id="{A13F02C5-D91C-41C8-A768-087FD6AD5394}"/>
+              </a:ext>
+            </a:extLst>
+          </p:cNvPr>
+          <p:cNvSpPr/>
+          <p:nvPr/>
+        </p:nvSpPr>
+        <p:spPr>
+          <a:xfrm rot="16200000">
+            <a:off x="9644734" y="3313250"/>
+            <a:ext cx="4461521" cy="231496"/>
+          </a:xfrm>
+          <a:prstGeom prst="rect">
+            <a:avLst/>
+          </a:prstGeom>
+          <a:solidFill>
+            <a:schemeClr val="accent1">
+              <a:lumMod val="75000"/>
+            </a:schemeClr>
+          </a:solidFill>
+          <a:ln>
+            <a:noFill/>
+          </a:ln>
+        </p:spPr>
+        <p:style>
+          <a:lnRef idx="2">
+            <a:schemeClr val="accent1">
+              <a:shade val="50000"/>
+            </a:schemeClr>
+          </a:lnRef>
+          <a:fillRef idx="1">
+            <a:schemeClr val="accent1"/>
+          </a:fillRef>
+          <a:effectRef idx="0">
+            <a:schemeClr val="accent1"/>
+          </a:effectRef>
+          <a:fontRef idx="minor">
+            <a:schemeClr val="lt1"/>
+          </a:fontRef>
+        </p:style>
+        <p:txBody>
+          <a:bodyPr rtlCol="0" anchor="ctr"/>
+          <a:lstStyle/>
+          <a:p>
+            <a:pPr algn="ctr"/>
+            <a:endParaRPr lang="ru-RU"/>
+          </a:p>
+        </p:txBody>
+      </p:sp>
+      <p:sp>
+        <p:nvSpPr>
+          <p:cNvPr id="10" name="Прямоугольник 9">
+            <a:extLst>
+              <a:ext uri="{FF2B5EF4-FFF2-40B4-BE49-F238E27FC236}">
+                <a16:creationId xmlns:a16="http://schemas.microsoft.com/office/drawing/2014/main" id="{A13F02C5-D91C-41C8-A768-087FD6AD5394}"/>
+              </a:ext>
+            </a:extLst>
+          </p:cNvPr>
+          <p:cNvSpPr/>
+          <p:nvPr/>
+        </p:nvSpPr>
+        <p:spPr>
+          <a:xfrm rot="16200000">
+            <a:off x="-1900974" y="3313251"/>
+            <a:ext cx="4461521" cy="231496"/>
+          </a:xfrm>
+          <a:prstGeom prst="rect">
+            <a:avLst/>
+          </a:prstGeom>
+          <a:solidFill>
+            <a:schemeClr val="accent1">
+              <a:lumMod val="75000"/>
+            </a:schemeClr>
+          </a:solidFill>
+          <a:ln>
+            <a:noFill/>
+          </a:ln>
+        </p:spPr>
+        <p:style>
+          <a:lnRef idx="2">
+            <a:schemeClr val="accent1">
+              <a:shade val="50000"/>
+            </a:schemeClr>
+          </a:lnRef>
+          <a:fillRef idx="1">
+            <a:schemeClr val="accent1"/>
+          </a:fillRef>
+          <a:effectRef idx="0">
+            <a:schemeClr val="accent1"/>
+          </a:effectRef>
+          <a:fontRef idx="minor">
+            <a:schemeClr val="lt1"/>
+          </a:fontRef>
+        </p:style>
+        <p:txBody>
+          <a:bodyPr rtlCol="0" anchor="ctr"/>
+          <a:lstStyle/>
+          <a:p>
+            <a:pPr algn="ctr"/>
+            <a:endParaRPr lang="ru-RU"/>
+          </a:p>
+        </p:txBody>
+      </p:sp>
+      <p:pic>
+        <p:nvPicPr>
+          <p:cNvPr id="8194" name="Picture 2" descr="https://miro.medium.com/max/2800/1*l4nfMFKxfT4yNTWUK2Vsdg.png"/>
+          <p:cNvPicPr>
+            <a:picLocks noChangeAspect="1" noChangeArrowheads="1"/>
+          </p:cNvPicPr>
+          <p:nvPr/>
+        </p:nvPicPr>
+        <p:blipFill>
+          <a:blip r:embed="rId3" cstate="print">
+            <a:extLst>
+              <a:ext uri="{28A0092B-C50C-407E-A947-70E740481C1C}">
+                <a14:useLocalDpi xmlns:a14="http://schemas.microsoft.com/office/drawing/2010/main" val="0"/>
+              </a:ext>
+            </a:extLst>
+          </a:blip>
+          <a:srcRect/>
+          <a:stretch>
+            <a:fillRect/>
+          </a:stretch>
+        </p:blipFill>
+        <p:spPr bwMode="auto">
+          <a:xfrm>
+            <a:off x="8928908" y="2007812"/>
+            <a:ext cx="2682134" cy="1724229"/>
+          </a:xfrm>
+          <a:prstGeom prst="rect">
+            <a:avLst/>
+          </a:prstGeom>
+          <a:noFill/>
+          <a:extLst>
+            <a:ext uri="{909E8E84-426E-40DD-AFC4-6F175D3DCCD1}">
+              <a14:hiddenFill xmlns:a14="http://schemas.microsoft.com/office/drawing/2010/main">
+                <a:solidFill>
+                  <a:srgbClr val="FFFFFF"/>
+                </a:solidFill>
+              </a14:hiddenFill>
+            </a:ext>
+          </a:extLst>
+        </p:spPr>
+      </p:pic>
+      <p:pic>
+        <p:nvPicPr>
+          <p:cNvPr id="8196" name="Picture 4" descr="https://wsofter.com/wp-content/uploads/2022/05/net_core_logo.svg.png"/>
+          <p:cNvPicPr>
+            <a:picLocks noChangeAspect="1" noChangeArrowheads="1"/>
+          </p:cNvPicPr>
+          <p:nvPr/>
+        </p:nvPicPr>
+        <p:blipFill>
+          <a:blip r:embed="rId4" cstate="print">
+            <a:extLst>
+              <a:ext uri="{28A0092B-C50C-407E-A947-70E740481C1C}">
+                <a14:useLocalDpi xmlns:a14="http://schemas.microsoft.com/office/drawing/2010/main" val="0"/>
+              </a:ext>
+            </a:extLst>
+          </a:blip>
+          <a:srcRect/>
+          <a:stretch>
+            <a:fillRect/>
+          </a:stretch>
+        </p:blipFill>
+        <p:spPr bwMode="auto">
+          <a:xfrm>
+            <a:off x="5406887" y="4383899"/>
+            <a:ext cx="1378224" cy="1378224"/>
+          </a:xfrm>
+          <a:prstGeom prst="rect">
+            <a:avLst/>
+          </a:prstGeom>
+          <a:noFill/>
+          <a:extLst>
+            <a:ext uri="{909E8E84-426E-40DD-AFC4-6F175D3DCCD1}">
+              <a14:hiddenFill xmlns:a14="http://schemas.microsoft.com/office/drawing/2010/main">
+                <a:solidFill>
+                  <a:srgbClr val="FFFFFF"/>
+                </a:solidFill>
+              </a14:hiddenFill>
+            </a:ext>
+          </a:extLst>
+        </p:spPr>
+      </p:pic>
+      <p:pic>
+        <p:nvPicPr>
+          <p:cNvPr id="8198" name="Picture 6" descr="https://stickykart.com/wp-content/uploads/2020/11/redux.png"/>
+          <p:cNvPicPr>
+            <a:picLocks noChangeAspect="1" noChangeArrowheads="1"/>
+          </p:cNvPicPr>
+          <p:nvPr/>
+        </p:nvPicPr>
+        <p:blipFill>
+          <a:blip r:embed="rId5" cstate="print">
+            <a:extLst>
+              <a:ext uri="{28A0092B-C50C-407E-A947-70E740481C1C}">
+                <a14:useLocalDpi xmlns:a14="http://schemas.microsoft.com/office/drawing/2010/main" val="0"/>
+              </a:ext>
+            </a:extLst>
+          </a:blip>
+          <a:srcRect/>
+          <a:stretch>
+            <a:fillRect/>
+          </a:stretch>
+        </p:blipFill>
+        <p:spPr bwMode="auto">
+          <a:xfrm>
+            <a:off x="6824086" y="2055087"/>
+            <a:ext cx="1497396" cy="1497397"/>
+          </a:xfrm>
+          <a:prstGeom prst="rect">
+            <a:avLst/>
+          </a:prstGeom>
+          <a:noFill/>
+          <a:extLst>
+            <a:ext uri="{909E8E84-426E-40DD-AFC4-6F175D3DCCD1}">
+              <a14:hiddenFill xmlns:a14="http://schemas.microsoft.com/office/drawing/2010/main">
+                <a:solidFill>
+                  <a:srgbClr val="FFFFFF"/>
+                </a:solidFill>
+              </a14:hiddenFill>
+            </a:ext>
+          </a:extLst>
+        </p:spPr>
+      </p:pic>
+      <p:pic>
+        <p:nvPicPr>
+          <p:cNvPr id="8200" name="Picture 8" descr="https://images.saymedia-content.com/.image/t_share/MTc0NDczMTM4OTg0NDYxOTU4/a-brief-introduction-to-c.png"/>
+          <p:cNvPicPr>
+            <a:picLocks noChangeAspect="1" noChangeArrowheads="1"/>
+          </p:cNvPicPr>
+          <p:nvPr/>
+        </p:nvPicPr>
+        <p:blipFill>
+          <a:blip r:embed="rId6" cstate="print">
+            <a:extLst>
+              <a:ext uri="{28A0092B-C50C-407E-A947-70E740481C1C}">
+                <a14:useLocalDpi xmlns:a14="http://schemas.microsoft.com/office/drawing/2010/main" val="0"/>
+              </a:ext>
+            </a:extLst>
+          </a:blip>
+          <a:srcRect/>
+          <a:stretch>
+            <a:fillRect/>
+          </a:stretch>
+        </p:blipFill>
+        <p:spPr bwMode="auto">
+          <a:xfrm>
+            <a:off x="2344039" y="4250421"/>
+            <a:ext cx="1789675" cy="1789675"/>
+          </a:xfrm>
+          <a:prstGeom prst="rect">
+            <a:avLst/>
+          </a:prstGeom>
+          <a:noFill/>
+          <a:extLst>
+            <a:ext uri="{909E8E84-426E-40DD-AFC4-6F175D3DCCD1}">
+              <a14:hiddenFill xmlns:a14="http://schemas.microsoft.com/office/drawing/2010/main">
+                <a:solidFill>
+                  <a:srgbClr val="FFFFFF"/>
+                </a:solidFill>
+              </a14:hiddenFill>
+            </a:ext>
+          </a:extLst>
+        </p:spPr>
+      </p:pic>
+      <p:pic>
+        <p:nvPicPr>
+          <p:cNvPr id="8202" name="Picture 10" descr="https://camo.githubusercontent.com/1676659c07ae4e01eb6bedbcd22383751cf59747b61ea44d82658c9e4bf090f8/68747470733a2f2f6769746c61622e636f6d2f75706c6f6164732f2d2f73797374656d2f67726f75702f6176617461722f31303732303235332f747970657363726970742e706e67"/>
+          <p:cNvPicPr>
+            <a:picLocks noChangeAspect="1" noChangeArrowheads="1"/>
+          </p:cNvPicPr>
+          <p:nvPr/>
+        </p:nvPicPr>
+        <p:blipFill>
+          <a:blip r:embed="rId7" cstate="print">
+            <a:extLst>
+              <a:ext uri="{28A0092B-C50C-407E-A947-70E740481C1C}">
+                <a14:useLocalDpi xmlns:a14="http://schemas.microsoft.com/office/drawing/2010/main" val="0"/>
+              </a:ext>
+            </a:extLst>
+          </a:blip>
+          <a:srcRect/>
+          <a:stretch>
+            <a:fillRect/>
+          </a:stretch>
+        </p:blipFill>
+        <p:spPr bwMode="auto">
+          <a:xfrm>
+            <a:off x="1259867" y="2187371"/>
+            <a:ext cx="1365113" cy="1365113"/>
+          </a:xfrm>
+          <a:prstGeom prst="rect">
+            <a:avLst/>
+          </a:prstGeom>
+          <a:noFill/>
+          <a:extLst>
+            <a:ext uri="{909E8E84-426E-40DD-AFC4-6F175D3DCCD1}">
+              <a14:hiddenFill xmlns:a14="http://schemas.microsoft.com/office/drawing/2010/main">
+                <a:solidFill>
+                  <a:srgbClr val="FFFFFF"/>
+                </a:solidFill>
+              </a14:hiddenFill>
+            </a:ext>
+          </a:extLst>
+        </p:spPr>
+      </p:pic>
+      <p:pic>
+        <p:nvPicPr>
+          <p:cNvPr id="8204" name="Picture 12" descr="https://designlimbo.com/wp-content/uploads/2015/08/entity_image.png"/>
+          <p:cNvPicPr>
+            <a:picLocks noChangeAspect="1" noChangeArrowheads="1"/>
+          </p:cNvPicPr>
+          <p:nvPr/>
+        </p:nvPicPr>
+        <p:blipFill>
+          <a:blip r:embed="rId8">
+            <a:extLst>
+              <a:ext uri="{28A0092B-C50C-407E-A947-70E740481C1C}">
+                <a14:useLocalDpi xmlns:a14="http://schemas.microsoft.com/office/drawing/2010/main" val="0"/>
+              </a:ext>
+            </a:extLst>
+          </a:blip>
+          <a:srcRect/>
+          <a:stretch>
+            <a:fillRect/>
+          </a:stretch>
+        </p:blipFill>
+        <p:spPr bwMode="auto">
+          <a:xfrm>
+            <a:off x="8321482" y="4256774"/>
+            <a:ext cx="1573733" cy="1573734"/>
+          </a:xfrm>
+          <a:prstGeom prst="rect">
+            <a:avLst/>
+          </a:prstGeom>
+          <a:noFill/>
+          <a:extLst>
+            <a:ext uri="{909E8E84-426E-40DD-AFC4-6F175D3DCCD1}">
+              <a14:hiddenFill xmlns:a14="http://schemas.microsoft.com/office/drawing/2010/main">
+                <a:solidFill>
+                  <a:srgbClr val="FFFFFF"/>
+                </a:solidFill>
+              </a14:hiddenFill>
+            </a:ext>
+          </a:extLst>
+        </p:spPr>
+      </p:pic>
+      <p:pic>
+        <p:nvPicPr>
+          <p:cNvPr id="8208" name="Picture 16" descr="http://pm1.narvii.com/8057/105bd02b10caccf9277fed5a88968c38e8213f83r1-2048-2048v2_uhq.jpg"/>
+          <p:cNvPicPr>
+            <a:picLocks noChangeAspect="1" noChangeArrowheads="1"/>
+          </p:cNvPicPr>
+          <p:nvPr/>
+        </p:nvPicPr>
+        <p:blipFill>
+          <a:blip r:embed="rId9" cstate="print">
+            <a:extLst>
+              <a:ext uri="{28A0092B-C50C-407E-A947-70E740481C1C}">
+                <a14:useLocalDpi xmlns:a14="http://schemas.microsoft.com/office/drawing/2010/main" val="0"/>
+              </a:ext>
+            </a:extLst>
+          </a:blip>
+          <a:srcRect/>
+          <a:stretch>
+            <a:fillRect/>
+          </a:stretch>
+        </p:blipFill>
+        <p:spPr bwMode="auto">
+          <a:xfrm>
+            <a:off x="3211570" y="1305471"/>
+            <a:ext cx="2951303" cy="2951303"/>
+          </a:xfrm>
+          <a:prstGeom prst="rect">
+            <a:avLst/>
+          </a:prstGeom>
+          <a:noFill/>
+          <a:extLst>
+            <a:ext uri="{909E8E84-426E-40DD-AFC4-6F175D3DCCD1}">
+              <a14:hiddenFill xmlns:a14="http://schemas.microsoft.com/office/drawing/2010/main">
+                <a:solidFill>
+                  <a:srgbClr val="FFFFFF"/>
+                </a:solidFill>
+              </a14:hiddenFill>
+            </a:ext>
+          </a:extLst>
+        </p:spPr>
+      </p:pic>
     </p:spTree>
     <p:extLst>
       <p:ext uri="{BB962C8B-B14F-4D97-AF65-F5344CB8AC3E}">
-        <p14:creationId xmlns:p14="http://schemas.microsoft.com/office/powerpoint/2010/main" val="1039244694"/>
+        <p14:creationId xmlns:p14="http://schemas.microsoft.com/office/powerpoint/2010/main" val="2196530205"/>
       </p:ext>
     </p:extLst>
   </p:cSld>
@@ -5197,7 +9069,7 @@
       </p:grpSpPr>
       <p:pic>
         <p:nvPicPr>
-          <p:cNvPr id="5" name="Рисунок 4"/>
+          <p:cNvPr id="11" name="Рисунок 10"/>
           <p:cNvPicPr>
             <a:picLocks noChangeAspect="1"/>
           </p:cNvPicPr>
@@ -5225,10 +9097,268 @@
           </a:prstGeom>
         </p:spPr>
       </p:pic>
+      <p:sp>
+        <p:nvSpPr>
+          <p:cNvPr id="12" name="Прямоугольник 11"/>
+          <p:cNvSpPr/>
+          <p:nvPr/>
+        </p:nvSpPr>
+        <p:spPr>
+          <a:xfrm>
+            <a:off x="644938" y="395626"/>
+            <a:ext cx="3488776" cy="707886"/>
+          </a:xfrm>
+          <a:prstGeom prst="rect">
+            <a:avLst/>
+          </a:prstGeom>
+        </p:spPr>
+        <p:txBody>
+          <a:bodyPr wrap="none">
+            <a:spAutoFit/>
+          </a:bodyPr>
+          <a:lstStyle/>
+          <a:p>
+            <a:r>
+              <a:rPr lang="ru-RU" sz="4000" b="1" dirty="0" smtClean="0">
+                <a:solidFill>
+                  <a:schemeClr val="bg1"/>
+                </a:solidFill>
+                <a:latin typeface="Times New Roman" panose="02020603050405020304" pitchFamily="18" charset="0"/>
+                <a:cs typeface="Times New Roman" panose="02020603050405020304" pitchFamily="18" charset="0"/>
+              </a:rPr>
+              <a:t>Цели и задачи</a:t>
+            </a:r>
+            <a:endParaRPr lang="ru-BY" sz="4000" b="1" dirty="0">
+              <a:solidFill>
+                <a:schemeClr val="bg1"/>
+              </a:solidFill>
+              <a:latin typeface="Times New Roman" panose="02020603050405020304" pitchFamily="18" charset="0"/>
+              <a:cs typeface="Times New Roman" panose="02020603050405020304" pitchFamily="18" charset="0"/>
+            </a:endParaRPr>
+          </a:p>
+        </p:txBody>
+      </p:sp>
+      <p:sp>
+        <p:nvSpPr>
+          <p:cNvPr id="13" name="Прямоугольник 12"/>
+          <p:cNvSpPr/>
+          <p:nvPr/>
+        </p:nvSpPr>
+        <p:spPr>
+          <a:xfrm>
+            <a:off x="106458" y="153863"/>
+            <a:ext cx="11790485" cy="6550269"/>
+          </a:xfrm>
+          <a:prstGeom prst="rect">
+            <a:avLst/>
+          </a:prstGeom>
+          <a:solidFill>
+            <a:schemeClr val="bg1"/>
+          </a:solidFill>
+        </p:spPr>
+        <p:style>
+          <a:lnRef idx="2">
+            <a:schemeClr val="accent1">
+              <a:shade val="50000"/>
+            </a:schemeClr>
+          </a:lnRef>
+          <a:fillRef idx="1">
+            <a:schemeClr val="accent1"/>
+          </a:fillRef>
+          <a:effectRef idx="0">
+            <a:schemeClr val="accent1"/>
+          </a:effectRef>
+          <a:fontRef idx="minor">
+            <a:schemeClr val="lt1"/>
+          </a:fontRef>
+        </p:style>
+        <p:txBody>
+          <a:bodyPr rtlCol="0" anchor="ctr"/>
+          <a:lstStyle/>
+          <a:p>
+            <a:pPr algn="ctr"/>
+            <a:endParaRPr lang="ru-RU">
+              <a:solidFill>
+                <a:schemeClr val="bg1"/>
+              </a:solidFill>
+            </a:endParaRPr>
+          </a:p>
+        </p:txBody>
+      </p:sp>
+      <p:pic>
+        <p:nvPicPr>
+          <p:cNvPr id="14" name="Рисунок 13"/>
+          <p:cNvPicPr/>
+          <p:nvPr/>
+        </p:nvPicPr>
+        <p:blipFill>
+          <a:blip r:embed="rId3"/>
+          <a:stretch>
+            <a:fillRect/>
+          </a:stretch>
+        </p:blipFill>
+        <p:spPr>
+          <a:xfrm>
+            <a:off x="3449954" y="1357312"/>
+            <a:ext cx="5103495" cy="4452938"/>
+          </a:xfrm>
+          <a:prstGeom prst="rect">
+            <a:avLst/>
+          </a:prstGeom>
+          <a:ln>
+            <a:solidFill>
+              <a:schemeClr val="bg1"/>
+            </a:solidFill>
+          </a:ln>
+        </p:spPr>
+      </p:pic>
+      <p:sp>
+        <p:nvSpPr>
+          <p:cNvPr id="15" name="Прямоугольник 14"/>
+          <p:cNvSpPr/>
+          <p:nvPr/>
+        </p:nvSpPr>
+        <p:spPr>
+          <a:xfrm>
+            <a:off x="539430" y="369249"/>
+            <a:ext cx="7002238" cy="615553"/>
+          </a:xfrm>
+          <a:prstGeom prst="rect">
+            <a:avLst/>
+          </a:prstGeom>
+        </p:spPr>
+        <p:txBody>
+          <a:bodyPr wrap="none">
+            <a:spAutoFit/>
+          </a:bodyPr>
+          <a:lstStyle/>
+          <a:p>
+            <a:r>
+              <a:rPr lang="ru-RU" sz="3400" b="1" dirty="0" smtClean="0">
+                <a:latin typeface="+mj-lt"/>
+                <a:cs typeface="Arial" panose="020B0604020202020204" pitchFamily="34" charset="0"/>
+              </a:rPr>
+              <a:t>Диаграмма вариантов использования</a:t>
+            </a:r>
+            <a:endParaRPr lang="ru-BY" sz="3400" b="1" dirty="0">
+              <a:latin typeface="+mj-lt"/>
+              <a:cs typeface="Arial" panose="020B0604020202020204" pitchFamily="34" charset="0"/>
+            </a:endParaRPr>
+          </a:p>
+        </p:txBody>
+      </p:sp>
+      <p:sp>
+        <p:nvSpPr>
+          <p:cNvPr id="16" name="Прямоугольник 15">
+            <a:extLst>
+              <a:ext uri="{FF2B5EF4-FFF2-40B4-BE49-F238E27FC236}">
+                <a16:creationId xmlns:a16="http://schemas.microsoft.com/office/drawing/2014/main" id="{A13F02C5-D91C-41C8-A768-087FD6AD5394}"/>
+              </a:ext>
+            </a:extLst>
+          </p:cNvPr>
+          <p:cNvSpPr/>
+          <p:nvPr/>
+        </p:nvSpPr>
+        <p:spPr>
+          <a:xfrm rot="16200000">
+            <a:off x="9550435" y="3313248"/>
+            <a:ext cx="4461521" cy="231496"/>
+          </a:xfrm>
+          <a:prstGeom prst="rect">
+            <a:avLst/>
+          </a:prstGeom>
+          <a:solidFill>
+            <a:schemeClr val="accent1">
+              <a:lumMod val="75000"/>
+            </a:schemeClr>
+          </a:solidFill>
+          <a:ln>
+            <a:noFill/>
+          </a:ln>
+        </p:spPr>
+        <p:style>
+          <a:lnRef idx="2">
+            <a:schemeClr val="accent1">
+              <a:shade val="50000"/>
+            </a:schemeClr>
+          </a:lnRef>
+          <a:fillRef idx="1">
+            <a:schemeClr val="accent1"/>
+          </a:fillRef>
+          <a:effectRef idx="0">
+            <a:schemeClr val="accent1"/>
+          </a:effectRef>
+          <a:fontRef idx="minor">
+            <a:schemeClr val="lt1"/>
+          </a:fontRef>
+        </p:style>
+        <p:txBody>
+          <a:bodyPr rtlCol="0" anchor="ctr"/>
+          <a:lstStyle/>
+          <a:p>
+            <a:pPr algn="ctr"/>
+            <a:endParaRPr lang="ru-RU"/>
+          </a:p>
+        </p:txBody>
+      </p:sp>
+      <p:sp>
+        <p:nvSpPr>
+          <p:cNvPr id="17" name="Прямоугольник 16">
+            <a:extLst>
+              <a:ext uri="{FF2B5EF4-FFF2-40B4-BE49-F238E27FC236}">
+                <a16:creationId xmlns:a16="http://schemas.microsoft.com/office/drawing/2014/main" id="{A13F02C5-D91C-41C8-A768-087FD6AD5394}"/>
+              </a:ext>
+            </a:extLst>
+          </p:cNvPr>
+          <p:cNvSpPr/>
+          <p:nvPr/>
+        </p:nvSpPr>
+        <p:spPr>
+          <a:xfrm rot="16200000">
+            <a:off x="-2008555" y="3313249"/>
+            <a:ext cx="4461521" cy="231496"/>
+          </a:xfrm>
+          <a:prstGeom prst="rect">
+            <a:avLst/>
+          </a:prstGeom>
+          <a:solidFill>
+            <a:schemeClr val="accent1">
+              <a:lumMod val="75000"/>
+            </a:schemeClr>
+          </a:solidFill>
+          <a:ln>
+            <a:noFill/>
+          </a:ln>
+        </p:spPr>
+        <p:style>
+          <a:lnRef idx="2">
+            <a:schemeClr val="accent1">
+              <a:shade val="50000"/>
+            </a:schemeClr>
+          </a:lnRef>
+          <a:fillRef idx="1">
+            <a:schemeClr val="accent1"/>
+          </a:fillRef>
+          <a:effectRef idx="0">
+            <a:schemeClr val="accent1"/>
+          </a:effectRef>
+          <a:fontRef idx="minor">
+            <a:schemeClr val="lt1"/>
+          </a:fontRef>
+        </p:style>
+        <p:txBody>
+          <a:bodyPr rtlCol="0" anchor="ctr"/>
+          <a:lstStyle/>
+          <a:p>
+            <a:pPr algn="ctr"/>
+            <a:endParaRPr lang="ru-RU"/>
+          </a:p>
+        </p:txBody>
+      </p:sp>
     </p:spTree>
     <p:extLst>
       <p:ext uri="{BB962C8B-B14F-4D97-AF65-F5344CB8AC3E}">
-        <p14:creationId xmlns:p14="http://schemas.microsoft.com/office/powerpoint/2010/main" val="1080320900"/>
+        <p14:creationId xmlns:p14="http://schemas.microsoft.com/office/powerpoint/2010/main" val="2926140740"/>
       </p:ext>
     </p:extLst>
   </p:cSld>
@@ -5285,10 +9415,271 @@
           </a:prstGeom>
         </p:spPr>
       </p:pic>
+      <p:sp>
+        <p:nvSpPr>
+          <p:cNvPr id="5" name="Прямоугольник 4"/>
+          <p:cNvSpPr/>
+          <p:nvPr/>
+        </p:nvSpPr>
+        <p:spPr>
+          <a:xfrm>
+            <a:off x="644938" y="395626"/>
+            <a:ext cx="3488776" cy="707886"/>
+          </a:xfrm>
+          <a:prstGeom prst="rect">
+            <a:avLst/>
+          </a:prstGeom>
+        </p:spPr>
+        <p:txBody>
+          <a:bodyPr wrap="none">
+            <a:spAutoFit/>
+          </a:bodyPr>
+          <a:lstStyle/>
+          <a:p>
+            <a:r>
+              <a:rPr lang="ru-RU" sz="4000" b="1" dirty="0" smtClean="0">
+                <a:solidFill>
+                  <a:schemeClr val="bg1"/>
+                </a:solidFill>
+                <a:latin typeface="Times New Roman" panose="02020603050405020304" pitchFamily="18" charset="0"/>
+                <a:cs typeface="Times New Roman" panose="02020603050405020304" pitchFamily="18" charset="0"/>
+              </a:rPr>
+              <a:t>Цели и задачи</a:t>
+            </a:r>
+            <a:endParaRPr lang="ru-BY" sz="4000" b="1" dirty="0">
+              <a:solidFill>
+                <a:schemeClr val="bg1"/>
+              </a:solidFill>
+              <a:latin typeface="Times New Roman" panose="02020603050405020304" pitchFamily="18" charset="0"/>
+              <a:cs typeface="Times New Roman" panose="02020603050405020304" pitchFamily="18" charset="0"/>
+            </a:endParaRPr>
+          </a:p>
+        </p:txBody>
+      </p:sp>
+      <p:sp>
+        <p:nvSpPr>
+          <p:cNvPr id="6" name="Прямоугольник 5"/>
+          <p:cNvSpPr/>
+          <p:nvPr/>
+        </p:nvSpPr>
+        <p:spPr>
+          <a:xfrm>
+            <a:off x="106458" y="153863"/>
+            <a:ext cx="11790485" cy="6550269"/>
+          </a:xfrm>
+          <a:prstGeom prst="rect">
+            <a:avLst/>
+          </a:prstGeom>
+          <a:solidFill>
+            <a:schemeClr val="bg1"/>
+          </a:solidFill>
+        </p:spPr>
+        <p:style>
+          <a:lnRef idx="2">
+            <a:schemeClr val="accent1">
+              <a:shade val="50000"/>
+            </a:schemeClr>
+          </a:lnRef>
+          <a:fillRef idx="1">
+            <a:schemeClr val="accent1"/>
+          </a:fillRef>
+          <a:effectRef idx="0">
+            <a:schemeClr val="accent1"/>
+          </a:effectRef>
+          <a:fontRef idx="minor">
+            <a:schemeClr val="lt1"/>
+          </a:fontRef>
+        </p:style>
+        <p:txBody>
+          <a:bodyPr rtlCol="0" anchor="ctr"/>
+          <a:lstStyle/>
+          <a:p>
+            <a:pPr algn="ctr"/>
+            <a:endParaRPr lang="ru-RU">
+              <a:solidFill>
+                <a:schemeClr val="bg1"/>
+              </a:solidFill>
+            </a:endParaRPr>
+          </a:p>
+        </p:txBody>
+      </p:sp>
+      <p:sp>
+        <p:nvSpPr>
+          <p:cNvPr id="8" name="Прямоугольник 7"/>
+          <p:cNvSpPr/>
+          <p:nvPr/>
+        </p:nvSpPr>
+        <p:spPr>
+          <a:xfrm>
+            <a:off x="539430" y="369249"/>
+            <a:ext cx="5787162" cy="615553"/>
+          </a:xfrm>
+          <a:prstGeom prst="rect">
+            <a:avLst/>
+          </a:prstGeom>
+        </p:spPr>
+        <p:txBody>
+          <a:bodyPr wrap="none">
+            <a:spAutoFit/>
+          </a:bodyPr>
+          <a:lstStyle/>
+          <a:p>
+            <a:r>
+              <a:rPr lang="ru-RU" sz="3400" b="1" dirty="0" smtClean="0">
+                <a:latin typeface="+mj-lt"/>
+                <a:cs typeface="Arial" panose="020B0604020202020204" pitchFamily="34" charset="0"/>
+              </a:rPr>
+              <a:t>Логическая схема базы данных</a:t>
+            </a:r>
+            <a:endParaRPr lang="ru-BY" sz="3400" b="1" dirty="0">
+              <a:latin typeface="+mj-lt"/>
+              <a:cs typeface="Arial" panose="020B0604020202020204" pitchFamily="34" charset="0"/>
+            </a:endParaRPr>
+          </a:p>
+        </p:txBody>
+      </p:sp>
+      <p:sp>
+        <p:nvSpPr>
+          <p:cNvPr id="9" name="Прямоугольник 8">
+            <a:extLst>
+              <a:ext uri="{FF2B5EF4-FFF2-40B4-BE49-F238E27FC236}">
+                <a16:creationId xmlns:a16="http://schemas.microsoft.com/office/drawing/2014/main" id="{A13F02C5-D91C-41C8-A768-087FD6AD5394}"/>
+              </a:ext>
+            </a:extLst>
+          </p:cNvPr>
+          <p:cNvSpPr/>
+          <p:nvPr/>
+        </p:nvSpPr>
+        <p:spPr>
+          <a:xfrm rot="16200000">
+            <a:off x="9550435" y="3313248"/>
+            <a:ext cx="4461521" cy="231496"/>
+          </a:xfrm>
+          <a:prstGeom prst="rect">
+            <a:avLst/>
+          </a:prstGeom>
+          <a:solidFill>
+            <a:schemeClr val="accent1">
+              <a:lumMod val="75000"/>
+            </a:schemeClr>
+          </a:solidFill>
+          <a:ln>
+            <a:noFill/>
+          </a:ln>
+        </p:spPr>
+        <p:style>
+          <a:lnRef idx="2">
+            <a:schemeClr val="accent1">
+              <a:shade val="50000"/>
+            </a:schemeClr>
+          </a:lnRef>
+          <a:fillRef idx="1">
+            <a:schemeClr val="accent1"/>
+          </a:fillRef>
+          <a:effectRef idx="0">
+            <a:schemeClr val="accent1"/>
+          </a:effectRef>
+          <a:fontRef idx="minor">
+            <a:schemeClr val="lt1"/>
+          </a:fontRef>
+        </p:style>
+        <p:txBody>
+          <a:bodyPr rtlCol="0" anchor="ctr"/>
+          <a:lstStyle/>
+          <a:p>
+            <a:pPr algn="ctr"/>
+            <a:endParaRPr lang="ru-RU"/>
+          </a:p>
+        </p:txBody>
+      </p:sp>
+      <p:sp>
+        <p:nvSpPr>
+          <p:cNvPr id="10" name="Прямоугольник 9">
+            <a:extLst>
+              <a:ext uri="{FF2B5EF4-FFF2-40B4-BE49-F238E27FC236}">
+                <a16:creationId xmlns:a16="http://schemas.microsoft.com/office/drawing/2014/main" id="{A13F02C5-D91C-41C8-A768-087FD6AD5394}"/>
+              </a:ext>
+            </a:extLst>
+          </p:cNvPr>
+          <p:cNvSpPr/>
+          <p:nvPr/>
+        </p:nvSpPr>
+        <p:spPr>
+          <a:xfrm rot="16200000">
+            <a:off x="-2008555" y="3313249"/>
+            <a:ext cx="4461521" cy="231496"/>
+          </a:xfrm>
+          <a:prstGeom prst="rect">
+            <a:avLst/>
+          </a:prstGeom>
+          <a:solidFill>
+            <a:schemeClr val="accent1">
+              <a:lumMod val="75000"/>
+            </a:schemeClr>
+          </a:solidFill>
+          <a:ln>
+            <a:noFill/>
+          </a:ln>
+        </p:spPr>
+        <p:style>
+          <a:lnRef idx="2">
+            <a:schemeClr val="accent1">
+              <a:shade val="50000"/>
+            </a:schemeClr>
+          </a:lnRef>
+          <a:fillRef idx="1">
+            <a:schemeClr val="accent1"/>
+          </a:fillRef>
+          <a:effectRef idx="0">
+            <a:schemeClr val="accent1"/>
+          </a:effectRef>
+          <a:fontRef idx="minor">
+            <a:schemeClr val="lt1"/>
+          </a:fontRef>
+        </p:style>
+        <p:txBody>
+          <a:bodyPr rtlCol="0" anchor="ctr"/>
+          <a:lstStyle/>
+          <a:p>
+            <a:pPr algn="ctr"/>
+            <a:endParaRPr lang="ru-RU"/>
+          </a:p>
+        </p:txBody>
+      </p:sp>
+      <p:pic>
+        <p:nvPicPr>
+          <p:cNvPr id="11" name="Рисунок 10"/>
+          <p:cNvPicPr>
+            <a:picLocks noChangeAspect="1"/>
+          </p:cNvPicPr>
+          <p:nvPr/>
+        </p:nvPicPr>
+        <p:blipFill>
+          <a:blip r:embed="rId3">
+            <a:extLst>
+              <a:ext uri="{28A0092B-C50C-407E-A947-70E740481C1C}">
+                <a14:useLocalDpi xmlns:a14="http://schemas.microsoft.com/office/drawing/2010/main" val="0"/>
+              </a:ext>
+            </a:extLst>
+          </a:blip>
+          <a:stretch>
+            <a:fillRect/>
+          </a:stretch>
+        </p:blipFill>
+        <p:spPr>
+          <a:xfrm>
+            <a:off x="1571427" y="1103512"/>
+            <a:ext cx="8860546" cy="5421688"/>
+          </a:xfrm>
+          <a:prstGeom prst="rect">
+            <a:avLst/>
+          </a:prstGeom>
+        </p:spPr>
+      </p:pic>
     </p:spTree>
     <p:extLst>
       <p:ext uri="{BB962C8B-B14F-4D97-AF65-F5344CB8AC3E}">
-        <p14:creationId xmlns:p14="http://schemas.microsoft.com/office/powerpoint/2010/main" val="1619490466"/>
+        <p14:creationId xmlns:p14="http://schemas.microsoft.com/office/powerpoint/2010/main" val="1200486689"/>
       </p:ext>
     </p:extLst>
   </p:cSld>
@@ -5317,7 +9708,7 @@
       </p:grpSpPr>
       <p:pic>
         <p:nvPicPr>
-          <p:cNvPr id="4" name="Рисунок 3"/>
+          <p:cNvPr id="11" name="Рисунок 10"/>
           <p:cNvPicPr>
             <a:picLocks noChangeAspect="1"/>
           </p:cNvPicPr>
@@ -5345,10 +9736,271 @@
           </a:prstGeom>
         </p:spPr>
       </p:pic>
+      <p:sp>
+        <p:nvSpPr>
+          <p:cNvPr id="12" name="Прямоугольник 11"/>
+          <p:cNvSpPr/>
+          <p:nvPr/>
+        </p:nvSpPr>
+        <p:spPr>
+          <a:xfrm>
+            <a:off x="644938" y="395626"/>
+            <a:ext cx="3488776" cy="707886"/>
+          </a:xfrm>
+          <a:prstGeom prst="rect">
+            <a:avLst/>
+          </a:prstGeom>
+        </p:spPr>
+        <p:txBody>
+          <a:bodyPr wrap="none">
+            <a:spAutoFit/>
+          </a:bodyPr>
+          <a:lstStyle/>
+          <a:p>
+            <a:r>
+              <a:rPr lang="ru-RU" sz="4000" b="1" dirty="0" smtClean="0">
+                <a:solidFill>
+                  <a:schemeClr val="bg1"/>
+                </a:solidFill>
+                <a:latin typeface="Times New Roman" panose="02020603050405020304" pitchFamily="18" charset="0"/>
+                <a:cs typeface="Times New Roman" panose="02020603050405020304" pitchFamily="18" charset="0"/>
+              </a:rPr>
+              <a:t>Цели и задачи</a:t>
+            </a:r>
+            <a:endParaRPr lang="ru-BY" sz="4000" b="1" dirty="0">
+              <a:solidFill>
+                <a:schemeClr val="bg1"/>
+              </a:solidFill>
+              <a:latin typeface="Times New Roman" panose="02020603050405020304" pitchFamily="18" charset="0"/>
+              <a:cs typeface="Times New Roman" panose="02020603050405020304" pitchFamily="18" charset="0"/>
+            </a:endParaRPr>
+          </a:p>
+        </p:txBody>
+      </p:sp>
+      <p:sp>
+        <p:nvSpPr>
+          <p:cNvPr id="13" name="Прямоугольник 12"/>
+          <p:cNvSpPr/>
+          <p:nvPr/>
+        </p:nvSpPr>
+        <p:spPr>
+          <a:xfrm>
+            <a:off x="106458" y="153863"/>
+            <a:ext cx="11790485" cy="6550269"/>
+          </a:xfrm>
+          <a:prstGeom prst="rect">
+            <a:avLst/>
+          </a:prstGeom>
+          <a:solidFill>
+            <a:schemeClr val="bg1"/>
+          </a:solidFill>
+        </p:spPr>
+        <p:style>
+          <a:lnRef idx="2">
+            <a:schemeClr val="accent1">
+              <a:shade val="50000"/>
+            </a:schemeClr>
+          </a:lnRef>
+          <a:fillRef idx="1">
+            <a:schemeClr val="accent1"/>
+          </a:fillRef>
+          <a:effectRef idx="0">
+            <a:schemeClr val="accent1"/>
+          </a:effectRef>
+          <a:fontRef idx="minor">
+            <a:schemeClr val="lt1"/>
+          </a:fontRef>
+        </p:style>
+        <p:txBody>
+          <a:bodyPr rtlCol="0" anchor="ctr"/>
+          <a:lstStyle/>
+          <a:p>
+            <a:pPr algn="ctr"/>
+            <a:endParaRPr lang="ru-RU">
+              <a:solidFill>
+                <a:schemeClr val="bg1"/>
+              </a:solidFill>
+            </a:endParaRPr>
+          </a:p>
+        </p:txBody>
+      </p:sp>
+      <p:sp>
+        <p:nvSpPr>
+          <p:cNvPr id="14" name="Прямоугольник 13"/>
+          <p:cNvSpPr/>
+          <p:nvPr/>
+        </p:nvSpPr>
+        <p:spPr>
+          <a:xfrm>
+            <a:off x="539430" y="369249"/>
+            <a:ext cx="5237331" cy="615553"/>
+          </a:xfrm>
+          <a:prstGeom prst="rect">
+            <a:avLst/>
+          </a:prstGeom>
+        </p:spPr>
+        <p:txBody>
+          <a:bodyPr wrap="none">
+            <a:spAutoFit/>
+          </a:bodyPr>
+          <a:lstStyle/>
+          <a:p>
+            <a:r>
+              <a:rPr lang="ru-RU" sz="3400" b="1" dirty="0" smtClean="0">
+                <a:latin typeface="+mj-lt"/>
+                <a:cs typeface="Arial" panose="020B0604020202020204" pitchFamily="34" charset="0"/>
+              </a:rPr>
+              <a:t>Блок схема принятия ставки</a:t>
+            </a:r>
+            <a:endParaRPr lang="ru-BY" sz="3400" b="1" dirty="0">
+              <a:latin typeface="+mj-lt"/>
+              <a:cs typeface="Arial" panose="020B0604020202020204" pitchFamily="34" charset="0"/>
+            </a:endParaRPr>
+          </a:p>
+        </p:txBody>
+      </p:sp>
+      <p:sp>
+        <p:nvSpPr>
+          <p:cNvPr id="15" name="Прямоугольник 14">
+            <a:extLst>
+              <a:ext uri="{FF2B5EF4-FFF2-40B4-BE49-F238E27FC236}">
+                <a16:creationId xmlns:a16="http://schemas.microsoft.com/office/drawing/2014/main" id="{A13F02C5-D91C-41C8-A768-087FD6AD5394}"/>
+              </a:ext>
+            </a:extLst>
+          </p:cNvPr>
+          <p:cNvSpPr/>
+          <p:nvPr/>
+        </p:nvSpPr>
+        <p:spPr>
+          <a:xfrm rot="16200000">
+            <a:off x="9550435" y="3313248"/>
+            <a:ext cx="4461521" cy="231496"/>
+          </a:xfrm>
+          <a:prstGeom prst="rect">
+            <a:avLst/>
+          </a:prstGeom>
+          <a:solidFill>
+            <a:schemeClr val="accent1">
+              <a:lumMod val="75000"/>
+            </a:schemeClr>
+          </a:solidFill>
+          <a:ln>
+            <a:noFill/>
+          </a:ln>
+        </p:spPr>
+        <p:style>
+          <a:lnRef idx="2">
+            <a:schemeClr val="accent1">
+              <a:shade val="50000"/>
+            </a:schemeClr>
+          </a:lnRef>
+          <a:fillRef idx="1">
+            <a:schemeClr val="accent1"/>
+          </a:fillRef>
+          <a:effectRef idx="0">
+            <a:schemeClr val="accent1"/>
+          </a:effectRef>
+          <a:fontRef idx="minor">
+            <a:schemeClr val="lt1"/>
+          </a:fontRef>
+        </p:style>
+        <p:txBody>
+          <a:bodyPr rtlCol="0" anchor="ctr"/>
+          <a:lstStyle/>
+          <a:p>
+            <a:pPr algn="ctr"/>
+            <a:endParaRPr lang="ru-RU"/>
+          </a:p>
+        </p:txBody>
+      </p:sp>
+      <p:sp>
+        <p:nvSpPr>
+          <p:cNvPr id="16" name="Прямоугольник 15">
+            <a:extLst>
+              <a:ext uri="{FF2B5EF4-FFF2-40B4-BE49-F238E27FC236}">
+                <a16:creationId xmlns:a16="http://schemas.microsoft.com/office/drawing/2014/main" id="{A13F02C5-D91C-41C8-A768-087FD6AD5394}"/>
+              </a:ext>
+            </a:extLst>
+          </p:cNvPr>
+          <p:cNvSpPr/>
+          <p:nvPr/>
+        </p:nvSpPr>
+        <p:spPr>
+          <a:xfrm rot="16200000">
+            <a:off x="-2008555" y="3313249"/>
+            <a:ext cx="4461521" cy="231496"/>
+          </a:xfrm>
+          <a:prstGeom prst="rect">
+            <a:avLst/>
+          </a:prstGeom>
+          <a:solidFill>
+            <a:schemeClr val="accent1">
+              <a:lumMod val="75000"/>
+            </a:schemeClr>
+          </a:solidFill>
+          <a:ln>
+            <a:noFill/>
+          </a:ln>
+        </p:spPr>
+        <p:style>
+          <a:lnRef idx="2">
+            <a:schemeClr val="accent1">
+              <a:shade val="50000"/>
+            </a:schemeClr>
+          </a:lnRef>
+          <a:fillRef idx="1">
+            <a:schemeClr val="accent1"/>
+          </a:fillRef>
+          <a:effectRef idx="0">
+            <a:schemeClr val="accent1"/>
+          </a:effectRef>
+          <a:fontRef idx="minor">
+            <a:schemeClr val="lt1"/>
+          </a:fontRef>
+        </p:style>
+        <p:txBody>
+          <a:bodyPr rtlCol="0" anchor="ctr"/>
+          <a:lstStyle/>
+          <a:p>
+            <a:pPr algn="ctr"/>
+            <a:endParaRPr lang="ru-RU"/>
+          </a:p>
+        </p:txBody>
+      </p:sp>
+      <p:pic>
+        <p:nvPicPr>
+          <p:cNvPr id="19" name="Рисунок 18"/>
+          <p:cNvPicPr>
+            <a:picLocks noChangeAspect="1"/>
+          </p:cNvPicPr>
+          <p:nvPr/>
+        </p:nvPicPr>
+        <p:blipFill>
+          <a:blip r:embed="rId3">
+            <a:extLst>
+              <a:ext uri="{28A0092B-C50C-407E-A947-70E740481C1C}">
+                <a14:useLocalDpi xmlns:a14="http://schemas.microsoft.com/office/drawing/2010/main" val="0"/>
+              </a:ext>
+            </a:extLst>
+          </a:blip>
+          <a:stretch>
+            <a:fillRect/>
+          </a:stretch>
+        </p:blipFill>
+        <p:spPr>
+          <a:xfrm>
+            <a:off x="1152524" y="1257375"/>
+            <a:ext cx="9540235" cy="4791000"/>
+          </a:xfrm>
+          <a:prstGeom prst="rect">
+            <a:avLst/>
+          </a:prstGeom>
+        </p:spPr>
+      </p:pic>
     </p:spTree>
     <p:extLst>
       <p:ext uri="{BB962C8B-B14F-4D97-AF65-F5344CB8AC3E}">
-        <p14:creationId xmlns:p14="http://schemas.microsoft.com/office/powerpoint/2010/main" val="3108418970"/>
+        <p14:creationId xmlns:p14="http://schemas.microsoft.com/office/powerpoint/2010/main" val="518766685"/>
       </p:ext>
     </p:extLst>
   </p:cSld>
@@ -5405,10 +10057,241 @@
           </a:prstGeom>
         </p:spPr>
       </p:pic>
+      <p:sp>
+        <p:nvSpPr>
+          <p:cNvPr id="5" name="Прямоугольник 4"/>
+          <p:cNvSpPr/>
+          <p:nvPr/>
+        </p:nvSpPr>
+        <p:spPr>
+          <a:xfrm>
+            <a:off x="644938" y="395626"/>
+            <a:ext cx="3488776" cy="707886"/>
+          </a:xfrm>
+          <a:prstGeom prst="rect">
+            <a:avLst/>
+          </a:prstGeom>
+        </p:spPr>
+        <p:txBody>
+          <a:bodyPr wrap="none">
+            <a:spAutoFit/>
+          </a:bodyPr>
+          <a:lstStyle/>
+          <a:p>
+            <a:r>
+              <a:rPr lang="ru-RU" sz="4000" b="1" dirty="0" smtClean="0">
+                <a:solidFill>
+                  <a:schemeClr val="bg1"/>
+                </a:solidFill>
+                <a:latin typeface="Times New Roman" panose="02020603050405020304" pitchFamily="18" charset="0"/>
+                <a:cs typeface="Times New Roman" panose="02020603050405020304" pitchFamily="18" charset="0"/>
+              </a:rPr>
+              <a:t>Цели и задачи</a:t>
+            </a:r>
+            <a:endParaRPr lang="ru-BY" sz="4000" b="1" dirty="0">
+              <a:solidFill>
+                <a:schemeClr val="bg1"/>
+              </a:solidFill>
+              <a:latin typeface="Times New Roman" panose="02020603050405020304" pitchFamily="18" charset="0"/>
+              <a:cs typeface="Times New Roman" panose="02020603050405020304" pitchFamily="18" charset="0"/>
+            </a:endParaRPr>
+          </a:p>
+        </p:txBody>
+      </p:sp>
+      <p:sp>
+        <p:nvSpPr>
+          <p:cNvPr id="6" name="Прямоугольник 5"/>
+          <p:cNvSpPr/>
+          <p:nvPr/>
+        </p:nvSpPr>
+        <p:spPr>
+          <a:xfrm>
+            <a:off x="106458" y="153863"/>
+            <a:ext cx="11790485" cy="6550269"/>
+          </a:xfrm>
+          <a:prstGeom prst="rect">
+            <a:avLst/>
+          </a:prstGeom>
+          <a:solidFill>
+            <a:schemeClr val="bg1"/>
+          </a:solidFill>
+        </p:spPr>
+        <p:style>
+          <a:lnRef idx="2">
+            <a:schemeClr val="accent1">
+              <a:shade val="50000"/>
+            </a:schemeClr>
+          </a:lnRef>
+          <a:fillRef idx="1">
+            <a:schemeClr val="accent1"/>
+          </a:fillRef>
+          <a:effectRef idx="0">
+            <a:schemeClr val="accent1"/>
+          </a:effectRef>
+          <a:fontRef idx="minor">
+            <a:schemeClr val="lt1"/>
+          </a:fontRef>
+        </p:style>
+        <p:txBody>
+          <a:bodyPr rtlCol="0" anchor="ctr"/>
+          <a:lstStyle/>
+          <a:p>
+            <a:pPr algn="ctr"/>
+            <a:endParaRPr lang="ru-RU">
+              <a:solidFill>
+                <a:schemeClr val="bg1"/>
+              </a:solidFill>
+            </a:endParaRPr>
+          </a:p>
+        </p:txBody>
+      </p:sp>
+      <p:sp>
+        <p:nvSpPr>
+          <p:cNvPr id="7" name="Прямоугольник 6"/>
+          <p:cNvSpPr/>
+          <p:nvPr/>
+        </p:nvSpPr>
+        <p:spPr>
+          <a:xfrm>
+            <a:off x="539430" y="369249"/>
+            <a:ext cx="4350871" cy="615553"/>
+          </a:xfrm>
+          <a:prstGeom prst="rect">
+            <a:avLst/>
+          </a:prstGeom>
+        </p:spPr>
+        <p:txBody>
+          <a:bodyPr wrap="none">
+            <a:spAutoFit/>
+          </a:bodyPr>
+          <a:lstStyle/>
+          <a:p>
+            <a:r>
+              <a:rPr lang="ru-RU" sz="3400" b="1" dirty="0" smtClean="0">
+                <a:latin typeface="+mj-lt"/>
+                <a:cs typeface="Arial" panose="020B0604020202020204" pitchFamily="34" charset="0"/>
+              </a:rPr>
+              <a:t>Демонстрация проекта</a:t>
+            </a:r>
+            <a:endParaRPr lang="ru-BY" sz="3400" b="1" dirty="0">
+              <a:latin typeface="+mj-lt"/>
+              <a:cs typeface="Arial" panose="020B0604020202020204" pitchFamily="34" charset="0"/>
+            </a:endParaRPr>
+          </a:p>
+        </p:txBody>
+      </p:sp>
+      <p:sp>
+        <p:nvSpPr>
+          <p:cNvPr id="8" name="Прямоугольник 7">
+            <a:extLst>
+              <a:ext uri="{FF2B5EF4-FFF2-40B4-BE49-F238E27FC236}">
+                <a16:creationId xmlns:a16="http://schemas.microsoft.com/office/drawing/2014/main" id="{A13F02C5-D91C-41C8-A768-087FD6AD5394}"/>
+              </a:ext>
+            </a:extLst>
+          </p:cNvPr>
+          <p:cNvSpPr/>
+          <p:nvPr/>
+        </p:nvSpPr>
+        <p:spPr>
+          <a:xfrm rot="16200000">
+            <a:off x="9550435" y="3313248"/>
+            <a:ext cx="4461521" cy="231496"/>
+          </a:xfrm>
+          <a:prstGeom prst="rect">
+            <a:avLst/>
+          </a:prstGeom>
+          <a:solidFill>
+            <a:schemeClr val="accent1">
+              <a:lumMod val="75000"/>
+            </a:schemeClr>
+          </a:solidFill>
+          <a:ln>
+            <a:noFill/>
+          </a:ln>
+        </p:spPr>
+        <p:style>
+          <a:lnRef idx="2">
+            <a:schemeClr val="accent1">
+              <a:shade val="50000"/>
+            </a:schemeClr>
+          </a:lnRef>
+          <a:fillRef idx="1">
+            <a:schemeClr val="accent1"/>
+          </a:fillRef>
+          <a:effectRef idx="0">
+            <a:schemeClr val="accent1"/>
+          </a:effectRef>
+          <a:fontRef idx="minor">
+            <a:schemeClr val="lt1"/>
+          </a:fontRef>
+        </p:style>
+        <p:txBody>
+          <a:bodyPr rtlCol="0" anchor="ctr"/>
+          <a:lstStyle/>
+          <a:p>
+            <a:pPr algn="ctr"/>
+            <a:endParaRPr lang="ru-RU"/>
+          </a:p>
+        </p:txBody>
+      </p:sp>
+      <p:sp>
+        <p:nvSpPr>
+          <p:cNvPr id="9" name="Прямоугольник 8">
+            <a:extLst>
+              <a:ext uri="{FF2B5EF4-FFF2-40B4-BE49-F238E27FC236}">
+                <a16:creationId xmlns:a16="http://schemas.microsoft.com/office/drawing/2014/main" id="{A13F02C5-D91C-41C8-A768-087FD6AD5394}"/>
+              </a:ext>
+            </a:extLst>
+          </p:cNvPr>
+          <p:cNvSpPr/>
+          <p:nvPr/>
+        </p:nvSpPr>
+        <p:spPr>
+          <a:xfrm rot="16200000">
+            <a:off x="-2008555" y="3313249"/>
+            <a:ext cx="4461521" cy="231496"/>
+          </a:xfrm>
+          <a:prstGeom prst="rect">
+            <a:avLst/>
+          </a:prstGeom>
+          <a:solidFill>
+            <a:schemeClr val="accent1">
+              <a:lumMod val="75000"/>
+            </a:schemeClr>
+          </a:solidFill>
+          <a:ln>
+            <a:noFill/>
+          </a:ln>
+        </p:spPr>
+        <p:style>
+          <a:lnRef idx="2">
+            <a:schemeClr val="accent1">
+              <a:shade val="50000"/>
+            </a:schemeClr>
+          </a:lnRef>
+          <a:fillRef idx="1">
+            <a:schemeClr val="accent1"/>
+          </a:fillRef>
+          <a:effectRef idx="0">
+            <a:schemeClr val="accent1"/>
+          </a:effectRef>
+          <a:fontRef idx="minor">
+            <a:schemeClr val="lt1"/>
+          </a:fontRef>
+        </p:style>
+        <p:txBody>
+          <a:bodyPr rtlCol="0" anchor="ctr"/>
+          <a:lstStyle/>
+          <a:p>
+            <a:pPr algn="ctr"/>
+            <a:endParaRPr lang="ru-RU"/>
+          </a:p>
+        </p:txBody>
+      </p:sp>
     </p:spTree>
     <p:extLst>
       <p:ext uri="{BB962C8B-B14F-4D97-AF65-F5344CB8AC3E}">
-        <p14:creationId xmlns:p14="http://schemas.microsoft.com/office/powerpoint/2010/main" val="2976867462"/>
+        <p14:creationId xmlns:p14="http://schemas.microsoft.com/office/powerpoint/2010/main" val="167104270"/>
       </p:ext>
     </p:extLst>
   </p:cSld>

--- a/doklad.PPTX
+++ b/doklad.PPTX
@@ -5,7 +5,7 @@
     <p:sldMasterId id="2147483648" r:id="rId1"/>
   </p:sldMasterIdLst>
   <p:notesMasterIdLst>
-    <p:notesMasterId r:id="rId14"/>
+    <p:notesMasterId r:id="rId16"/>
   </p:notesMasterIdLst>
   <p:sldIdLst>
     <p:sldId id="256" r:id="rId2"/>
@@ -14,12 +14,14 @@
     <p:sldId id="258" r:id="rId5"/>
     <p:sldId id="273" r:id="rId6"/>
     <p:sldId id="266" r:id="rId7"/>
-    <p:sldId id="267" r:id="rId8"/>
-    <p:sldId id="268" r:id="rId9"/>
-    <p:sldId id="269" r:id="rId10"/>
-    <p:sldId id="270" r:id="rId11"/>
-    <p:sldId id="271" r:id="rId12"/>
-    <p:sldId id="265" r:id="rId13"/>
+    <p:sldId id="274" r:id="rId8"/>
+    <p:sldId id="275" r:id="rId9"/>
+    <p:sldId id="267" r:id="rId10"/>
+    <p:sldId id="268" r:id="rId11"/>
+    <p:sldId id="269" r:id="rId12"/>
+    <p:sldId id="270" r:id="rId13"/>
+    <p:sldId id="271" r:id="rId14"/>
+    <p:sldId id="265" r:id="rId15"/>
   </p:sldIdLst>
   <p:sldSz cx="12192000" cy="6858000"/>
   <p:notesSz cx="6858000" cy="9144000"/>
@@ -208,7 +210,7 @@
           <a:p>
             <a:fld id="{D0F68FA1-4469-472D-AB3D-AC1E3E35D628}" type="datetimeFigureOut">
               <a:rPr lang="ru-RU" smtClean="0"/>
-              <a:t>06.06.2023</a:t>
+              <a:t>07.06.2023</a:t>
             </a:fld>
             <a:endParaRPr lang="ru-RU"/>
           </a:p>
@@ -625,7 +627,7 @@
           <a:p>
             <a:fld id="{8AB26979-5C81-4CB4-82ED-647B642791C0}" type="slidenum">
               <a:rPr lang="ru-RU" smtClean="0"/>
-              <a:t>12</a:t>
+              <a:t>14</a:t>
             </a:fld>
             <a:endParaRPr lang="ru-RU"/>
           </a:p>
@@ -775,7 +777,7 @@
           <a:p>
             <a:fld id="{410F56DA-C1F9-4AC5-87A8-B55E34AA2CD5}" type="datetimeFigureOut">
               <a:rPr lang="ru-RU" smtClean="0"/>
-              <a:t>06.06.2023</a:t>
+              <a:t>07.06.2023</a:t>
             </a:fld>
             <a:endParaRPr lang="ru-RU"/>
           </a:p>
@@ -945,7 +947,7 @@
           <a:p>
             <a:fld id="{410F56DA-C1F9-4AC5-87A8-B55E34AA2CD5}" type="datetimeFigureOut">
               <a:rPr lang="ru-RU" smtClean="0"/>
-              <a:t>06.06.2023</a:t>
+              <a:t>07.06.2023</a:t>
             </a:fld>
             <a:endParaRPr lang="ru-RU"/>
           </a:p>
@@ -1125,7 +1127,7 @@
           <a:p>
             <a:fld id="{410F56DA-C1F9-4AC5-87A8-B55E34AA2CD5}" type="datetimeFigureOut">
               <a:rPr lang="ru-RU" smtClean="0"/>
-              <a:t>06.06.2023</a:t>
+              <a:t>07.06.2023</a:t>
             </a:fld>
             <a:endParaRPr lang="ru-RU"/>
           </a:p>
@@ -1295,7 +1297,7 @@
           <a:p>
             <a:fld id="{410F56DA-C1F9-4AC5-87A8-B55E34AA2CD5}" type="datetimeFigureOut">
               <a:rPr lang="ru-RU" smtClean="0"/>
-              <a:t>06.06.2023</a:t>
+              <a:t>07.06.2023</a:t>
             </a:fld>
             <a:endParaRPr lang="ru-RU"/>
           </a:p>
@@ -1541,7 +1543,7 @@
           <a:p>
             <a:fld id="{410F56DA-C1F9-4AC5-87A8-B55E34AA2CD5}" type="datetimeFigureOut">
               <a:rPr lang="ru-RU" smtClean="0"/>
-              <a:t>06.06.2023</a:t>
+              <a:t>07.06.2023</a:t>
             </a:fld>
             <a:endParaRPr lang="ru-RU"/>
           </a:p>
@@ -1773,7 +1775,7 @@
           <a:p>
             <a:fld id="{410F56DA-C1F9-4AC5-87A8-B55E34AA2CD5}" type="datetimeFigureOut">
               <a:rPr lang="ru-RU" smtClean="0"/>
-              <a:t>06.06.2023</a:t>
+              <a:t>07.06.2023</a:t>
             </a:fld>
             <a:endParaRPr lang="ru-RU"/>
           </a:p>
@@ -2140,7 +2142,7 @@
           <a:p>
             <a:fld id="{410F56DA-C1F9-4AC5-87A8-B55E34AA2CD5}" type="datetimeFigureOut">
               <a:rPr lang="ru-RU" smtClean="0"/>
-              <a:t>06.06.2023</a:t>
+              <a:t>07.06.2023</a:t>
             </a:fld>
             <a:endParaRPr lang="ru-RU"/>
           </a:p>
@@ -2258,7 +2260,7 @@
           <a:p>
             <a:fld id="{410F56DA-C1F9-4AC5-87A8-B55E34AA2CD5}" type="datetimeFigureOut">
               <a:rPr lang="ru-RU" smtClean="0"/>
-              <a:t>06.06.2023</a:t>
+              <a:t>07.06.2023</a:t>
             </a:fld>
             <a:endParaRPr lang="ru-RU"/>
           </a:p>
@@ -2353,7 +2355,7 @@
           <a:p>
             <a:fld id="{410F56DA-C1F9-4AC5-87A8-B55E34AA2CD5}" type="datetimeFigureOut">
               <a:rPr lang="ru-RU" smtClean="0"/>
-              <a:t>06.06.2023</a:t>
+              <a:t>07.06.2023</a:t>
             </a:fld>
             <a:endParaRPr lang="ru-RU"/>
           </a:p>
@@ -2630,7 +2632,7 @@
           <a:p>
             <a:fld id="{410F56DA-C1F9-4AC5-87A8-B55E34AA2CD5}" type="datetimeFigureOut">
               <a:rPr lang="ru-RU" smtClean="0"/>
-              <a:t>06.06.2023</a:t>
+              <a:t>07.06.2023</a:t>
             </a:fld>
             <a:endParaRPr lang="ru-RU"/>
           </a:p>
@@ -2883,7 +2885,7 @@
           <a:p>
             <a:fld id="{410F56DA-C1F9-4AC5-87A8-B55E34AA2CD5}" type="datetimeFigureOut">
               <a:rPr lang="ru-RU" smtClean="0"/>
-              <a:t>06.06.2023</a:t>
+              <a:t>07.06.2023</a:t>
             </a:fld>
             <a:endParaRPr lang="ru-RU"/>
           </a:p>
@@ -3096,7 +3098,7 @@
           <a:p>
             <a:fld id="{410F56DA-C1F9-4AC5-87A8-B55E34AA2CD5}" type="datetimeFigureOut">
               <a:rPr lang="ru-RU" smtClean="0"/>
-              <a:t>06.06.2023</a:t>
+              <a:t>07.06.2023</a:t>
             </a:fld>
             <a:endParaRPr lang="ru-RU"/>
           </a:p>
@@ -4332,6 +4334,618 @@
 </file>
 
 <file path=ppt/slides/slide10.xml><?xml version="1.0" encoding="utf-8"?>
+<p:sld xmlns:a="http://schemas.openxmlformats.org/drawingml/2006/main" xmlns:r="http://schemas.openxmlformats.org/officeDocument/2006/relationships" xmlns:p="http://schemas.openxmlformats.org/presentationml/2006/main">
+  <p:cSld>
+    <p:spTree>
+      <p:nvGrpSpPr>
+        <p:cNvPr id="1" name=""/>
+        <p:cNvGrpSpPr/>
+        <p:nvPr/>
+      </p:nvGrpSpPr>
+      <p:grpSpPr>
+        <a:xfrm>
+          <a:off x="0" y="0"/>
+          <a:ext cx="0" cy="0"/>
+          <a:chOff x="0" y="0"/>
+          <a:chExt cx="0" cy="0"/>
+        </a:xfrm>
+      </p:grpSpPr>
+      <p:pic>
+        <p:nvPicPr>
+          <p:cNvPr id="11" name="Рисунок 10"/>
+          <p:cNvPicPr>
+            <a:picLocks noChangeAspect="1"/>
+          </p:cNvPicPr>
+          <p:nvPr/>
+        </p:nvPicPr>
+        <p:blipFill>
+          <a:blip r:embed="rId2">
+            <a:extLst>
+              <a:ext uri="{28A0092B-C50C-407E-A947-70E740481C1C}">
+                <a14:useLocalDpi xmlns:a14="http://schemas.microsoft.com/office/drawing/2010/main" val="0"/>
+              </a:ext>
+            </a:extLst>
+          </a:blip>
+          <a:stretch>
+            <a:fillRect/>
+          </a:stretch>
+        </p:blipFill>
+        <p:spPr>
+          <a:xfrm>
+            <a:off x="0" y="0"/>
+            <a:ext cx="12192000" cy="6858000"/>
+          </a:xfrm>
+          <a:prstGeom prst="rect">
+            <a:avLst/>
+          </a:prstGeom>
+        </p:spPr>
+      </p:pic>
+      <p:sp>
+        <p:nvSpPr>
+          <p:cNvPr id="12" name="Прямоугольник 11"/>
+          <p:cNvSpPr/>
+          <p:nvPr/>
+        </p:nvSpPr>
+        <p:spPr>
+          <a:xfrm>
+            <a:off x="644938" y="395626"/>
+            <a:ext cx="3488776" cy="707886"/>
+          </a:xfrm>
+          <a:prstGeom prst="rect">
+            <a:avLst/>
+          </a:prstGeom>
+        </p:spPr>
+        <p:txBody>
+          <a:bodyPr wrap="none">
+            <a:spAutoFit/>
+          </a:bodyPr>
+          <a:lstStyle/>
+          <a:p>
+            <a:r>
+              <a:rPr lang="ru-RU" sz="4000" b="1" dirty="0" smtClean="0">
+                <a:solidFill>
+                  <a:schemeClr val="bg1"/>
+                </a:solidFill>
+                <a:latin typeface="Times New Roman" panose="02020603050405020304" pitchFamily="18" charset="0"/>
+                <a:cs typeface="Times New Roman" panose="02020603050405020304" pitchFamily="18" charset="0"/>
+              </a:rPr>
+              <a:t>Цели и задачи</a:t>
+            </a:r>
+            <a:endParaRPr lang="ru-BY" sz="4000" b="1" dirty="0">
+              <a:solidFill>
+                <a:schemeClr val="bg1"/>
+              </a:solidFill>
+              <a:latin typeface="Times New Roman" panose="02020603050405020304" pitchFamily="18" charset="0"/>
+              <a:cs typeface="Times New Roman" panose="02020603050405020304" pitchFamily="18" charset="0"/>
+            </a:endParaRPr>
+          </a:p>
+        </p:txBody>
+      </p:sp>
+      <p:sp>
+        <p:nvSpPr>
+          <p:cNvPr id="13" name="Прямоугольник 12"/>
+          <p:cNvSpPr/>
+          <p:nvPr/>
+        </p:nvSpPr>
+        <p:spPr>
+          <a:xfrm>
+            <a:off x="106458" y="153863"/>
+            <a:ext cx="11790485" cy="6550269"/>
+          </a:xfrm>
+          <a:prstGeom prst="rect">
+            <a:avLst/>
+          </a:prstGeom>
+          <a:solidFill>
+            <a:schemeClr val="bg1"/>
+          </a:solidFill>
+        </p:spPr>
+        <p:style>
+          <a:lnRef idx="2">
+            <a:schemeClr val="accent1">
+              <a:shade val="50000"/>
+            </a:schemeClr>
+          </a:lnRef>
+          <a:fillRef idx="1">
+            <a:schemeClr val="accent1"/>
+          </a:fillRef>
+          <a:effectRef idx="0">
+            <a:schemeClr val="accent1"/>
+          </a:effectRef>
+          <a:fontRef idx="minor">
+            <a:schemeClr val="lt1"/>
+          </a:fontRef>
+        </p:style>
+        <p:txBody>
+          <a:bodyPr rtlCol="0" anchor="ctr"/>
+          <a:lstStyle/>
+          <a:p>
+            <a:pPr algn="ctr"/>
+            <a:endParaRPr lang="ru-RU">
+              <a:solidFill>
+                <a:schemeClr val="bg1"/>
+              </a:solidFill>
+            </a:endParaRPr>
+          </a:p>
+        </p:txBody>
+      </p:sp>
+      <p:sp>
+        <p:nvSpPr>
+          <p:cNvPr id="14" name="Прямоугольник 13"/>
+          <p:cNvSpPr/>
+          <p:nvPr/>
+        </p:nvSpPr>
+        <p:spPr>
+          <a:xfrm>
+            <a:off x="539430" y="369249"/>
+            <a:ext cx="5237331" cy="615553"/>
+          </a:xfrm>
+          <a:prstGeom prst="rect">
+            <a:avLst/>
+          </a:prstGeom>
+        </p:spPr>
+        <p:txBody>
+          <a:bodyPr wrap="none">
+            <a:spAutoFit/>
+          </a:bodyPr>
+          <a:lstStyle/>
+          <a:p>
+            <a:r>
+              <a:rPr lang="ru-RU" sz="3400" b="1" dirty="0" smtClean="0">
+                <a:latin typeface="+mj-lt"/>
+                <a:cs typeface="Arial" panose="020B0604020202020204" pitchFamily="34" charset="0"/>
+              </a:rPr>
+              <a:t>Блок схема принятия ставки</a:t>
+            </a:r>
+            <a:endParaRPr lang="ru-BY" sz="3400" b="1" dirty="0">
+              <a:latin typeface="+mj-lt"/>
+              <a:cs typeface="Arial" panose="020B0604020202020204" pitchFamily="34" charset="0"/>
+            </a:endParaRPr>
+          </a:p>
+        </p:txBody>
+      </p:sp>
+      <p:sp>
+        <p:nvSpPr>
+          <p:cNvPr id="15" name="Прямоугольник 14">
+            <a:extLst>
+              <a:ext uri="{FF2B5EF4-FFF2-40B4-BE49-F238E27FC236}">
+                <a16:creationId xmlns:a16="http://schemas.microsoft.com/office/drawing/2014/main" id="{A13F02C5-D91C-41C8-A768-087FD6AD5394}"/>
+              </a:ext>
+            </a:extLst>
+          </p:cNvPr>
+          <p:cNvSpPr/>
+          <p:nvPr/>
+        </p:nvSpPr>
+        <p:spPr>
+          <a:xfrm rot="16200000">
+            <a:off x="9550435" y="3313248"/>
+            <a:ext cx="4461521" cy="231496"/>
+          </a:xfrm>
+          <a:prstGeom prst="rect">
+            <a:avLst/>
+          </a:prstGeom>
+          <a:solidFill>
+            <a:schemeClr val="accent1">
+              <a:lumMod val="75000"/>
+            </a:schemeClr>
+          </a:solidFill>
+          <a:ln>
+            <a:noFill/>
+          </a:ln>
+        </p:spPr>
+        <p:style>
+          <a:lnRef idx="2">
+            <a:schemeClr val="accent1">
+              <a:shade val="50000"/>
+            </a:schemeClr>
+          </a:lnRef>
+          <a:fillRef idx="1">
+            <a:schemeClr val="accent1"/>
+          </a:fillRef>
+          <a:effectRef idx="0">
+            <a:schemeClr val="accent1"/>
+          </a:effectRef>
+          <a:fontRef idx="minor">
+            <a:schemeClr val="lt1"/>
+          </a:fontRef>
+        </p:style>
+        <p:txBody>
+          <a:bodyPr rtlCol="0" anchor="ctr"/>
+          <a:lstStyle/>
+          <a:p>
+            <a:pPr algn="ctr"/>
+            <a:endParaRPr lang="ru-RU"/>
+          </a:p>
+        </p:txBody>
+      </p:sp>
+      <p:sp>
+        <p:nvSpPr>
+          <p:cNvPr id="16" name="Прямоугольник 15">
+            <a:extLst>
+              <a:ext uri="{FF2B5EF4-FFF2-40B4-BE49-F238E27FC236}">
+                <a16:creationId xmlns:a16="http://schemas.microsoft.com/office/drawing/2014/main" id="{A13F02C5-D91C-41C8-A768-087FD6AD5394}"/>
+              </a:ext>
+            </a:extLst>
+          </p:cNvPr>
+          <p:cNvSpPr/>
+          <p:nvPr/>
+        </p:nvSpPr>
+        <p:spPr>
+          <a:xfrm rot="16200000">
+            <a:off x="-2008555" y="3313249"/>
+            <a:ext cx="4461521" cy="231496"/>
+          </a:xfrm>
+          <a:prstGeom prst="rect">
+            <a:avLst/>
+          </a:prstGeom>
+          <a:solidFill>
+            <a:schemeClr val="accent1">
+              <a:lumMod val="75000"/>
+            </a:schemeClr>
+          </a:solidFill>
+          <a:ln>
+            <a:noFill/>
+          </a:ln>
+        </p:spPr>
+        <p:style>
+          <a:lnRef idx="2">
+            <a:schemeClr val="accent1">
+              <a:shade val="50000"/>
+            </a:schemeClr>
+          </a:lnRef>
+          <a:fillRef idx="1">
+            <a:schemeClr val="accent1"/>
+          </a:fillRef>
+          <a:effectRef idx="0">
+            <a:schemeClr val="accent1"/>
+          </a:effectRef>
+          <a:fontRef idx="minor">
+            <a:schemeClr val="lt1"/>
+          </a:fontRef>
+        </p:style>
+        <p:txBody>
+          <a:bodyPr rtlCol="0" anchor="ctr"/>
+          <a:lstStyle/>
+          <a:p>
+            <a:pPr algn="ctr"/>
+            <a:endParaRPr lang="ru-RU"/>
+          </a:p>
+        </p:txBody>
+      </p:sp>
+      <p:pic>
+        <p:nvPicPr>
+          <p:cNvPr id="19" name="Рисунок 18"/>
+          <p:cNvPicPr>
+            <a:picLocks noChangeAspect="1"/>
+          </p:cNvPicPr>
+          <p:nvPr/>
+        </p:nvPicPr>
+        <p:blipFill>
+          <a:blip r:embed="rId3">
+            <a:extLst>
+              <a:ext uri="{28A0092B-C50C-407E-A947-70E740481C1C}">
+                <a14:useLocalDpi xmlns:a14="http://schemas.microsoft.com/office/drawing/2010/main" val="0"/>
+              </a:ext>
+            </a:extLst>
+          </a:blip>
+          <a:stretch>
+            <a:fillRect/>
+          </a:stretch>
+        </p:blipFill>
+        <p:spPr>
+          <a:xfrm>
+            <a:off x="1152524" y="1257375"/>
+            <a:ext cx="9540235" cy="4791000"/>
+          </a:xfrm>
+          <a:prstGeom prst="rect">
+            <a:avLst/>
+          </a:prstGeom>
+        </p:spPr>
+      </p:pic>
+    </p:spTree>
+    <p:extLst>
+      <p:ext uri="{BB962C8B-B14F-4D97-AF65-F5344CB8AC3E}">
+        <p14:creationId xmlns:p14="http://schemas.microsoft.com/office/powerpoint/2010/main" val="518766685"/>
+      </p:ext>
+    </p:extLst>
+  </p:cSld>
+  <p:clrMapOvr>
+    <a:masterClrMapping/>
+  </p:clrMapOvr>
+</p:sld>
+</file>
+
+<file path=ppt/slides/slide11.xml><?xml version="1.0" encoding="utf-8"?>
+<p:sld xmlns:a="http://schemas.openxmlformats.org/drawingml/2006/main" xmlns:r="http://schemas.openxmlformats.org/officeDocument/2006/relationships" xmlns:p="http://schemas.openxmlformats.org/presentationml/2006/main">
+  <p:cSld>
+    <p:spTree>
+      <p:nvGrpSpPr>
+        <p:cNvPr id="1" name=""/>
+        <p:cNvGrpSpPr/>
+        <p:nvPr/>
+      </p:nvGrpSpPr>
+      <p:grpSpPr>
+        <a:xfrm>
+          <a:off x="0" y="0"/>
+          <a:ext cx="0" cy="0"/>
+          <a:chOff x="0" y="0"/>
+          <a:chExt cx="0" cy="0"/>
+        </a:xfrm>
+      </p:grpSpPr>
+      <p:pic>
+        <p:nvPicPr>
+          <p:cNvPr id="4" name="Рисунок 3"/>
+          <p:cNvPicPr>
+            <a:picLocks noChangeAspect="1"/>
+          </p:cNvPicPr>
+          <p:nvPr/>
+        </p:nvPicPr>
+        <p:blipFill>
+          <a:blip r:embed="rId2">
+            <a:extLst>
+              <a:ext uri="{28A0092B-C50C-407E-A947-70E740481C1C}">
+                <a14:useLocalDpi xmlns:a14="http://schemas.microsoft.com/office/drawing/2010/main" val="0"/>
+              </a:ext>
+            </a:extLst>
+          </a:blip>
+          <a:stretch>
+            <a:fillRect/>
+          </a:stretch>
+        </p:blipFill>
+        <p:spPr>
+          <a:xfrm>
+            <a:off x="0" y="0"/>
+            <a:ext cx="12192000" cy="6858000"/>
+          </a:xfrm>
+          <a:prstGeom prst="rect">
+            <a:avLst/>
+          </a:prstGeom>
+        </p:spPr>
+      </p:pic>
+      <p:sp>
+        <p:nvSpPr>
+          <p:cNvPr id="5" name="Прямоугольник 4"/>
+          <p:cNvSpPr/>
+          <p:nvPr/>
+        </p:nvSpPr>
+        <p:spPr>
+          <a:xfrm>
+            <a:off x="644938" y="395626"/>
+            <a:ext cx="3488776" cy="707886"/>
+          </a:xfrm>
+          <a:prstGeom prst="rect">
+            <a:avLst/>
+          </a:prstGeom>
+        </p:spPr>
+        <p:txBody>
+          <a:bodyPr wrap="none">
+            <a:spAutoFit/>
+          </a:bodyPr>
+          <a:lstStyle/>
+          <a:p>
+            <a:r>
+              <a:rPr lang="ru-RU" sz="4000" b="1" dirty="0" smtClean="0">
+                <a:solidFill>
+                  <a:schemeClr val="bg1"/>
+                </a:solidFill>
+                <a:latin typeface="Times New Roman" panose="02020603050405020304" pitchFamily="18" charset="0"/>
+                <a:cs typeface="Times New Roman" panose="02020603050405020304" pitchFamily="18" charset="0"/>
+              </a:rPr>
+              <a:t>Цели и задачи</a:t>
+            </a:r>
+            <a:endParaRPr lang="ru-BY" sz="4000" b="1" dirty="0">
+              <a:solidFill>
+                <a:schemeClr val="bg1"/>
+              </a:solidFill>
+              <a:latin typeface="Times New Roman" panose="02020603050405020304" pitchFamily="18" charset="0"/>
+              <a:cs typeface="Times New Roman" panose="02020603050405020304" pitchFamily="18" charset="0"/>
+            </a:endParaRPr>
+          </a:p>
+        </p:txBody>
+      </p:sp>
+      <p:sp>
+        <p:nvSpPr>
+          <p:cNvPr id="6" name="Прямоугольник 5"/>
+          <p:cNvSpPr/>
+          <p:nvPr/>
+        </p:nvSpPr>
+        <p:spPr>
+          <a:xfrm>
+            <a:off x="106458" y="153863"/>
+            <a:ext cx="11790485" cy="6550269"/>
+          </a:xfrm>
+          <a:prstGeom prst="rect">
+            <a:avLst/>
+          </a:prstGeom>
+          <a:solidFill>
+            <a:schemeClr val="bg1"/>
+          </a:solidFill>
+        </p:spPr>
+        <p:style>
+          <a:lnRef idx="2">
+            <a:schemeClr val="accent1">
+              <a:shade val="50000"/>
+            </a:schemeClr>
+          </a:lnRef>
+          <a:fillRef idx="1">
+            <a:schemeClr val="accent1"/>
+          </a:fillRef>
+          <a:effectRef idx="0">
+            <a:schemeClr val="accent1"/>
+          </a:effectRef>
+          <a:fontRef idx="minor">
+            <a:schemeClr val="lt1"/>
+          </a:fontRef>
+        </p:style>
+        <p:txBody>
+          <a:bodyPr rtlCol="0" anchor="ctr"/>
+          <a:lstStyle/>
+          <a:p>
+            <a:pPr algn="ctr"/>
+            <a:endParaRPr lang="ru-RU">
+              <a:solidFill>
+                <a:schemeClr val="bg1"/>
+              </a:solidFill>
+            </a:endParaRPr>
+          </a:p>
+        </p:txBody>
+      </p:sp>
+      <p:sp>
+        <p:nvSpPr>
+          <p:cNvPr id="7" name="Прямоугольник 6"/>
+          <p:cNvSpPr/>
+          <p:nvPr/>
+        </p:nvSpPr>
+        <p:spPr>
+          <a:xfrm>
+            <a:off x="539430" y="369249"/>
+            <a:ext cx="4350871" cy="615553"/>
+          </a:xfrm>
+          <a:prstGeom prst="rect">
+            <a:avLst/>
+          </a:prstGeom>
+        </p:spPr>
+        <p:txBody>
+          <a:bodyPr wrap="none">
+            <a:spAutoFit/>
+          </a:bodyPr>
+          <a:lstStyle/>
+          <a:p>
+            <a:r>
+              <a:rPr lang="ru-RU" sz="3400" b="1" dirty="0" smtClean="0">
+                <a:latin typeface="+mj-lt"/>
+                <a:cs typeface="Arial" panose="020B0604020202020204" pitchFamily="34" charset="0"/>
+              </a:rPr>
+              <a:t>Демонстрация проекта</a:t>
+            </a:r>
+            <a:endParaRPr lang="ru-BY" sz="3400" b="1" dirty="0">
+              <a:latin typeface="+mj-lt"/>
+              <a:cs typeface="Arial" panose="020B0604020202020204" pitchFamily="34" charset="0"/>
+            </a:endParaRPr>
+          </a:p>
+        </p:txBody>
+      </p:sp>
+      <p:sp>
+        <p:nvSpPr>
+          <p:cNvPr id="8" name="Прямоугольник 7">
+            <a:extLst>
+              <a:ext uri="{FF2B5EF4-FFF2-40B4-BE49-F238E27FC236}">
+                <a16:creationId xmlns:a16="http://schemas.microsoft.com/office/drawing/2014/main" id="{A13F02C5-D91C-41C8-A768-087FD6AD5394}"/>
+              </a:ext>
+            </a:extLst>
+          </p:cNvPr>
+          <p:cNvSpPr/>
+          <p:nvPr/>
+        </p:nvSpPr>
+        <p:spPr>
+          <a:xfrm rot="16200000">
+            <a:off x="9550435" y="3313248"/>
+            <a:ext cx="4461521" cy="231496"/>
+          </a:xfrm>
+          <a:prstGeom prst="rect">
+            <a:avLst/>
+          </a:prstGeom>
+          <a:solidFill>
+            <a:schemeClr val="accent1">
+              <a:lumMod val="75000"/>
+            </a:schemeClr>
+          </a:solidFill>
+          <a:ln>
+            <a:noFill/>
+          </a:ln>
+        </p:spPr>
+        <p:style>
+          <a:lnRef idx="2">
+            <a:schemeClr val="accent1">
+              <a:shade val="50000"/>
+            </a:schemeClr>
+          </a:lnRef>
+          <a:fillRef idx="1">
+            <a:schemeClr val="accent1"/>
+          </a:fillRef>
+          <a:effectRef idx="0">
+            <a:schemeClr val="accent1"/>
+          </a:effectRef>
+          <a:fontRef idx="minor">
+            <a:schemeClr val="lt1"/>
+          </a:fontRef>
+        </p:style>
+        <p:txBody>
+          <a:bodyPr rtlCol="0" anchor="ctr"/>
+          <a:lstStyle/>
+          <a:p>
+            <a:pPr algn="ctr"/>
+            <a:endParaRPr lang="ru-RU"/>
+          </a:p>
+        </p:txBody>
+      </p:sp>
+      <p:sp>
+        <p:nvSpPr>
+          <p:cNvPr id="9" name="Прямоугольник 8">
+            <a:extLst>
+              <a:ext uri="{FF2B5EF4-FFF2-40B4-BE49-F238E27FC236}">
+                <a16:creationId xmlns:a16="http://schemas.microsoft.com/office/drawing/2014/main" id="{A13F02C5-D91C-41C8-A768-087FD6AD5394}"/>
+              </a:ext>
+            </a:extLst>
+          </p:cNvPr>
+          <p:cNvSpPr/>
+          <p:nvPr/>
+        </p:nvSpPr>
+        <p:spPr>
+          <a:xfrm rot="16200000">
+            <a:off x="-2008555" y="3313249"/>
+            <a:ext cx="4461521" cy="231496"/>
+          </a:xfrm>
+          <a:prstGeom prst="rect">
+            <a:avLst/>
+          </a:prstGeom>
+          <a:solidFill>
+            <a:schemeClr val="accent1">
+              <a:lumMod val="75000"/>
+            </a:schemeClr>
+          </a:solidFill>
+          <a:ln>
+            <a:noFill/>
+          </a:ln>
+        </p:spPr>
+        <p:style>
+          <a:lnRef idx="2">
+            <a:schemeClr val="accent1">
+              <a:shade val="50000"/>
+            </a:schemeClr>
+          </a:lnRef>
+          <a:fillRef idx="1">
+            <a:schemeClr val="accent1"/>
+          </a:fillRef>
+          <a:effectRef idx="0">
+            <a:schemeClr val="accent1"/>
+          </a:effectRef>
+          <a:fontRef idx="minor">
+            <a:schemeClr val="lt1"/>
+          </a:fontRef>
+        </p:style>
+        <p:txBody>
+          <a:bodyPr rtlCol="0" anchor="ctr"/>
+          <a:lstStyle/>
+          <a:p>
+            <a:pPr algn="ctr"/>
+            <a:endParaRPr lang="ru-RU"/>
+          </a:p>
+        </p:txBody>
+      </p:sp>
+    </p:spTree>
+    <p:extLst>
+      <p:ext uri="{BB962C8B-B14F-4D97-AF65-F5344CB8AC3E}">
+        <p14:creationId xmlns:p14="http://schemas.microsoft.com/office/powerpoint/2010/main" val="167104270"/>
+      </p:ext>
+    </p:extLst>
+  </p:cSld>
+  <p:clrMapOvr>
+    <a:masterClrMapping/>
+  </p:clrMapOvr>
+</p:sld>
+</file>
+
+<file path=ppt/slides/slide12.xml><?xml version="1.0" encoding="utf-8"?>
 <p:sld xmlns:a="http://schemas.openxmlformats.org/drawingml/2006/main" xmlns:r="http://schemas.openxmlformats.org/officeDocument/2006/relationships" xmlns:p="http://schemas.openxmlformats.org/presentationml/2006/main">
   <p:cSld>
     <p:spTree>
@@ -5929,7 +6543,7 @@
 </p:sld>
 </file>
 
-<file path=ppt/slides/slide11.xml><?xml version="1.0" encoding="utf-8"?>
+<file path=ppt/slides/slide13.xml><?xml version="1.0" encoding="utf-8"?>
 <p:sld xmlns:a="http://schemas.openxmlformats.org/drawingml/2006/main" xmlns:r="http://schemas.openxmlformats.org/officeDocument/2006/relationships" xmlns:p="http://schemas.openxmlformats.org/presentationml/2006/main">
   <p:cSld>
     <p:spTree>
@@ -6411,7 +7025,7 @@
 </p:sld>
 </file>
 
-<file path=ppt/slides/slide12.xml><?xml version="1.0" encoding="utf-8"?>
+<file path=ppt/slides/slide14.xml><?xml version="1.0" encoding="utf-8"?>
 <p:sld xmlns:a="http://schemas.openxmlformats.org/drawingml/2006/main" xmlns:r="http://schemas.openxmlformats.org/officeDocument/2006/relationships" xmlns:p="http://schemas.openxmlformats.org/presentationml/2006/main">
   <p:cSld>
     <p:spTree>
@@ -9185,33 +9799,6 @@
           </a:p>
         </p:txBody>
       </p:sp>
-      <p:pic>
-        <p:nvPicPr>
-          <p:cNvPr id="14" name="Рисунок 13"/>
-          <p:cNvPicPr/>
-          <p:nvPr/>
-        </p:nvPicPr>
-        <p:blipFill>
-          <a:blip r:embed="rId3"/>
-          <a:stretch>
-            <a:fillRect/>
-          </a:stretch>
-        </p:blipFill>
-        <p:spPr>
-          <a:xfrm>
-            <a:off x="3449954" y="1357312"/>
-            <a:ext cx="5103495" cy="4452938"/>
-          </a:xfrm>
-          <a:prstGeom prst="rect">
-            <a:avLst/>
-          </a:prstGeom>
-          <a:ln>
-            <a:solidFill>
-              <a:schemeClr val="bg1"/>
-            </a:solidFill>
-          </a:ln>
-        </p:spPr>
-      </p:pic>
       <p:sp>
         <p:nvSpPr>
           <p:cNvPr id="15" name="Прямоугольник 14"/>
@@ -9221,7 +9808,7 @@
         <p:spPr>
           <a:xfrm>
             <a:off x="539430" y="369249"/>
-            <a:ext cx="7002238" cy="615553"/>
+            <a:ext cx="10862269" cy="615553"/>
           </a:xfrm>
           <a:prstGeom prst="rect">
             <a:avLst/>
@@ -9238,7 +9825,28 @@
                 <a:latin typeface="+mj-lt"/>
                 <a:cs typeface="Arial" panose="020B0604020202020204" pitchFamily="34" charset="0"/>
               </a:rPr>
-              <a:t>Диаграмма вариантов использования</a:t>
+              <a:t>Диаграмма вариантов </a:t>
+            </a:r>
+            <a:r>
+              <a:rPr lang="ru-RU" sz="3400" b="1" dirty="0" smtClean="0">
+                <a:latin typeface="+mj-lt"/>
+                <a:cs typeface="Arial" panose="020B0604020202020204" pitchFamily="34" charset="0"/>
+              </a:rPr>
+              <a:t>использования</a:t>
+            </a:r>
+            <a:r>
+              <a:rPr lang="en-US" sz="3400" b="1" dirty="0" smtClean="0">
+                <a:latin typeface="+mj-lt"/>
+                <a:cs typeface="Arial" panose="020B0604020202020204" pitchFamily="34" charset="0"/>
+              </a:rPr>
+              <a:t> </a:t>
+            </a:r>
+            <a:r>
+              <a:rPr lang="ru-RU" sz="3400" b="1" dirty="0" smtClean="0">
+                <a:latin typeface="+mj-lt"/>
+                <a:cs typeface="Arial" panose="020B0604020202020204" pitchFamily="34" charset="0"/>
+              </a:rPr>
+              <a:t>для Администратора</a:t>
             </a:r>
             <a:endParaRPr lang="ru-BY" sz="3400" b="1" dirty="0">
               <a:latin typeface="+mj-lt"/>
@@ -9355,6 +9963,36 @@
           </a:p>
         </p:txBody>
       </p:sp>
+      <p:pic>
+        <p:nvPicPr>
+          <p:cNvPr id="2" name="Рисунок 1"/>
+          <p:cNvPicPr>
+            <a:picLocks noChangeAspect="1"/>
+          </p:cNvPicPr>
+          <p:nvPr/>
+        </p:nvPicPr>
+        <p:blipFill>
+          <a:blip r:embed="rId3">
+            <a:extLst>
+              <a:ext uri="{28A0092B-C50C-407E-A947-70E740481C1C}">
+                <a14:useLocalDpi xmlns:a14="http://schemas.microsoft.com/office/drawing/2010/main" val="0"/>
+              </a:ext>
+            </a:extLst>
+          </a:blip>
+          <a:stretch>
+            <a:fillRect/>
+          </a:stretch>
+        </p:blipFill>
+        <p:spPr>
+          <a:xfrm>
+            <a:off x="3389426" y="938448"/>
+            <a:ext cx="5043374" cy="5750706"/>
+          </a:xfrm>
+          <a:prstGeom prst="rect">
+            <a:avLst/>
+          </a:prstGeom>
+        </p:spPr>
+      </p:pic>
     </p:spTree>
     <p:extLst>
       <p:ext uri="{BB962C8B-B14F-4D97-AF65-F5344CB8AC3E}">
@@ -9387,7 +10025,7 @@
       </p:grpSpPr>
       <p:pic>
         <p:nvPicPr>
-          <p:cNvPr id="4" name="Рисунок 3"/>
+          <p:cNvPr id="10" name="Рисунок 9"/>
           <p:cNvPicPr>
             <a:picLocks noChangeAspect="1"/>
           </p:cNvPicPr>
@@ -9417,7 +10055,7 @@
       </p:pic>
       <p:sp>
         <p:nvSpPr>
-          <p:cNvPr id="5" name="Прямоугольник 4"/>
+          <p:cNvPr id="11" name="Прямоугольник 10"/>
           <p:cNvSpPr/>
           <p:nvPr/>
         </p:nvSpPr>
@@ -9458,7 +10096,7 @@
       </p:sp>
       <p:sp>
         <p:nvSpPr>
-          <p:cNvPr id="6" name="Прямоугольник 5"/>
+          <p:cNvPr id="12" name="Прямоугольник 11"/>
           <p:cNvSpPr/>
           <p:nvPr/>
         </p:nvSpPr>
@@ -9505,14 +10143,14 @@
       </p:sp>
       <p:sp>
         <p:nvSpPr>
-          <p:cNvPr id="8" name="Прямоугольник 7"/>
+          <p:cNvPr id="13" name="Прямоугольник 12"/>
           <p:cNvSpPr/>
           <p:nvPr/>
         </p:nvSpPr>
         <p:spPr>
           <a:xfrm>
             <a:off x="539430" y="369249"/>
-            <a:ext cx="5787162" cy="615553"/>
+            <a:ext cx="9765815" cy="615553"/>
           </a:xfrm>
           <a:prstGeom prst="rect">
             <a:avLst/>
@@ -9529,7 +10167,28 @@
                 <a:latin typeface="+mj-lt"/>
                 <a:cs typeface="Arial" panose="020B0604020202020204" pitchFamily="34" charset="0"/>
               </a:rPr>
-              <a:t>Логическая схема базы данных</a:t>
+              <a:t>Диаграмма вариантов </a:t>
+            </a:r>
+            <a:r>
+              <a:rPr lang="ru-RU" sz="3400" b="1" dirty="0" smtClean="0">
+                <a:latin typeface="+mj-lt"/>
+                <a:cs typeface="Arial" panose="020B0604020202020204" pitchFamily="34" charset="0"/>
+              </a:rPr>
+              <a:t>использования</a:t>
+            </a:r>
+            <a:r>
+              <a:rPr lang="en-US" sz="3400" b="1" dirty="0" smtClean="0">
+                <a:latin typeface="+mj-lt"/>
+                <a:cs typeface="Arial" panose="020B0604020202020204" pitchFamily="34" charset="0"/>
+              </a:rPr>
+              <a:t> </a:t>
+            </a:r>
+            <a:r>
+              <a:rPr lang="ru-RU" sz="3400" b="1" dirty="0" smtClean="0">
+                <a:latin typeface="+mj-lt"/>
+                <a:cs typeface="Arial" panose="020B0604020202020204" pitchFamily="34" charset="0"/>
+              </a:rPr>
+              <a:t>для Букмекера</a:t>
             </a:r>
             <a:endParaRPr lang="ru-BY" sz="3400" b="1" dirty="0">
               <a:latin typeface="+mj-lt"/>
@@ -9540,7 +10199,7 @@
       </p:sp>
       <p:sp>
         <p:nvSpPr>
-          <p:cNvPr id="9" name="Прямоугольник 8">
+          <p:cNvPr id="14" name="Прямоугольник 13">
             <a:extLst>
               <a:ext uri="{FF2B5EF4-FFF2-40B4-BE49-F238E27FC236}">
                 <a16:creationId xmlns:a16="http://schemas.microsoft.com/office/drawing/2014/main" id="{A13F02C5-D91C-41C8-A768-087FD6AD5394}"/>
@@ -9594,7 +10253,7 @@
       </p:sp>
       <p:sp>
         <p:nvSpPr>
-          <p:cNvPr id="10" name="Прямоугольник 9">
+          <p:cNvPr id="15" name="Прямоугольник 14">
             <a:extLst>
               <a:ext uri="{FF2B5EF4-FFF2-40B4-BE49-F238E27FC236}">
                 <a16:creationId xmlns:a16="http://schemas.microsoft.com/office/drawing/2014/main" id="{A13F02C5-D91C-41C8-A768-087FD6AD5394}"/>
@@ -9648,7 +10307,7 @@
       </p:sp>
       <p:pic>
         <p:nvPicPr>
-          <p:cNvPr id="11" name="Рисунок 10"/>
+          <p:cNvPr id="17" name="Рисунок 16"/>
           <p:cNvPicPr>
             <a:picLocks noChangeAspect="1"/>
           </p:cNvPicPr>
@@ -9668,8 +10327,8 @@
         </p:blipFill>
         <p:spPr>
           <a:xfrm>
-            <a:off x="1571427" y="1103512"/>
-            <a:ext cx="8860546" cy="5421688"/>
+            <a:off x="2275661" y="1198235"/>
+            <a:ext cx="7451996" cy="5204958"/>
           </a:xfrm>
           <a:prstGeom prst="rect">
             <a:avLst/>
@@ -9679,7 +10338,7 @@
     </p:spTree>
     <p:extLst>
       <p:ext uri="{BB962C8B-B14F-4D97-AF65-F5344CB8AC3E}">
-        <p14:creationId xmlns:p14="http://schemas.microsoft.com/office/powerpoint/2010/main" val="1200486689"/>
+        <p14:creationId xmlns:p14="http://schemas.microsoft.com/office/powerpoint/2010/main" val="274817304"/>
       </p:ext>
     </p:extLst>
   </p:cSld>
@@ -9706,16 +10365,37 @@
           <a:chExt cx="0" cy="0"/>
         </a:xfrm>
       </p:grpSpPr>
+      <p:sp>
+        <p:nvSpPr>
+          <p:cNvPr id="2" name="Заголовок 1"/>
+          <p:cNvSpPr>
+            <a:spLocks noGrp="1"/>
+          </p:cNvSpPr>
+          <p:nvPr>
+            <p:ph type="title"/>
+          </p:nvPr>
+        </p:nvSpPr>
+        <p:spPr/>
+        <p:txBody>
+          <a:bodyPr/>
+          <a:lstStyle/>
+          <a:p>
+            <a:endParaRPr lang="ru-RU"/>
+          </a:p>
+        </p:txBody>
+      </p:sp>
       <p:pic>
         <p:nvPicPr>
-          <p:cNvPr id="11" name="Рисунок 10"/>
+          <p:cNvPr id="11" name="Объект 10"/>
           <p:cNvPicPr>
-            <a:picLocks noChangeAspect="1"/>
+            <a:picLocks noGrp="1" noChangeAspect="1"/>
           </p:cNvPicPr>
-          <p:nvPr/>
+          <p:nvPr>
+            <p:ph idx="1"/>
+          </p:nvPr>
         </p:nvPicPr>
         <p:blipFill>
-          <a:blip r:embed="rId2">
+          <a:blip r:embed="rId2" cstate="print">
             <a:extLst>
               <a:ext uri="{28A0092B-C50C-407E-A947-70E740481C1C}">
                 <a14:useLocalDpi xmlns:a14="http://schemas.microsoft.com/office/drawing/2010/main" val="0"/>
@@ -9728,248 +10408,14 @@
         </p:blipFill>
         <p:spPr>
           <a:xfrm>
-            <a:off x="0" y="0"/>
-            <a:ext cx="12192000" cy="6858000"/>
-          </a:xfrm>
-          <a:prstGeom prst="rect">
-            <a:avLst/>
-          </a:prstGeom>
+            <a:off x="3675918" y="1825625"/>
+            <a:ext cx="5412663" cy="4866020"/>
+          </a:xfrm>
         </p:spPr>
       </p:pic>
-      <p:sp>
-        <p:nvSpPr>
-          <p:cNvPr id="12" name="Прямоугольник 11"/>
-          <p:cNvSpPr/>
-          <p:nvPr/>
-        </p:nvSpPr>
-        <p:spPr>
-          <a:xfrm>
-            <a:off x="644938" y="395626"/>
-            <a:ext cx="3488776" cy="707886"/>
-          </a:xfrm>
-          <a:prstGeom prst="rect">
-            <a:avLst/>
-          </a:prstGeom>
-        </p:spPr>
-        <p:txBody>
-          <a:bodyPr wrap="none">
-            <a:spAutoFit/>
-          </a:bodyPr>
-          <a:lstStyle/>
-          <a:p>
-            <a:r>
-              <a:rPr lang="ru-RU" sz="4000" b="1" dirty="0" smtClean="0">
-                <a:solidFill>
-                  <a:schemeClr val="bg1"/>
-                </a:solidFill>
-                <a:latin typeface="Times New Roman" panose="02020603050405020304" pitchFamily="18" charset="0"/>
-                <a:cs typeface="Times New Roman" panose="02020603050405020304" pitchFamily="18" charset="0"/>
-              </a:rPr>
-              <a:t>Цели и задачи</a:t>
-            </a:r>
-            <a:endParaRPr lang="ru-BY" sz="4000" b="1" dirty="0">
-              <a:solidFill>
-                <a:schemeClr val="bg1"/>
-              </a:solidFill>
-              <a:latin typeface="Times New Roman" panose="02020603050405020304" pitchFamily="18" charset="0"/>
-              <a:cs typeface="Times New Roman" panose="02020603050405020304" pitchFamily="18" charset="0"/>
-            </a:endParaRPr>
-          </a:p>
-        </p:txBody>
-      </p:sp>
-      <p:sp>
-        <p:nvSpPr>
-          <p:cNvPr id="13" name="Прямоугольник 12"/>
-          <p:cNvSpPr/>
-          <p:nvPr/>
-        </p:nvSpPr>
-        <p:spPr>
-          <a:xfrm>
-            <a:off x="106458" y="153863"/>
-            <a:ext cx="11790485" cy="6550269"/>
-          </a:xfrm>
-          <a:prstGeom prst="rect">
-            <a:avLst/>
-          </a:prstGeom>
-          <a:solidFill>
-            <a:schemeClr val="bg1"/>
-          </a:solidFill>
-        </p:spPr>
-        <p:style>
-          <a:lnRef idx="2">
-            <a:schemeClr val="accent1">
-              <a:shade val="50000"/>
-            </a:schemeClr>
-          </a:lnRef>
-          <a:fillRef idx="1">
-            <a:schemeClr val="accent1"/>
-          </a:fillRef>
-          <a:effectRef idx="0">
-            <a:schemeClr val="accent1"/>
-          </a:effectRef>
-          <a:fontRef idx="minor">
-            <a:schemeClr val="lt1"/>
-          </a:fontRef>
-        </p:style>
-        <p:txBody>
-          <a:bodyPr rtlCol="0" anchor="ctr"/>
-          <a:lstStyle/>
-          <a:p>
-            <a:pPr algn="ctr"/>
-            <a:endParaRPr lang="ru-RU">
-              <a:solidFill>
-                <a:schemeClr val="bg1"/>
-              </a:solidFill>
-            </a:endParaRPr>
-          </a:p>
-        </p:txBody>
-      </p:sp>
-      <p:sp>
-        <p:nvSpPr>
-          <p:cNvPr id="14" name="Прямоугольник 13"/>
-          <p:cNvSpPr/>
-          <p:nvPr/>
-        </p:nvSpPr>
-        <p:spPr>
-          <a:xfrm>
-            <a:off x="539430" y="369249"/>
-            <a:ext cx="5237331" cy="615553"/>
-          </a:xfrm>
-          <a:prstGeom prst="rect">
-            <a:avLst/>
-          </a:prstGeom>
-        </p:spPr>
-        <p:txBody>
-          <a:bodyPr wrap="none">
-            <a:spAutoFit/>
-          </a:bodyPr>
-          <a:lstStyle/>
-          <a:p>
-            <a:r>
-              <a:rPr lang="ru-RU" sz="3400" b="1" dirty="0" smtClean="0">
-                <a:latin typeface="+mj-lt"/>
-                <a:cs typeface="Arial" panose="020B0604020202020204" pitchFamily="34" charset="0"/>
-              </a:rPr>
-              <a:t>Блок схема принятия ставки</a:t>
-            </a:r>
-            <a:endParaRPr lang="ru-BY" sz="3400" b="1" dirty="0">
-              <a:latin typeface="+mj-lt"/>
-              <a:cs typeface="Arial" panose="020B0604020202020204" pitchFamily="34" charset="0"/>
-            </a:endParaRPr>
-          </a:p>
-        </p:txBody>
-      </p:sp>
-      <p:sp>
-        <p:nvSpPr>
-          <p:cNvPr id="15" name="Прямоугольник 14">
-            <a:extLst>
-              <a:ext uri="{FF2B5EF4-FFF2-40B4-BE49-F238E27FC236}">
-                <a16:creationId xmlns:a16="http://schemas.microsoft.com/office/drawing/2014/main" id="{A13F02C5-D91C-41C8-A768-087FD6AD5394}"/>
-              </a:ext>
-            </a:extLst>
-          </p:cNvPr>
-          <p:cNvSpPr/>
-          <p:nvPr/>
-        </p:nvSpPr>
-        <p:spPr>
-          <a:xfrm rot="16200000">
-            <a:off x="9550435" y="3313248"/>
-            <a:ext cx="4461521" cy="231496"/>
-          </a:xfrm>
-          <a:prstGeom prst="rect">
-            <a:avLst/>
-          </a:prstGeom>
-          <a:solidFill>
-            <a:schemeClr val="accent1">
-              <a:lumMod val="75000"/>
-            </a:schemeClr>
-          </a:solidFill>
-          <a:ln>
-            <a:noFill/>
-          </a:ln>
-        </p:spPr>
-        <p:style>
-          <a:lnRef idx="2">
-            <a:schemeClr val="accent1">
-              <a:shade val="50000"/>
-            </a:schemeClr>
-          </a:lnRef>
-          <a:fillRef idx="1">
-            <a:schemeClr val="accent1"/>
-          </a:fillRef>
-          <a:effectRef idx="0">
-            <a:schemeClr val="accent1"/>
-          </a:effectRef>
-          <a:fontRef idx="minor">
-            <a:schemeClr val="lt1"/>
-          </a:fontRef>
-        </p:style>
-        <p:txBody>
-          <a:bodyPr rtlCol="0" anchor="ctr"/>
-          <a:lstStyle/>
-          <a:p>
-            <a:pPr algn="ctr"/>
-            <a:endParaRPr lang="ru-RU"/>
-          </a:p>
-        </p:txBody>
-      </p:sp>
-      <p:sp>
-        <p:nvSpPr>
-          <p:cNvPr id="16" name="Прямоугольник 15">
-            <a:extLst>
-              <a:ext uri="{FF2B5EF4-FFF2-40B4-BE49-F238E27FC236}">
-                <a16:creationId xmlns:a16="http://schemas.microsoft.com/office/drawing/2014/main" id="{A13F02C5-D91C-41C8-A768-087FD6AD5394}"/>
-              </a:ext>
-            </a:extLst>
-          </p:cNvPr>
-          <p:cNvSpPr/>
-          <p:nvPr/>
-        </p:nvSpPr>
-        <p:spPr>
-          <a:xfrm rot="16200000">
-            <a:off x="-2008555" y="3313249"/>
-            <a:ext cx="4461521" cy="231496"/>
-          </a:xfrm>
-          <a:prstGeom prst="rect">
-            <a:avLst/>
-          </a:prstGeom>
-          <a:solidFill>
-            <a:schemeClr val="accent1">
-              <a:lumMod val="75000"/>
-            </a:schemeClr>
-          </a:solidFill>
-          <a:ln>
-            <a:noFill/>
-          </a:ln>
-        </p:spPr>
-        <p:style>
-          <a:lnRef idx="2">
-            <a:schemeClr val="accent1">
-              <a:shade val="50000"/>
-            </a:schemeClr>
-          </a:lnRef>
-          <a:fillRef idx="1">
-            <a:schemeClr val="accent1"/>
-          </a:fillRef>
-          <a:effectRef idx="0">
-            <a:schemeClr val="accent1"/>
-          </a:effectRef>
-          <a:fontRef idx="minor">
-            <a:schemeClr val="lt1"/>
-          </a:fontRef>
-        </p:style>
-        <p:txBody>
-          <a:bodyPr rtlCol="0" anchor="ctr"/>
-          <a:lstStyle/>
-          <a:p>
-            <a:pPr algn="ctr"/>
-            <a:endParaRPr lang="ru-RU"/>
-          </a:p>
-        </p:txBody>
-      </p:sp>
       <p:pic>
         <p:nvPicPr>
-          <p:cNvPr id="19" name="Рисунок 18"/>
+          <p:cNvPr id="4" name="Рисунок 3"/>
           <p:cNvPicPr>
             <a:picLocks noChangeAspect="1"/>
           </p:cNvPicPr>
@@ -9989,8 +10435,290 @@
         </p:blipFill>
         <p:spPr>
           <a:xfrm>
-            <a:off x="1152524" y="1257375"/>
-            <a:ext cx="9540235" cy="4791000"/>
+            <a:off x="0" y="0"/>
+            <a:ext cx="12192000" cy="6858000"/>
+          </a:xfrm>
+          <a:prstGeom prst="rect">
+            <a:avLst/>
+          </a:prstGeom>
+        </p:spPr>
+      </p:pic>
+      <p:sp>
+        <p:nvSpPr>
+          <p:cNvPr id="5" name="Прямоугольник 4"/>
+          <p:cNvSpPr/>
+          <p:nvPr/>
+        </p:nvSpPr>
+        <p:spPr>
+          <a:xfrm>
+            <a:off x="644938" y="395626"/>
+            <a:ext cx="3488776" cy="707886"/>
+          </a:xfrm>
+          <a:prstGeom prst="rect">
+            <a:avLst/>
+          </a:prstGeom>
+        </p:spPr>
+        <p:txBody>
+          <a:bodyPr wrap="none">
+            <a:spAutoFit/>
+          </a:bodyPr>
+          <a:lstStyle/>
+          <a:p>
+            <a:r>
+              <a:rPr lang="ru-RU" sz="4000" b="1" dirty="0" smtClean="0">
+                <a:solidFill>
+                  <a:schemeClr val="bg1"/>
+                </a:solidFill>
+                <a:latin typeface="Times New Roman" panose="02020603050405020304" pitchFamily="18" charset="0"/>
+                <a:cs typeface="Times New Roman" panose="02020603050405020304" pitchFamily="18" charset="0"/>
+              </a:rPr>
+              <a:t>Цели и задачи</a:t>
+            </a:r>
+            <a:endParaRPr lang="ru-BY" sz="4000" b="1" dirty="0">
+              <a:solidFill>
+                <a:schemeClr val="bg1"/>
+              </a:solidFill>
+              <a:latin typeface="Times New Roman" panose="02020603050405020304" pitchFamily="18" charset="0"/>
+              <a:cs typeface="Times New Roman" panose="02020603050405020304" pitchFamily="18" charset="0"/>
+            </a:endParaRPr>
+          </a:p>
+        </p:txBody>
+      </p:sp>
+      <p:sp>
+        <p:nvSpPr>
+          <p:cNvPr id="6" name="Прямоугольник 5"/>
+          <p:cNvSpPr/>
+          <p:nvPr/>
+        </p:nvSpPr>
+        <p:spPr>
+          <a:xfrm>
+            <a:off x="106458" y="153863"/>
+            <a:ext cx="11790485" cy="6550269"/>
+          </a:xfrm>
+          <a:prstGeom prst="rect">
+            <a:avLst/>
+          </a:prstGeom>
+          <a:solidFill>
+            <a:schemeClr val="bg1"/>
+          </a:solidFill>
+        </p:spPr>
+        <p:style>
+          <a:lnRef idx="2">
+            <a:schemeClr val="accent1">
+              <a:shade val="50000"/>
+            </a:schemeClr>
+          </a:lnRef>
+          <a:fillRef idx="1">
+            <a:schemeClr val="accent1"/>
+          </a:fillRef>
+          <a:effectRef idx="0">
+            <a:schemeClr val="accent1"/>
+          </a:effectRef>
+          <a:fontRef idx="minor">
+            <a:schemeClr val="lt1"/>
+          </a:fontRef>
+        </p:style>
+        <p:txBody>
+          <a:bodyPr rtlCol="0" anchor="ctr"/>
+          <a:lstStyle/>
+          <a:p>
+            <a:pPr algn="ctr"/>
+            <a:endParaRPr lang="ru-RU">
+              <a:solidFill>
+                <a:schemeClr val="bg1"/>
+              </a:solidFill>
+            </a:endParaRPr>
+          </a:p>
+        </p:txBody>
+      </p:sp>
+      <p:sp>
+        <p:nvSpPr>
+          <p:cNvPr id="7" name="Прямоугольник 6"/>
+          <p:cNvSpPr/>
+          <p:nvPr/>
+        </p:nvSpPr>
+        <p:spPr>
+          <a:xfrm>
+            <a:off x="276906" y="370032"/>
+            <a:ext cx="11703845" cy="615553"/>
+          </a:xfrm>
+          <a:prstGeom prst="rect">
+            <a:avLst/>
+          </a:prstGeom>
+        </p:spPr>
+        <p:txBody>
+          <a:bodyPr wrap="none">
+            <a:spAutoFit/>
+          </a:bodyPr>
+          <a:lstStyle/>
+          <a:p>
+            <a:r>
+              <a:rPr lang="ru-RU" sz="3400" b="1" dirty="0" smtClean="0">
+                <a:latin typeface="+mj-lt"/>
+                <a:cs typeface="Arial" panose="020B0604020202020204" pitchFamily="34" charset="0"/>
+              </a:rPr>
+              <a:t>Диаграмма вариантов </a:t>
+            </a:r>
+            <a:r>
+              <a:rPr lang="ru-RU" sz="3400" b="1" dirty="0" smtClean="0">
+                <a:latin typeface="+mj-lt"/>
+                <a:cs typeface="Arial" panose="020B0604020202020204" pitchFamily="34" charset="0"/>
+              </a:rPr>
+              <a:t>использования</a:t>
+            </a:r>
+            <a:r>
+              <a:rPr lang="en-US" sz="3400" b="1" dirty="0" smtClean="0">
+                <a:latin typeface="+mj-lt"/>
+                <a:cs typeface="Arial" panose="020B0604020202020204" pitchFamily="34" charset="0"/>
+              </a:rPr>
+              <a:t> </a:t>
+            </a:r>
+            <a:r>
+              <a:rPr lang="ru-RU" sz="3400" b="1" dirty="0" smtClean="0">
+                <a:latin typeface="+mj-lt"/>
+                <a:cs typeface="Arial" panose="020B0604020202020204" pitchFamily="34" charset="0"/>
+              </a:rPr>
+              <a:t>для Гостя и Пользователя</a:t>
+            </a:r>
+            <a:endParaRPr lang="ru-BY" sz="3400" b="1" dirty="0">
+              <a:latin typeface="+mj-lt"/>
+              <a:cs typeface="Arial" panose="020B0604020202020204" pitchFamily="34" charset="0"/>
+            </a:endParaRPr>
+          </a:p>
+        </p:txBody>
+      </p:sp>
+      <p:sp>
+        <p:nvSpPr>
+          <p:cNvPr id="8" name="Прямоугольник 7">
+            <a:extLst>
+              <a:ext uri="{FF2B5EF4-FFF2-40B4-BE49-F238E27FC236}">
+                <a16:creationId xmlns:a16="http://schemas.microsoft.com/office/drawing/2014/main" id="{A13F02C5-D91C-41C8-A768-087FD6AD5394}"/>
+              </a:ext>
+            </a:extLst>
+          </p:cNvPr>
+          <p:cNvSpPr/>
+          <p:nvPr/>
+        </p:nvSpPr>
+        <p:spPr>
+          <a:xfrm rot="16200000">
+            <a:off x="9550435" y="3313248"/>
+            <a:ext cx="4461521" cy="231496"/>
+          </a:xfrm>
+          <a:prstGeom prst="rect">
+            <a:avLst/>
+          </a:prstGeom>
+          <a:solidFill>
+            <a:schemeClr val="accent1">
+              <a:lumMod val="75000"/>
+            </a:schemeClr>
+          </a:solidFill>
+          <a:ln>
+            <a:noFill/>
+          </a:ln>
+        </p:spPr>
+        <p:style>
+          <a:lnRef idx="2">
+            <a:schemeClr val="accent1">
+              <a:shade val="50000"/>
+            </a:schemeClr>
+          </a:lnRef>
+          <a:fillRef idx="1">
+            <a:schemeClr val="accent1"/>
+          </a:fillRef>
+          <a:effectRef idx="0">
+            <a:schemeClr val="accent1"/>
+          </a:effectRef>
+          <a:fontRef idx="minor">
+            <a:schemeClr val="lt1"/>
+          </a:fontRef>
+        </p:style>
+        <p:txBody>
+          <a:bodyPr rtlCol="0" anchor="ctr"/>
+          <a:lstStyle/>
+          <a:p>
+            <a:pPr algn="ctr"/>
+            <a:endParaRPr lang="ru-RU"/>
+          </a:p>
+        </p:txBody>
+      </p:sp>
+      <p:sp>
+        <p:nvSpPr>
+          <p:cNvPr id="9" name="Прямоугольник 8">
+            <a:extLst>
+              <a:ext uri="{FF2B5EF4-FFF2-40B4-BE49-F238E27FC236}">
+                <a16:creationId xmlns:a16="http://schemas.microsoft.com/office/drawing/2014/main" id="{A13F02C5-D91C-41C8-A768-087FD6AD5394}"/>
+              </a:ext>
+            </a:extLst>
+          </p:cNvPr>
+          <p:cNvSpPr/>
+          <p:nvPr/>
+        </p:nvSpPr>
+        <p:spPr>
+          <a:xfrm rot="16200000">
+            <a:off x="-2008555" y="3313249"/>
+            <a:ext cx="4461521" cy="231496"/>
+          </a:xfrm>
+          <a:prstGeom prst="rect">
+            <a:avLst/>
+          </a:prstGeom>
+          <a:solidFill>
+            <a:schemeClr val="accent1">
+              <a:lumMod val="75000"/>
+            </a:schemeClr>
+          </a:solidFill>
+          <a:ln>
+            <a:noFill/>
+          </a:ln>
+        </p:spPr>
+        <p:style>
+          <a:lnRef idx="2">
+            <a:schemeClr val="accent1">
+              <a:shade val="50000"/>
+            </a:schemeClr>
+          </a:lnRef>
+          <a:fillRef idx="1">
+            <a:schemeClr val="accent1"/>
+          </a:fillRef>
+          <a:effectRef idx="0">
+            <a:schemeClr val="accent1"/>
+          </a:effectRef>
+          <a:fontRef idx="minor">
+            <a:schemeClr val="lt1"/>
+          </a:fontRef>
+        </p:style>
+        <p:txBody>
+          <a:bodyPr rtlCol="0" anchor="ctr"/>
+          <a:lstStyle/>
+          <a:p>
+            <a:pPr algn="ctr"/>
+            <a:endParaRPr lang="ru-RU"/>
+          </a:p>
+        </p:txBody>
+      </p:sp>
+      <p:pic>
+        <p:nvPicPr>
+          <p:cNvPr id="12" name="Рисунок 11"/>
+          <p:cNvPicPr>
+            <a:picLocks noChangeAspect="1"/>
+          </p:cNvPicPr>
+          <p:nvPr/>
+        </p:nvPicPr>
+        <p:blipFill>
+          <a:blip r:embed="rId4">
+            <a:extLst>
+              <a:ext uri="{28A0092B-C50C-407E-A947-70E740481C1C}">
+                <a14:useLocalDpi xmlns:a14="http://schemas.microsoft.com/office/drawing/2010/main" val="0"/>
+              </a:ext>
+            </a:extLst>
+          </a:blip>
+          <a:stretch>
+            <a:fillRect/>
+          </a:stretch>
+        </p:blipFill>
+        <p:spPr>
+          <a:xfrm>
+            <a:off x="2621777" y="883294"/>
+            <a:ext cx="6759846" cy="5747432"/>
           </a:xfrm>
           <a:prstGeom prst="rect">
             <a:avLst/>
@@ -10000,7 +10728,7 @@
     </p:spTree>
     <p:extLst>
       <p:ext uri="{BB962C8B-B14F-4D97-AF65-F5344CB8AC3E}">
-        <p14:creationId xmlns:p14="http://schemas.microsoft.com/office/powerpoint/2010/main" val="518766685"/>
+        <p14:creationId xmlns:p14="http://schemas.microsoft.com/office/powerpoint/2010/main" val="1424419019"/>
       </p:ext>
     </p:extLst>
   </p:cSld>
@@ -10147,14 +10875,14 @@
       </p:sp>
       <p:sp>
         <p:nvSpPr>
-          <p:cNvPr id="7" name="Прямоугольник 6"/>
+          <p:cNvPr id="8" name="Прямоугольник 7"/>
           <p:cNvSpPr/>
           <p:nvPr/>
         </p:nvSpPr>
         <p:spPr>
           <a:xfrm>
             <a:off x="539430" y="369249"/>
-            <a:ext cx="4350871" cy="615553"/>
+            <a:ext cx="5787162" cy="615553"/>
           </a:xfrm>
           <a:prstGeom prst="rect">
             <a:avLst/>
@@ -10171,7 +10899,7 @@
                 <a:latin typeface="+mj-lt"/>
                 <a:cs typeface="Arial" panose="020B0604020202020204" pitchFamily="34" charset="0"/>
               </a:rPr>
-              <a:t>Демонстрация проекта</a:t>
+              <a:t>Логическая схема базы данных</a:t>
             </a:r>
             <a:endParaRPr lang="ru-BY" sz="3400" b="1" dirty="0">
               <a:latin typeface="+mj-lt"/>
@@ -10182,7 +10910,7 @@
       </p:sp>
       <p:sp>
         <p:nvSpPr>
-          <p:cNvPr id="8" name="Прямоугольник 7">
+          <p:cNvPr id="9" name="Прямоугольник 8">
             <a:extLst>
               <a:ext uri="{FF2B5EF4-FFF2-40B4-BE49-F238E27FC236}">
                 <a16:creationId xmlns:a16="http://schemas.microsoft.com/office/drawing/2014/main" id="{A13F02C5-D91C-41C8-A768-087FD6AD5394}"/>
@@ -10236,7 +10964,7 @@
       </p:sp>
       <p:sp>
         <p:nvSpPr>
-          <p:cNvPr id="9" name="Прямоугольник 8">
+          <p:cNvPr id="10" name="Прямоугольник 9">
             <a:extLst>
               <a:ext uri="{FF2B5EF4-FFF2-40B4-BE49-F238E27FC236}">
                 <a16:creationId xmlns:a16="http://schemas.microsoft.com/office/drawing/2014/main" id="{A13F02C5-D91C-41C8-A768-087FD6AD5394}"/>
@@ -10288,10 +11016,40 @@
           </a:p>
         </p:txBody>
       </p:sp>
+      <p:pic>
+        <p:nvPicPr>
+          <p:cNvPr id="11" name="Рисунок 10"/>
+          <p:cNvPicPr>
+            <a:picLocks noChangeAspect="1"/>
+          </p:cNvPicPr>
+          <p:nvPr/>
+        </p:nvPicPr>
+        <p:blipFill>
+          <a:blip r:embed="rId3">
+            <a:extLst>
+              <a:ext uri="{28A0092B-C50C-407E-A947-70E740481C1C}">
+                <a14:useLocalDpi xmlns:a14="http://schemas.microsoft.com/office/drawing/2010/main" val="0"/>
+              </a:ext>
+            </a:extLst>
+          </a:blip>
+          <a:stretch>
+            <a:fillRect/>
+          </a:stretch>
+        </p:blipFill>
+        <p:spPr>
+          <a:xfrm>
+            <a:off x="1571427" y="1103512"/>
+            <a:ext cx="8860546" cy="5421688"/>
+          </a:xfrm>
+          <a:prstGeom prst="rect">
+            <a:avLst/>
+          </a:prstGeom>
+        </p:spPr>
+      </p:pic>
     </p:spTree>
     <p:extLst>
       <p:ext uri="{BB962C8B-B14F-4D97-AF65-F5344CB8AC3E}">
-        <p14:creationId xmlns:p14="http://schemas.microsoft.com/office/powerpoint/2010/main" val="167104270"/>
+        <p14:creationId xmlns:p14="http://schemas.microsoft.com/office/powerpoint/2010/main" val="1200486689"/>
       </p:ext>
     </p:extLst>
   </p:cSld>

--- a/doklad.PPTX
+++ b/doklad.PPTX
@@ -17,7 +17,7 @@
     <p:sldId id="274" r:id="rId8"/>
     <p:sldId id="275" r:id="rId9"/>
     <p:sldId id="267" r:id="rId10"/>
-    <p:sldId id="268" r:id="rId11"/>
+    <p:sldId id="276" r:id="rId11"/>
     <p:sldId id="269" r:id="rId12"/>
     <p:sldId id="270" r:id="rId13"/>
     <p:sldId id="271" r:id="rId14"/>
@@ -210,7 +210,7 @@
           <a:p>
             <a:fld id="{D0F68FA1-4469-472D-AB3D-AC1E3E35D628}" type="datetimeFigureOut">
               <a:rPr lang="ru-RU" smtClean="0"/>
-              <a:t>07.06.2023</a:t>
+              <a:t>08.06.2023</a:t>
             </a:fld>
             <a:endParaRPr lang="ru-RU"/>
           </a:p>
@@ -777,7 +777,7 @@
           <a:p>
             <a:fld id="{410F56DA-C1F9-4AC5-87A8-B55E34AA2CD5}" type="datetimeFigureOut">
               <a:rPr lang="ru-RU" smtClean="0"/>
-              <a:t>07.06.2023</a:t>
+              <a:t>08.06.2023</a:t>
             </a:fld>
             <a:endParaRPr lang="ru-RU"/>
           </a:p>
@@ -947,7 +947,7 @@
           <a:p>
             <a:fld id="{410F56DA-C1F9-4AC5-87A8-B55E34AA2CD5}" type="datetimeFigureOut">
               <a:rPr lang="ru-RU" smtClean="0"/>
-              <a:t>07.06.2023</a:t>
+              <a:t>08.06.2023</a:t>
             </a:fld>
             <a:endParaRPr lang="ru-RU"/>
           </a:p>
@@ -1127,7 +1127,7 @@
           <a:p>
             <a:fld id="{410F56DA-C1F9-4AC5-87A8-B55E34AA2CD5}" type="datetimeFigureOut">
               <a:rPr lang="ru-RU" smtClean="0"/>
-              <a:t>07.06.2023</a:t>
+              <a:t>08.06.2023</a:t>
             </a:fld>
             <a:endParaRPr lang="ru-RU"/>
           </a:p>
@@ -1297,7 +1297,7 @@
           <a:p>
             <a:fld id="{410F56DA-C1F9-4AC5-87A8-B55E34AA2CD5}" type="datetimeFigureOut">
               <a:rPr lang="ru-RU" smtClean="0"/>
-              <a:t>07.06.2023</a:t>
+              <a:t>08.06.2023</a:t>
             </a:fld>
             <a:endParaRPr lang="ru-RU"/>
           </a:p>
@@ -1543,7 +1543,7 @@
           <a:p>
             <a:fld id="{410F56DA-C1F9-4AC5-87A8-B55E34AA2CD5}" type="datetimeFigureOut">
               <a:rPr lang="ru-RU" smtClean="0"/>
-              <a:t>07.06.2023</a:t>
+              <a:t>08.06.2023</a:t>
             </a:fld>
             <a:endParaRPr lang="ru-RU"/>
           </a:p>
@@ -1775,7 +1775,7 @@
           <a:p>
             <a:fld id="{410F56DA-C1F9-4AC5-87A8-B55E34AA2CD5}" type="datetimeFigureOut">
               <a:rPr lang="ru-RU" smtClean="0"/>
-              <a:t>07.06.2023</a:t>
+              <a:t>08.06.2023</a:t>
             </a:fld>
             <a:endParaRPr lang="ru-RU"/>
           </a:p>
@@ -2142,7 +2142,7 @@
           <a:p>
             <a:fld id="{410F56DA-C1F9-4AC5-87A8-B55E34AA2CD5}" type="datetimeFigureOut">
               <a:rPr lang="ru-RU" smtClean="0"/>
-              <a:t>07.06.2023</a:t>
+              <a:t>08.06.2023</a:t>
             </a:fld>
             <a:endParaRPr lang="ru-RU"/>
           </a:p>
@@ -2260,7 +2260,7 @@
           <a:p>
             <a:fld id="{410F56DA-C1F9-4AC5-87A8-B55E34AA2CD5}" type="datetimeFigureOut">
               <a:rPr lang="ru-RU" smtClean="0"/>
-              <a:t>07.06.2023</a:t>
+              <a:t>08.06.2023</a:t>
             </a:fld>
             <a:endParaRPr lang="ru-RU"/>
           </a:p>
@@ -2355,7 +2355,7 @@
           <a:p>
             <a:fld id="{410F56DA-C1F9-4AC5-87A8-B55E34AA2CD5}" type="datetimeFigureOut">
               <a:rPr lang="ru-RU" smtClean="0"/>
-              <a:t>07.06.2023</a:t>
+              <a:t>08.06.2023</a:t>
             </a:fld>
             <a:endParaRPr lang="ru-RU"/>
           </a:p>
@@ -2632,7 +2632,7 @@
           <a:p>
             <a:fld id="{410F56DA-C1F9-4AC5-87A8-B55E34AA2CD5}" type="datetimeFigureOut">
               <a:rPr lang="ru-RU" smtClean="0"/>
-              <a:t>07.06.2023</a:t>
+              <a:t>08.06.2023</a:t>
             </a:fld>
             <a:endParaRPr lang="ru-RU"/>
           </a:p>
@@ -2885,7 +2885,7 @@
           <a:p>
             <a:fld id="{410F56DA-C1F9-4AC5-87A8-B55E34AA2CD5}" type="datetimeFigureOut">
               <a:rPr lang="ru-RU" smtClean="0"/>
-              <a:t>07.06.2023</a:t>
+              <a:t>08.06.2023</a:t>
             </a:fld>
             <a:endParaRPr lang="ru-RU"/>
           </a:p>
@@ -3098,7 +3098,7 @@
           <a:p>
             <a:fld id="{410F56DA-C1F9-4AC5-87A8-B55E34AA2CD5}" type="datetimeFigureOut">
               <a:rPr lang="ru-RU" smtClean="0"/>
-              <a:t>07.06.2023</a:t>
+              <a:t>08.06.2023</a:t>
             </a:fld>
             <a:endParaRPr lang="ru-RU"/>
           </a:p>
@@ -3601,8 +3601,8 @@
         </p:nvSpPr>
         <p:spPr>
           <a:xfrm>
-            <a:off x="0" y="4979872"/>
-            <a:ext cx="12192000" cy="1878127"/>
+            <a:off x="0" y="4983480"/>
+            <a:ext cx="12192000" cy="1874519"/>
           </a:xfrm>
           <a:prstGeom prst="rect">
             <a:avLst/>
@@ -4350,9 +4350,47 @@
           <a:chExt cx="0" cy="0"/>
         </a:xfrm>
       </p:grpSpPr>
+      <p:sp>
+        <p:nvSpPr>
+          <p:cNvPr id="2" name="Заголовок 1"/>
+          <p:cNvSpPr>
+            <a:spLocks noGrp="1"/>
+          </p:cNvSpPr>
+          <p:nvPr>
+            <p:ph type="title"/>
+          </p:nvPr>
+        </p:nvSpPr>
+        <p:spPr/>
+        <p:txBody>
+          <a:bodyPr/>
+          <a:lstStyle/>
+          <a:p>
+            <a:endParaRPr lang="ru-RU"/>
+          </a:p>
+        </p:txBody>
+      </p:sp>
+      <p:sp>
+        <p:nvSpPr>
+          <p:cNvPr id="3" name="Объект 2"/>
+          <p:cNvSpPr>
+            <a:spLocks noGrp="1"/>
+          </p:cNvSpPr>
+          <p:nvPr>
+            <p:ph idx="1"/>
+          </p:nvPr>
+        </p:nvSpPr>
+        <p:spPr/>
+        <p:txBody>
+          <a:bodyPr/>
+          <a:lstStyle/>
+          <a:p>
+            <a:endParaRPr lang="ru-RU"/>
+          </a:p>
+        </p:txBody>
+      </p:sp>
       <p:pic>
         <p:nvPicPr>
-          <p:cNvPr id="11" name="Рисунок 10"/>
+          <p:cNvPr id="4" name="Рисунок 3"/>
           <p:cNvPicPr>
             <a:picLocks noChangeAspect="1"/>
           </p:cNvPicPr>
@@ -4382,7 +4420,7 @@
       </p:pic>
       <p:sp>
         <p:nvSpPr>
-          <p:cNvPr id="12" name="Прямоугольник 11"/>
+          <p:cNvPr id="5" name="Прямоугольник 4"/>
           <p:cNvSpPr/>
           <p:nvPr/>
         </p:nvSpPr>
@@ -4423,7 +4461,7 @@
       </p:sp>
       <p:sp>
         <p:nvSpPr>
-          <p:cNvPr id="13" name="Прямоугольник 12"/>
+          <p:cNvPr id="6" name="Прямоугольник 5"/>
           <p:cNvSpPr/>
           <p:nvPr/>
         </p:nvSpPr>
@@ -4470,14 +4508,14 @@
       </p:sp>
       <p:sp>
         <p:nvSpPr>
-          <p:cNvPr id="14" name="Прямоугольник 13"/>
+          <p:cNvPr id="7" name="Прямоугольник 6"/>
           <p:cNvSpPr/>
           <p:nvPr/>
         </p:nvSpPr>
         <p:spPr>
           <a:xfrm>
             <a:off x="539430" y="369249"/>
-            <a:ext cx="5237331" cy="615553"/>
+            <a:ext cx="8427307" cy="615553"/>
           </a:xfrm>
           <a:prstGeom prst="rect">
             <a:avLst/>
@@ -4494,7 +4532,7 @@
                 <a:latin typeface="+mj-lt"/>
                 <a:cs typeface="Arial" panose="020B0604020202020204" pitchFamily="34" charset="0"/>
               </a:rPr>
-              <a:t>Блок схема принятия ставки</a:t>
+              <a:t>Блок-схема алгоритма подтверждения ставки</a:t>
             </a:r>
             <a:endParaRPr lang="ru-BY" sz="3400" b="1" dirty="0">
               <a:latin typeface="+mj-lt"/>
@@ -4505,7 +4543,7 @@
       </p:sp>
       <p:sp>
         <p:nvSpPr>
-          <p:cNvPr id="15" name="Прямоугольник 14">
+          <p:cNvPr id="8" name="Прямоугольник 7">
             <a:extLst>
               <a:ext uri="{FF2B5EF4-FFF2-40B4-BE49-F238E27FC236}">
                 <a16:creationId xmlns:a16="http://schemas.microsoft.com/office/drawing/2014/main" id="{A13F02C5-D91C-41C8-A768-087FD6AD5394}"/>
@@ -4559,7 +4597,7 @@
       </p:sp>
       <p:sp>
         <p:nvSpPr>
-          <p:cNvPr id="16" name="Прямоугольник 15">
+          <p:cNvPr id="9" name="Прямоугольник 8">
             <a:extLst>
               <a:ext uri="{FF2B5EF4-FFF2-40B4-BE49-F238E27FC236}">
                 <a16:creationId xmlns:a16="http://schemas.microsoft.com/office/drawing/2014/main" id="{A13F02C5-D91C-41C8-A768-087FD6AD5394}"/>
@@ -4613,14 +4651,14 @@
       </p:sp>
       <p:pic>
         <p:nvPicPr>
-          <p:cNvPr id="19" name="Рисунок 18"/>
+          <p:cNvPr id="10" name="Рисунок 9"/>
           <p:cNvPicPr>
             <a:picLocks noChangeAspect="1"/>
           </p:cNvPicPr>
           <p:nvPr/>
         </p:nvPicPr>
         <p:blipFill>
-          <a:blip r:embed="rId3">
+          <a:blip r:embed="rId3" cstate="print">
             <a:extLst>
               <a:ext uri="{28A0092B-C50C-407E-A947-70E740481C1C}">
                 <a14:useLocalDpi xmlns:a14="http://schemas.microsoft.com/office/drawing/2010/main" val="0"/>
@@ -4633,8 +4671,8 @@
         </p:blipFill>
         <p:spPr>
           <a:xfrm>
-            <a:off x="1152524" y="1257375"/>
-            <a:ext cx="9540235" cy="4791000"/>
+            <a:off x="1226170" y="1435490"/>
+            <a:ext cx="9739659" cy="4817954"/>
           </a:xfrm>
           <a:prstGeom prst="rect">
             <a:avLst/>
@@ -4644,7 +4682,7 @@
     </p:spTree>
     <p:extLst>
       <p:ext uri="{BB962C8B-B14F-4D97-AF65-F5344CB8AC3E}">
-        <p14:creationId xmlns:p14="http://schemas.microsoft.com/office/powerpoint/2010/main" val="518766685"/>
+        <p14:creationId xmlns:p14="http://schemas.microsoft.com/office/powerpoint/2010/main" val="3105329373"/>
       </p:ext>
     </p:extLst>
   </p:cSld>
@@ -8903,33 +8941,6 @@
           </a:p>
         </p:txBody>
       </p:sp>
-      <p:pic>
-        <p:nvPicPr>
-          <p:cNvPr id="7" name="Рисунок 6"/>
-          <p:cNvPicPr/>
-          <p:nvPr/>
-        </p:nvPicPr>
-        <p:blipFill>
-          <a:blip r:embed="rId3"/>
-          <a:stretch>
-            <a:fillRect/>
-          </a:stretch>
-        </p:blipFill>
-        <p:spPr>
-          <a:xfrm>
-            <a:off x="3449954" y="1357312"/>
-            <a:ext cx="5103495" cy="4452938"/>
-          </a:xfrm>
-          <a:prstGeom prst="rect">
-            <a:avLst/>
-          </a:prstGeom>
-          <a:ln>
-            <a:solidFill>
-              <a:schemeClr val="bg1"/>
-            </a:solidFill>
-          </a:ln>
-        </p:spPr>
-      </p:pic>
       <p:sp>
         <p:nvSpPr>
           <p:cNvPr id="9" name="Прямоугольник 8"/>
@@ -9073,6 +9084,36 @@
           </a:p>
         </p:txBody>
       </p:sp>
+      <p:pic>
+        <p:nvPicPr>
+          <p:cNvPr id="2" name="Рисунок 1"/>
+          <p:cNvPicPr>
+            <a:picLocks noChangeAspect="1"/>
+          </p:cNvPicPr>
+          <p:nvPr/>
+        </p:nvPicPr>
+        <p:blipFill>
+          <a:blip r:embed="rId3" cstate="print">
+            <a:extLst>
+              <a:ext uri="{28A0092B-C50C-407E-A947-70E740481C1C}">
+                <a14:useLocalDpi xmlns:a14="http://schemas.microsoft.com/office/drawing/2010/main" val="0"/>
+              </a:ext>
+            </a:extLst>
+          </a:blip>
+          <a:stretch>
+            <a:fillRect/>
+          </a:stretch>
+        </p:blipFill>
+        <p:spPr>
+          <a:xfrm>
+            <a:off x="2980593" y="1365667"/>
+            <a:ext cx="6235328" cy="4651035"/>
+          </a:xfrm>
+          <a:prstGeom prst="rect">
+            <a:avLst/>
+          </a:prstGeom>
+        </p:spPr>
+      </p:pic>
     </p:spTree>
     <p:extLst>
       <p:ext uri="{BB962C8B-B14F-4D97-AF65-F5344CB8AC3E}">
@@ -9825,14 +9866,7 @@
                 <a:latin typeface="+mj-lt"/>
                 <a:cs typeface="Arial" panose="020B0604020202020204" pitchFamily="34" charset="0"/>
               </a:rPr>
-              <a:t>Диаграмма вариантов </a:t>
-            </a:r>
-            <a:r>
-              <a:rPr lang="ru-RU" sz="3400" b="1" dirty="0" smtClean="0">
-                <a:latin typeface="+mj-lt"/>
-                <a:cs typeface="Arial" panose="020B0604020202020204" pitchFamily="34" charset="0"/>
-              </a:rPr>
-              <a:t>использования</a:t>
+              <a:t>Диаграмма вариантов использования</a:t>
             </a:r>
             <a:r>
               <a:rPr lang="en-US" sz="3400" b="1" dirty="0" smtClean="0">
@@ -9965,14 +9999,14 @@
       </p:sp>
       <p:pic>
         <p:nvPicPr>
-          <p:cNvPr id="2" name="Рисунок 1"/>
+          <p:cNvPr id="3" name="Рисунок 2"/>
           <p:cNvPicPr>
             <a:picLocks noChangeAspect="1"/>
           </p:cNvPicPr>
           <p:nvPr/>
         </p:nvPicPr>
         <p:blipFill>
-          <a:blip r:embed="rId3">
+          <a:blip r:embed="rId3" cstate="print">
             <a:extLst>
               <a:ext uri="{28A0092B-C50C-407E-A947-70E740481C1C}">
                 <a14:useLocalDpi xmlns:a14="http://schemas.microsoft.com/office/drawing/2010/main" val="0"/>
@@ -9985,8 +10019,8 @@
         </p:blipFill>
         <p:spPr>
           <a:xfrm>
-            <a:off x="3389426" y="938448"/>
-            <a:ext cx="5043374" cy="5750706"/>
+            <a:off x="3210070" y="967222"/>
+            <a:ext cx="5814757" cy="5736909"/>
           </a:xfrm>
           <a:prstGeom prst="rect">
             <a:avLst/>
@@ -10167,14 +10201,7 @@
                 <a:latin typeface="+mj-lt"/>
                 <a:cs typeface="Arial" panose="020B0604020202020204" pitchFamily="34" charset="0"/>
               </a:rPr>
-              <a:t>Диаграмма вариантов </a:t>
-            </a:r>
-            <a:r>
-              <a:rPr lang="ru-RU" sz="3400" b="1" dirty="0" smtClean="0">
-                <a:latin typeface="+mj-lt"/>
-                <a:cs typeface="Arial" panose="020B0604020202020204" pitchFamily="34" charset="0"/>
-              </a:rPr>
-              <a:t>использования</a:t>
+              <a:t>Диаграмма вариантов использования</a:t>
             </a:r>
             <a:r>
               <a:rPr lang="en-US" sz="3400" b="1" dirty="0" smtClean="0">
@@ -10557,14 +10584,7 @@
                 <a:latin typeface="+mj-lt"/>
                 <a:cs typeface="Arial" panose="020B0604020202020204" pitchFamily="34" charset="0"/>
               </a:rPr>
-              <a:t>Диаграмма вариантов </a:t>
-            </a:r>
-            <a:r>
-              <a:rPr lang="ru-RU" sz="3400" b="1" dirty="0" smtClean="0">
-                <a:latin typeface="+mj-lt"/>
-                <a:cs typeface="Arial" panose="020B0604020202020204" pitchFamily="34" charset="0"/>
-              </a:rPr>
-              <a:t>использования</a:t>
+              <a:t>Диаграмма вариантов использования</a:t>
             </a:r>
             <a:r>
               <a:rPr lang="en-US" sz="3400" b="1" dirty="0" smtClean="0">
@@ -11018,14 +11038,14 @@
       </p:sp>
       <p:pic>
         <p:nvPicPr>
-          <p:cNvPr id="11" name="Рисунок 10"/>
+          <p:cNvPr id="2" name="Рисунок 1"/>
           <p:cNvPicPr>
             <a:picLocks noChangeAspect="1"/>
           </p:cNvPicPr>
           <p:nvPr/>
         </p:nvPicPr>
         <p:blipFill>
-          <a:blip r:embed="rId3">
+          <a:blip r:embed="rId3" cstate="print">
             <a:extLst>
               <a:ext uri="{28A0092B-C50C-407E-A947-70E740481C1C}">
                 <a14:useLocalDpi xmlns:a14="http://schemas.microsoft.com/office/drawing/2010/main" val="0"/>
@@ -11038,8 +11058,8 @@
         </p:blipFill>
         <p:spPr>
           <a:xfrm>
-            <a:off x="1571427" y="1103512"/>
-            <a:ext cx="8860546" cy="5421688"/>
+            <a:off x="1577720" y="1103512"/>
+            <a:ext cx="9036560" cy="5477155"/>
           </a:xfrm>
           <a:prstGeom prst="rect">
             <a:avLst/>
